--- a/presentazione/Comunicazione client server.pptx
+++ b/presentazione/Comunicazione client server.pptx
@@ -4,9 +4,15 @@
   <p:sldMasterIdLst>
     <p:sldMasterId id="2147483648" r:id="rId1"/>
   </p:sldMasterIdLst>
+  <p:notesMasterIdLst>
+    <p:notesMasterId r:id="rId7"/>
+  </p:notesMasterIdLst>
   <p:sldIdLst>
     <p:sldId id="256" r:id="rId2"/>
     <p:sldId id="257" r:id="rId3"/>
+    <p:sldId id="260" r:id="rId4"/>
+    <p:sldId id="259" r:id="rId5"/>
+    <p:sldId id="261" r:id="rId6"/>
   </p:sldIdLst>
   <p:sldSz cx="12192000" cy="6858000"/>
   <p:notesSz cx="6858000" cy="9144000"/>
@@ -105,7 +111,1842 @@
       </a:defRPr>
     </a:lvl9pPr>
   </p:defaultTextStyle>
+  <p:extLst>
+    <p:ext uri="{EFAFB233-063F-42B5-8137-9DF3F51BA10A}">
+      <p15:sldGuideLst xmlns:p15="http://schemas.microsoft.com/office/powerpoint/2012/main"/>
+    </p:ext>
+  </p:extLst>
 </p:presentation>
+</file>
+
+<file path=ppt/notesMasters/notesMaster1.xml><?xml version="1.0" encoding="utf-8"?>
+<p:notesMaster xmlns:a="http://schemas.openxmlformats.org/drawingml/2006/main" xmlns:r="http://schemas.openxmlformats.org/officeDocument/2006/relationships" xmlns:p="http://schemas.openxmlformats.org/presentationml/2006/main">
+  <p:cSld>
+    <p:bg>
+      <p:bgRef idx="1001">
+        <a:schemeClr val="bg1"/>
+      </p:bgRef>
+    </p:bg>
+    <p:spTree>
+      <p:nvGrpSpPr>
+        <p:cNvPr id="1" name=""/>
+        <p:cNvGrpSpPr/>
+        <p:nvPr/>
+      </p:nvGrpSpPr>
+      <p:grpSpPr>
+        <a:xfrm>
+          <a:off x="0" y="0"/>
+          <a:ext cx="0" cy="0"/>
+          <a:chOff x="0" y="0"/>
+          <a:chExt cx="0" cy="0"/>
+        </a:xfrm>
+      </p:grpSpPr>
+      <p:sp>
+        <p:nvSpPr>
+          <p:cNvPr id="2" name="Segnaposto intestazione 1"/>
+          <p:cNvSpPr>
+            <a:spLocks noGrp="1"/>
+          </p:cNvSpPr>
+          <p:nvPr>
+            <p:ph type="hdr" sz="quarter"/>
+          </p:nvPr>
+        </p:nvSpPr>
+        <p:spPr>
+          <a:xfrm>
+            <a:off x="0" y="0"/>
+            <a:ext cx="2971800" cy="458788"/>
+          </a:xfrm>
+          <a:prstGeom prst="rect">
+            <a:avLst/>
+          </a:prstGeom>
+        </p:spPr>
+        <p:txBody>
+          <a:bodyPr vert="horz" lIns="91440" tIns="45720" rIns="91440" bIns="45720" rtlCol="0"/>
+          <a:lstStyle>
+            <a:lvl1pPr algn="l">
+              <a:defRPr sz="1200"/>
+            </a:lvl1pPr>
+          </a:lstStyle>
+          <a:p>
+            <a:endParaRPr lang="it-IT"/>
+          </a:p>
+        </p:txBody>
+      </p:sp>
+      <p:sp>
+        <p:nvSpPr>
+          <p:cNvPr id="3" name="Segnaposto data 2"/>
+          <p:cNvSpPr>
+            <a:spLocks noGrp="1"/>
+          </p:cNvSpPr>
+          <p:nvPr>
+            <p:ph type="dt" idx="1"/>
+          </p:nvPr>
+        </p:nvSpPr>
+        <p:spPr>
+          <a:xfrm>
+            <a:off x="3884613" y="0"/>
+            <a:ext cx="2971800" cy="458788"/>
+          </a:xfrm>
+          <a:prstGeom prst="rect">
+            <a:avLst/>
+          </a:prstGeom>
+        </p:spPr>
+        <p:txBody>
+          <a:bodyPr vert="horz" lIns="91440" tIns="45720" rIns="91440" bIns="45720" rtlCol="0"/>
+          <a:lstStyle>
+            <a:lvl1pPr algn="r">
+              <a:defRPr sz="1200"/>
+            </a:lvl1pPr>
+          </a:lstStyle>
+          <a:p>
+            <a:fld id="{2B344AF1-B1D4-4D83-8A93-729116F6CCB0}" type="datetimeFigureOut">
+              <a:rPr lang="it-IT" smtClean="0"/>
+              <a:t>01/05/2019</a:t>
+            </a:fld>
+            <a:endParaRPr lang="it-IT"/>
+          </a:p>
+        </p:txBody>
+      </p:sp>
+      <p:sp>
+        <p:nvSpPr>
+          <p:cNvPr id="4" name="Segnaposto immagine diapositiva 3"/>
+          <p:cNvSpPr>
+            <a:spLocks noGrp="1" noRot="1" noChangeAspect="1"/>
+          </p:cNvSpPr>
+          <p:nvPr>
+            <p:ph type="sldImg" idx="2"/>
+          </p:nvPr>
+        </p:nvSpPr>
+        <p:spPr>
+          <a:xfrm>
+            <a:off x="685800" y="1143000"/>
+            <a:ext cx="5486400" cy="3086100"/>
+          </a:xfrm>
+          <a:prstGeom prst="rect">
+            <a:avLst/>
+          </a:prstGeom>
+          <a:noFill/>
+          <a:ln w="12700">
+            <a:solidFill>
+              <a:prstClr val="black"/>
+            </a:solidFill>
+          </a:ln>
+        </p:spPr>
+        <p:txBody>
+          <a:bodyPr vert="horz" lIns="91440" tIns="45720" rIns="91440" bIns="45720" rtlCol="0" anchor="ctr"/>
+          <a:lstStyle/>
+          <a:p>
+            <a:endParaRPr lang="it-IT"/>
+          </a:p>
+        </p:txBody>
+      </p:sp>
+      <p:sp>
+        <p:nvSpPr>
+          <p:cNvPr id="5" name="Segnaposto note 4"/>
+          <p:cNvSpPr>
+            <a:spLocks noGrp="1"/>
+          </p:cNvSpPr>
+          <p:nvPr>
+            <p:ph type="body" sz="quarter" idx="3"/>
+          </p:nvPr>
+        </p:nvSpPr>
+        <p:spPr>
+          <a:xfrm>
+            <a:off x="685800" y="4400550"/>
+            <a:ext cx="5486400" cy="3600450"/>
+          </a:xfrm>
+          <a:prstGeom prst="rect">
+            <a:avLst/>
+          </a:prstGeom>
+        </p:spPr>
+        <p:txBody>
+          <a:bodyPr vert="horz" lIns="91440" tIns="45720" rIns="91440" bIns="45720" rtlCol="0"/>
+          <a:lstStyle/>
+          <a:p>
+            <a:pPr lvl="0"/>
+            <a:r>
+              <a:rPr lang="it-IT"/>
+              <a:t>Fare clic per modificare gli stili del testo dello schema</a:t>
+            </a:r>
+          </a:p>
+          <a:p>
+            <a:pPr lvl="1"/>
+            <a:r>
+              <a:rPr lang="it-IT"/>
+              <a:t>Secondo livello</a:t>
+            </a:r>
+          </a:p>
+          <a:p>
+            <a:pPr lvl="2"/>
+            <a:r>
+              <a:rPr lang="it-IT"/>
+              <a:t>Terzo livello</a:t>
+            </a:r>
+          </a:p>
+          <a:p>
+            <a:pPr lvl="3"/>
+            <a:r>
+              <a:rPr lang="it-IT"/>
+              <a:t>Quarto livello</a:t>
+            </a:r>
+          </a:p>
+          <a:p>
+            <a:pPr lvl="4"/>
+            <a:r>
+              <a:rPr lang="it-IT"/>
+              <a:t>Quinto livello</a:t>
+            </a:r>
+          </a:p>
+        </p:txBody>
+      </p:sp>
+      <p:sp>
+        <p:nvSpPr>
+          <p:cNvPr id="6" name="Segnaposto piè di pagina 5"/>
+          <p:cNvSpPr>
+            <a:spLocks noGrp="1"/>
+          </p:cNvSpPr>
+          <p:nvPr>
+            <p:ph type="ftr" sz="quarter" idx="4"/>
+          </p:nvPr>
+        </p:nvSpPr>
+        <p:spPr>
+          <a:xfrm>
+            <a:off x="0" y="8685213"/>
+            <a:ext cx="2971800" cy="458787"/>
+          </a:xfrm>
+          <a:prstGeom prst="rect">
+            <a:avLst/>
+          </a:prstGeom>
+        </p:spPr>
+        <p:txBody>
+          <a:bodyPr vert="horz" lIns="91440" tIns="45720" rIns="91440" bIns="45720" rtlCol="0" anchor="b"/>
+          <a:lstStyle>
+            <a:lvl1pPr algn="l">
+              <a:defRPr sz="1200"/>
+            </a:lvl1pPr>
+          </a:lstStyle>
+          <a:p>
+            <a:endParaRPr lang="it-IT"/>
+          </a:p>
+        </p:txBody>
+      </p:sp>
+      <p:sp>
+        <p:nvSpPr>
+          <p:cNvPr id="7" name="Segnaposto numero diapositiva 6"/>
+          <p:cNvSpPr>
+            <a:spLocks noGrp="1"/>
+          </p:cNvSpPr>
+          <p:nvPr>
+            <p:ph type="sldNum" sz="quarter" idx="5"/>
+          </p:nvPr>
+        </p:nvSpPr>
+        <p:spPr>
+          <a:xfrm>
+            <a:off x="3884613" y="8685213"/>
+            <a:ext cx="2971800" cy="458787"/>
+          </a:xfrm>
+          <a:prstGeom prst="rect">
+            <a:avLst/>
+          </a:prstGeom>
+        </p:spPr>
+        <p:txBody>
+          <a:bodyPr vert="horz" lIns="91440" tIns="45720" rIns="91440" bIns="45720" rtlCol="0" anchor="b"/>
+          <a:lstStyle>
+            <a:lvl1pPr algn="r">
+              <a:defRPr sz="1200"/>
+            </a:lvl1pPr>
+          </a:lstStyle>
+          <a:p>
+            <a:fld id="{E12860C2-E7A4-469D-B6DB-5520F1054B04}" type="slidenum">
+              <a:rPr lang="it-IT" smtClean="0"/>
+              <a:t>‹N›</a:t>
+            </a:fld>
+            <a:endParaRPr lang="it-IT"/>
+          </a:p>
+        </p:txBody>
+      </p:sp>
+    </p:spTree>
+    <p:extLst>
+      <p:ext uri="{BB962C8B-B14F-4D97-AF65-F5344CB8AC3E}">
+        <p14:creationId xmlns:p14="http://schemas.microsoft.com/office/powerpoint/2010/main" val="3856921391"/>
+      </p:ext>
+    </p:extLst>
+  </p:cSld>
+  <p:clrMap bg1="lt1" tx1="dk1" bg2="lt2" tx2="dk2" accent1="accent1" accent2="accent2" accent3="accent3" accent4="accent4" accent5="accent5" accent6="accent6" hlink="hlink" folHlink="folHlink"/>
+  <p:notesStyle>
+    <a:lvl1pPr marL="0" algn="l" defTabSz="914400" rtl="0" eaLnBrk="1" latinLnBrk="0" hangingPunct="1">
+      <a:defRPr sz="1200" kern="1200">
+        <a:solidFill>
+          <a:schemeClr val="tx1"/>
+        </a:solidFill>
+        <a:latin typeface="+mn-lt"/>
+        <a:ea typeface="+mn-ea"/>
+        <a:cs typeface="+mn-cs"/>
+      </a:defRPr>
+    </a:lvl1pPr>
+    <a:lvl2pPr marL="457200" algn="l" defTabSz="914400" rtl="0" eaLnBrk="1" latinLnBrk="0" hangingPunct="1">
+      <a:defRPr sz="1200" kern="1200">
+        <a:solidFill>
+          <a:schemeClr val="tx1"/>
+        </a:solidFill>
+        <a:latin typeface="+mn-lt"/>
+        <a:ea typeface="+mn-ea"/>
+        <a:cs typeface="+mn-cs"/>
+      </a:defRPr>
+    </a:lvl2pPr>
+    <a:lvl3pPr marL="914400" algn="l" defTabSz="914400" rtl="0" eaLnBrk="1" latinLnBrk="0" hangingPunct="1">
+      <a:defRPr sz="1200" kern="1200">
+        <a:solidFill>
+          <a:schemeClr val="tx1"/>
+        </a:solidFill>
+        <a:latin typeface="+mn-lt"/>
+        <a:ea typeface="+mn-ea"/>
+        <a:cs typeface="+mn-cs"/>
+      </a:defRPr>
+    </a:lvl3pPr>
+    <a:lvl4pPr marL="1371600" algn="l" defTabSz="914400" rtl="0" eaLnBrk="1" latinLnBrk="0" hangingPunct="1">
+      <a:defRPr sz="1200" kern="1200">
+        <a:solidFill>
+          <a:schemeClr val="tx1"/>
+        </a:solidFill>
+        <a:latin typeface="+mn-lt"/>
+        <a:ea typeface="+mn-ea"/>
+        <a:cs typeface="+mn-cs"/>
+      </a:defRPr>
+    </a:lvl4pPr>
+    <a:lvl5pPr marL="1828800" algn="l" defTabSz="914400" rtl="0" eaLnBrk="1" latinLnBrk="0" hangingPunct="1">
+      <a:defRPr sz="1200" kern="1200">
+        <a:solidFill>
+          <a:schemeClr val="tx1"/>
+        </a:solidFill>
+        <a:latin typeface="+mn-lt"/>
+        <a:ea typeface="+mn-ea"/>
+        <a:cs typeface="+mn-cs"/>
+      </a:defRPr>
+    </a:lvl5pPr>
+    <a:lvl6pPr marL="2286000" algn="l" defTabSz="914400" rtl="0" eaLnBrk="1" latinLnBrk="0" hangingPunct="1">
+      <a:defRPr sz="1200" kern="1200">
+        <a:solidFill>
+          <a:schemeClr val="tx1"/>
+        </a:solidFill>
+        <a:latin typeface="+mn-lt"/>
+        <a:ea typeface="+mn-ea"/>
+        <a:cs typeface="+mn-cs"/>
+      </a:defRPr>
+    </a:lvl6pPr>
+    <a:lvl7pPr marL="2743200" algn="l" defTabSz="914400" rtl="0" eaLnBrk="1" latinLnBrk="0" hangingPunct="1">
+      <a:defRPr sz="1200" kern="1200">
+        <a:solidFill>
+          <a:schemeClr val="tx1"/>
+        </a:solidFill>
+        <a:latin typeface="+mn-lt"/>
+        <a:ea typeface="+mn-ea"/>
+        <a:cs typeface="+mn-cs"/>
+      </a:defRPr>
+    </a:lvl7pPr>
+    <a:lvl8pPr marL="3200400" algn="l" defTabSz="914400" rtl="0" eaLnBrk="1" latinLnBrk="0" hangingPunct="1">
+      <a:defRPr sz="1200" kern="1200">
+        <a:solidFill>
+          <a:schemeClr val="tx1"/>
+        </a:solidFill>
+        <a:latin typeface="+mn-lt"/>
+        <a:ea typeface="+mn-ea"/>
+        <a:cs typeface="+mn-cs"/>
+      </a:defRPr>
+    </a:lvl8pPr>
+    <a:lvl9pPr marL="3657600" algn="l" defTabSz="914400" rtl="0" eaLnBrk="1" latinLnBrk="0" hangingPunct="1">
+      <a:defRPr sz="1200" kern="1200">
+        <a:solidFill>
+          <a:schemeClr val="tx1"/>
+        </a:solidFill>
+        <a:latin typeface="+mn-lt"/>
+        <a:ea typeface="+mn-ea"/>
+        <a:cs typeface="+mn-cs"/>
+      </a:defRPr>
+    </a:lvl9pPr>
+  </p:notesStyle>
+</p:notesMaster>
+</file>
+
+<file path=ppt/notesSlides/notesSlide1.xml><?xml version="1.0" encoding="utf-8"?>
+<p:notes xmlns:a="http://schemas.openxmlformats.org/drawingml/2006/main" xmlns:r="http://schemas.openxmlformats.org/officeDocument/2006/relationships" xmlns:p="http://schemas.openxmlformats.org/presentationml/2006/main">
+  <p:cSld>
+    <p:spTree>
+      <p:nvGrpSpPr>
+        <p:cNvPr id="1" name=""/>
+        <p:cNvGrpSpPr/>
+        <p:nvPr/>
+      </p:nvGrpSpPr>
+      <p:grpSpPr>
+        <a:xfrm>
+          <a:off x="0" y="0"/>
+          <a:ext cx="0" cy="0"/>
+          <a:chOff x="0" y="0"/>
+          <a:chExt cx="0" cy="0"/>
+        </a:xfrm>
+      </p:grpSpPr>
+      <p:sp>
+        <p:nvSpPr>
+          <p:cNvPr id="2" name="Segnaposto immagine diapositiva 1"/>
+          <p:cNvSpPr>
+            <a:spLocks noGrp="1" noRot="1" noChangeAspect="1"/>
+          </p:cNvSpPr>
+          <p:nvPr>
+            <p:ph type="sldImg"/>
+          </p:nvPr>
+        </p:nvSpPr>
+        <p:spPr/>
+      </p:sp>
+      <p:sp>
+        <p:nvSpPr>
+          <p:cNvPr id="3" name="Segnaposto note 2"/>
+          <p:cNvSpPr>
+            <a:spLocks noGrp="1"/>
+          </p:cNvSpPr>
+          <p:nvPr>
+            <p:ph type="body" idx="1"/>
+          </p:nvPr>
+        </p:nvSpPr>
+        <p:spPr/>
+        <p:txBody>
+          <a:bodyPr/>
+          <a:lstStyle/>
+          <a:p>
+            <a:endParaRPr lang="it-IT" sz="1200" b="0" i="0" kern="1200" dirty="0">
+              <a:solidFill>
+                <a:schemeClr val="tx1"/>
+              </a:solidFill>
+              <a:effectLst/>
+              <a:latin typeface="+mn-lt"/>
+              <a:ea typeface="+mn-ea"/>
+              <a:cs typeface="+mn-cs"/>
+            </a:endParaRPr>
+          </a:p>
+          <a:p>
+            <a:endParaRPr lang="it-IT" sz="1200" b="0" i="0" kern="1200" dirty="0">
+              <a:solidFill>
+                <a:schemeClr val="tx1"/>
+              </a:solidFill>
+              <a:effectLst/>
+              <a:latin typeface="+mn-lt"/>
+              <a:ea typeface="+mn-ea"/>
+              <a:cs typeface="+mn-cs"/>
+            </a:endParaRPr>
+          </a:p>
+          <a:p>
+            <a:pPr marL="0" marR="0" lvl="0" indent="0" algn="l" defTabSz="914400" rtl="0" eaLnBrk="1" fontAlgn="auto" latinLnBrk="0" hangingPunct="1">
+              <a:lnSpc>
+                <a:spcPct val="100000"/>
+              </a:lnSpc>
+              <a:spcBef>
+                <a:spcPts val="0"/>
+              </a:spcBef>
+              <a:spcAft>
+                <a:spcPts val="0"/>
+              </a:spcAft>
+              <a:buClrTx/>
+              <a:buSzTx/>
+              <a:buFontTx/>
+              <a:buNone/>
+              <a:tabLst/>
+              <a:defRPr/>
+            </a:pPr>
+            <a:r>
+              <a:rPr lang="it-IT" dirty="0"/>
+              <a:t>Immaginiamo che qualcuno ci mandi  una </a:t>
+            </a:r>
+            <a:r>
+              <a:rPr lang="it-IT" i="1" dirty="0"/>
+              <a:t>e-mail: </a:t>
+            </a:r>
+            <a:r>
+              <a:rPr lang="it-IT" dirty="0"/>
+              <a:t>questa non arriva direttamente al nostro computer, ma viene prima ricevuta da un </a:t>
+            </a:r>
+            <a:r>
+              <a:rPr lang="it-IT" i="1" dirty="0"/>
+              <a:t>server</a:t>
+            </a:r>
+            <a:r>
+              <a:rPr lang="it-IT" dirty="0"/>
+              <a:t> di posta elettronica al quale è collegata la nostra casella </a:t>
+            </a:r>
+            <a:r>
+              <a:rPr lang="it-IT" i="1" dirty="0"/>
+              <a:t>e-mail.</a:t>
+            </a:r>
+            <a:r>
+              <a:rPr lang="it-IT" dirty="0"/>
+              <a:t> Questo </a:t>
+            </a:r>
+            <a:r>
+              <a:rPr lang="it-IT" i="1" dirty="0"/>
+              <a:t>server</a:t>
+            </a:r>
+            <a:r>
+              <a:rPr lang="it-IT" dirty="0"/>
+              <a:t>, volendo fare un paragone concreto, lo possiamo immaginare come l’ufficio postale della nostra città o paese.</a:t>
+            </a:r>
+          </a:p>
+          <a:p>
+            <a:endParaRPr lang="it-IT" sz="1200" b="0" i="0" kern="1200" dirty="0">
+              <a:solidFill>
+                <a:schemeClr val="tx1"/>
+              </a:solidFill>
+              <a:effectLst/>
+              <a:latin typeface="+mn-lt"/>
+              <a:ea typeface="+mn-ea"/>
+              <a:cs typeface="+mn-cs"/>
+            </a:endParaRPr>
+          </a:p>
+          <a:p>
+            <a:r>
+              <a:rPr lang="it-IT" sz="1200" b="0" i="0" kern="1200" dirty="0">
+                <a:solidFill>
+                  <a:schemeClr val="tx1"/>
+                </a:solidFill>
+                <a:effectLst/>
+                <a:latin typeface="+mn-lt"/>
+                <a:ea typeface="+mn-ea"/>
+                <a:cs typeface="+mn-cs"/>
+              </a:rPr>
+              <a:t>Ma andiamo avanti con il paragone: se il </a:t>
+            </a:r>
+            <a:r>
+              <a:rPr lang="it-IT" sz="1200" b="0" i="1" kern="1200" dirty="0">
+                <a:solidFill>
+                  <a:schemeClr val="tx1"/>
+                </a:solidFill>
+                <a:effectLst/>
+                <a:latin typeface="+mn-lt"/>
+                <a:ea typeface="+mn-ea"/>
+                <a:cs typeface="+mn-cs"/>
+              </a:rPr>
+              <a:t>server</a:t>
+            </a:r>
+            <a:r>
+              <a:rPr lang="it-IT" sz="1200" b="0" i="0" kern="1200" dirty="0">
+                <a:solidFill>
+                  <a:schemeClr val="tx1"/>
+                </a:solidFill>
+                <a:effectLst/>
+                <a:latin typeface="+mn-lt"/>
+                <a:ea typeface="+mn-ea"/>
+                <a:cs typeface="+mn-cs"/>
+              </a:rPr>
+              <a:t>, come visto, è il nostro ufficio postale di riferimento, allora il nostro indirizzo di posta elettronica è la nostra casella postale, e il </a:t>
+            </a:r>
+            <a:r>
+              <a:rPr lang="it-IT" sz="1200" b="0" i="1" kern="1200" dirty="0">
+                <a:solidFill>
+                  <a:schemeClr val="tx1"/>
+                </a:solidFill>
+                <a:effectLst/>
+                <a:latin typeface="+mn-lt"/>
+                <a:ea typeface="+mn-ea"/>
+                <a:cs typeface="+mn-cs"/>
+              </a:rPr>
+              <a:t>client</a:t>
+            </a:r>
+            <a:r>
+              <a:rPr lang="it-IT" sz="1200" b="0" i="0" kern="1200" dirty="0">
+                <a:solidFill>
+                  <a:schemeClr val="tx1"/>
+                </a:solidFill>
+                <a:effectLst/>
+                <a:latin typeface="+mn-lt"/>
+                <a:ea typeface="+mn-ea"/>
+                <a:cs typeface="+mn-cs"/>
+              </a:rPr>
+              <a:t> (cioè appunto il programma di posta elettronica che usiamo) è il postino che riceve i messaggi a noi destinati (arrivati all’ufficio postale, cioè al </a:t>
+            </a:r>
+            <a:r>
+              <a:rPr lang="it-IT" sz="1200" b="0" i="1" kern="1200" dirty="0">
+                <a:solidFill>
+                  <a:schemeClr val="tx1"/>
+                </a:solidFill>
+                <a:effectLst/>
+                <a:latin typeface="+mn-lt"/>
+                <a:ea typeface="+mn-ea"/>
+                <a:cs typeface="+mn-cs"/>
+              </a:rPr>
+              <a:t>server</a:t>
+            </a:r>
+            <a:r>
+              <a:rPr lang="it-IT" sz="1200" b="0" i="0" kern="1200" dirty="0">
+                <a:solidFill>
+                  <a:schemeClr val="tx1"/>
+                </a:solidFill>
+                <a:effectLst/>
+                <a:latin typeface="+mn-lt"/>
+                <a:ea typeface="+mn-ea"/>
+                <a:cs typeface="+mn-cs"/>
+              </a:rPr>
+              <a:t>), legge dove abitiamo (indirizzo di posta elettronica) e ci consegna a domicilio le lettere (ovvero le </a:t>
+            </a:r>
+            <a:r>
+              <a:rPr lang="it-IT" sz="1200" b="0" i="1" kern="1200" dirty="0">
+                <a:solidFill>
+                  <a:schemeClr val="tx1"/>
+                </a:solidFill>
+                <a:effectLst/>
+                <a:latin typeface="+mn-lt"/>
+                <a:ea typeface="+mn-ea"/>
+                <a:cs typeface="+mn-cs"/>
+              </a:rPr>
+              <a:t>e-mail</a:t>
+            </a:r>
+            <a:r>
+              <a:rPr lang="it-IT" sz="1200" b="0" i="0" kern="1200" dirty="0">
+                <a:solidFill>
+                  <a:schemeClr val="tx1"/>
+                </a:solidFill>
+                <a:effectLst/>
+                <a:latin typeface="+mn-lt"/>
+                <a:ea typeface="+mn-ea"/>
+                <a:cs typeface="+mn-cs"/>
+              </a:rPr>
+              <a:t>). Tutto questo viene svolto in automatico grazie alle funzionalità stesse del programma, cioè appunto del</a:t>
+            </a:r>
+            <a:r>
+              <a:rPr lang="it-IT" sz="1200" b="0" i="1" kern="1200" dirty="0">
+                <a:solidFill>
+                  <a:schemeClr val="tx1"/>
+                </a:solidFill>
+                <a:effectLst/>
+                <a:latin typeface="+mn-lt"/>
+                <a:ea typeface="+mn-ea"/>
+                <a:cs typeface="+mn-cs"/>
+              </a:rPr>
+              <a:t> client</a:t>
+            </a:r>
+            <a:r>
+              <a:rPr lang="it-IT" sz="1200" b="0" i="0" kern="1200" dirty="0">
+                <a:solidFill>
+                  <a:schemeClr val="tx1"/>
+                </a:solidFill>
+                <a:effectLst/>
+                <a:latin typeface="+mn-lt"/>
+                <a:ea typeface="+mn-ea"/>
+                <a:cs typeface="+mn-cs"/>
+              </a:rPr>
+              <a:t>.</a:t>
+            </a:r>
+          </a:p>
+          <a:p>
+            <a:r>
+              <a:rPr lang="it-IT" sz="1200" b="0" i="0" kern="1200" dirty="0">
+                <a:solidFill>
+                  <a:schemeClr val="tx1"/>
+                </a:solidFill>
+                <a:effectLst/>
+                <a:latin typeface="+mn-lt"/>
+                <a:ea typeface="+mn-ea"/>
+                <a:cs typeface="+mn-cs"/>
+              </a:rPr>
+              <a:t>Allo stesso modo, quando siamo noi a scrivere una e-mail e a volerla spedire a qualcuno, ci rivolgiamo naturalmente al nostro </a:t>
+            </a:r>
+            <a:r>
+              <a:rPr lang="it-IT" sz="1200" b="0" i="1" kern="1200" dirty="0">
+                <a:solidFill>
+                  <a:schemeClr val="tx1"/>
+                </a:solidFill>
+                <a:effectLst/>
+                <a:latin typeface="+mn-lt"/>
+                <a:ea typeface="+mn-ea"/>
+                <a:cs typeface="+mn-cs"/>
+              </a:rPr>
+              <a:t>client</a:t>
+            </a:r>
+            <a:r>
+              <a:rPr lang="it-IT" sz="1200" b="0" i="0" kern="1200" dirty="0">
+                <a:solidFill>
+                  <a:schemeClr val="tx1"/>
+                </a:solidFill>
+                <a:effectLst/>
+                <a:latin typeface="+mn-lt"/>
+                <a:ea typeface="+mn-ea"/>
+                <a:cs typeface="+mn-cs"/>
+              </a:rPr>
+              <a:t>, il quale prende la nostra lettera e la porta alla sede postale (il </a:t>
+            </a:r>
+            <a:r>
+              <a:rPr lang="it-IT" sz="1200" b="0" i="1" kern="1200" dirty="0">
+                <a:solidFill>
+                  <a:schemeClr val="tx1"/>
+                </a:solidFill>
+                <a:effectLst/>
+                <a:latin typeface="+mn-lt"/>
+                <a:ea typeface="+mn-ea"/>
+                <a:cs typeface="+mn-cs"/>
+              </a:rPr>
+              <a:t>server</a:t>
+            </a:r>
+            <a:r>
+              <a:rPr lang="it-IT" sz="1200" b="0" i="0" kern="1200" dirty="0">
+                <a:solidFill>
+                  <a:schemeClr val="tx1"/>
+                </a:solidFill>
+                <a:effectLst/>
+                <a:latin typeface="+mn-lt"/>
+                <a:ea typeface="+mn-ea"/>
+                <a:cs typeface="+mn-cs"/>
+              </a:rPr>
+              <a:t>) da dove, grazie al nome che abbiamo indicato (l’indirizzo </a:t>
+            </a:r>
+            <a:r>
+              <a:rPr lang="it-IT" sz="1200" b="0" i="1" kern="1200" dirty="0">
+                <a:solidFill>
+                  <a:schemeClr val="tx1"/>
+                </a:solidFill>
+                <a:effectLst/>
+                <a:latin typeface="+mn-lt"/>
+                <a:ea typeface="+mn-ea"/>
+                <a:cs typeface="+mn-cs"/>
+              </a:rPr>
+              <a:t>e-mail</a:t>
+            </a:r>
+            <a:r>
+              <a:rPr lang="it-IT" sz="1200" b="0" i="0" kern="1200" dirty="0">
+                <a:solidFill>
+                  <a:schemeClr val="tx1"/>
+                </a:solidFill>
+                <a:effectLst/>
+                <a:latin typeface="+mn-lt"/>
+                <a:ea typeface="+mn-ea"/>
+                <a:cs typeface="+mn-cs"/>
+              </a:rPr>
+              <a:t>), il messaggio verrà recapitato al corretto destinatario.</a:t>
+            </a:r>
+          </a:p>
+          <a:p>
+            <a:endParaRPr lang="it-IT" sz="1200" b="0" i="0" kern="1200" dirty="0">
+              <a:solidFill>
+                <a:schemeClr val="tx1"/>
+              </a:solidFill>
+              <a:effectLst/>
+              <a:latin typeface="+mn-lt"/>
+              <a:ea typeface="+mn-ea"/>
+              <a:cs typeface="+mn-cs"/>
+            </a:endParaRPr>
+          </a:p>
+          <a:p>
+            <a:r>
+              <a:rPr lang="it-IT" sz="1200" b="0" i="0" kern="1200" dirty="0">
+                <a:solidFill>
+                  <a:schemeClr val="tx1"/>
+                </a:solidFill>
+                <a:effectLst/>
+                <a:latin typeface="+mn-lt"/>
+                <a:ea typeface="+mn-ea"/>
+                <a:cs typeface="+mn-cs"/>
+              </a:rPr>
+              <a:t>Va specificato, poi, che il nostro postino (il </a:t>
+            </a:r>
+            <a:r>
+              <a:rPr lang="it-IT" sz="1200" b="0" i="1" kern="1200" dirty="0">
+                <a:solidFill>
+                  <a:schemeClr val="tx1"/>
+                </a:solidFill>
+                <a:effectLst/>
+                <a:latin typeface="+mn-lt"/>
+                <a:ea typeface="+mn-ea"/>
+                <a:cs typeface="+mn-cs"/>
+              </a:rPr>
+              <a:t>client-</a:t>
+            </a:r>
+            <a:r>
+              <a:rPr lang="it-IT" sz="1200" b="0" i="0" kern="1200" dirty="0">
+                <a:solidFill>
+                  <a:schemeClr val="tx1"/>
+                </a:solidFill>
+                <a:effectLst/>
+                <a:latin typeface="+mn-lt"/>
+                <a:ea typeface="+mn-ea"/>
+                <a:cs typeface="+mn-cs"/>
+              </a:rPr>
+              <a:t>programma di posta elettronica),  quando si reca all’ufficio postale, parla due lingue diverse chiamate ‘protocolli’ (fuor di metafora, un protocollo è un insieme di regole su cui si basa una comunicazione): una (protocollo POP3) quando va a prendere la posta destinata a noi (quando cioè ci arriva una e-mail), e un’altra, invece (protocollo SMTP) quando va all’ufficio postale a portare le lettere che vogliamo inviare ad altri (quando siamo noi a spedire delle e-mail).</a:t>
+            </a:r>
+            <a:endParaRPr lang="it-IT" dirty="0"/>
+          </a:p>
+        </p:txBody>
+      </p:sp>
+      <p:sp>
+        <p:nvSpPr>
+          <p:cNvPr id="4" name="Segnaposto numero diapositiva 3"/>
+          <p:cNvSpPr>
+            <a:spLocks noGrp="1"/>
+          </p:cNvSpPr>
+          <p:nvPr>
+            <p:ph type="sldNum" sz="quarter" idx="5"/>
+          </p:nvPr>
+        </p:nvSpPr>
+        <p:spPr/>
+        <p:txBody>
+          <a:bodyPr/>
+          <a:lstStyle/>
+          <a:p>
+            <a:fld id="{E12860C2-E7A4-469D-B6DB-5520F1054B04}" type="slidenum">
+              <a:rPr lang="it-IT" smtClean="0"/>
+              <a:t>2</a:t>
+            </a:fld>
+            <a:endParaRPr lang="it-IT"/>
+          </a:p>
+        </p:txBody>
+      </p:sp>
+    </p:spTree>
+    <p:extLst>
+      <p:ext uri="{BB962C8B-B14F-4D97-AF65-F5344CB8AC3E}">
+        <p14:creationId xmlns:p14="http://schemas.microsoft.com/office/powerpoint/2010/main" val="529697270"/>
+      </p:ext>
+    </p:extLst>
+  </p:cSld>
+  <p:clrMapOvr>
+    <a:masterClrMapping/>
+  </p:clrMapOvr>
+</p:notes>
+</file>
+
+<file path=ppt/notesSlides/notesSlide2.xml><?xml version="1.0" encoding="utf-8"?>
+<p:notes xmlns:a="http://schemas.openxmlformats.org/drawingml/2006/main" xmlns:r="http://schemas.openxmlformats.org/officeDocument/2006/relationships" xmlns:p="http://schemas.openxmlformats.org/presentationml/2006/main">
+  <p:cSld>
+    <p:spTree>
+      <p:nvGrpSpPr>
+        <p:cNvPr id="1" name=""/>
+        <p:cNvGrpSpPr/>
+        <p:nvPr/>
+      </p:nvGrpSpPr>
+      <p:grpSpPr>
+        <a:xfrm>
+          <a:off x="0" y="0"/>
+          <a:ext cx="0" cy="0"/>
+          <a:chOff x="0" y="0"/>
+          <a:chExt cx="0" cy="0"/>
+        </a:xfrm>
+      </p:grpSpPr>
+      <p:sp>
+        <p:nvSpPr>
+          <p:cNvPr id="2" name="Segnaposto immagine diapositiva 1"/>
+          <p:cNvSpPr>
+            <a:spLocks noGrp="1" noRot="1" noChangeAspect="1"/>
+          </p:cNvSpPr>
+          <p:nvPr>
+            <p:ph type="sldImg"/>
+          </p:nvPr>
+        </p:nvSpPr>
+        <p:spPr/>
+      </p:sp>
+      <p:sp>
+        <p:nvSpPr>
+          <p:cNvPr id="3" name="Segnaposto note 2"/>
+          <p:cNvSpPr>
+            <a:spLocks noGrp="1"/>
+          </p:cNvSpPr>
+          <p:nvPr>
+            <p:ph type="body" idx="1"/>
+          </p:nvPr>
+        </p:nvSpPr>
+        <p:spPr/>
+        <p:txBody>
+          <a:bodyPr/>
+          <a:lstStyle/>
+          <a:p>
+            <a:r>
+              <a:rPr lang="it-IT" dirty="0"/>
+              <a:t>. In questo contesto si può quindi parlare di client riferendosi all'</a:t>
+            </a:r>
+            <a:r>
+              <a:rPr lang="it-IT" dirty="0">
+                <a:hlinkClick r:id="rId3" tooltip="Hardware"/>
+              </a:rPr>
+              <a:t>hardware</a:t>
+            </a:r>
+            <a:r>
+              <a:rPr lang="it-IT" dirty="0"/>
+              <a:t> oppure al </a:t>
+            </a:r>
+            <a:r>
+              <a:rPr lang="it-IT" dirty="0" err="1">
+                <a:hlinkClick r:id="rId4" tooltip="Software"/>
+              </a:rPr>
+              <a:t>softwar</a:t>
+            </a:r>
+            <a:endParaRPr lang="it-IT" dirty="0">
+              <a:hlinkClick r:id="rId4" tooltip="Software"/>
+            </a:endParaRPr>
+          </a:p>
+          <a:p>
+            <a:r>
+              <a:rPr lang="it-IT" sz="1200" b="0" i="0" kern="1200" dirty="0">
+                <a:solidFill>
+                  <a:schemeClr val="tx1"/>
+                </a:solidFill>
+                <a:effectLst/>
+                <a:latin typeface="+mn-lt"/>
+                <a:ea typeface="+mn-ea"/>
+                <a:cs typeface="+mn-cs"/>
+              </a:rPr>
+              <a:t>Un </a:t>
+            </a:r>
+            <a:r>
+              <a:rPr lang="it-IT" sz="1200" b="0" i="0" u="none" strike="noStrike" kern="1200" dirty="0">
+                <a:solidFill>
+                  <a:schemeClr val="tx1"/>
+                </a:solidFill>
+                <a:effectLst/>
+                <a:latin typeface="+mn-lt"/>
+                <a:ea typeface="+mn-ea"/>
+                <a:cs typeface="+mn-cs"/>
+                <a:hlinkClick r:id="rId5" tooltip="Computer"/>
+              </a:rPr>
+              <a:t>computer</a:t>
+            </a:r>
+            <a:r>
+              <a:rPr lang="it-IT" sz="1200" b="0" i="0" kern="1200" dirty="0">
+                <a:solidFill>
+                  <a:schemeClr val="tx1"/>
+                </a:solidFill>
+                <a:effectLst/>
+                <a:latin typeface="+mn-lt"/>
+                <a:ea typeface="+mn-ea"/>
+                <a:cs typeface="+mn-cs"/>
+              </a:rPr>
+              <a:t> collegato ad un server tramite una </a:t>
+            </a:r>
+            <a:r>
+              <a:rPr lang="it-IT" sz="1200" b="0" i="0" u="none" strike="noStrike" kern="1200" dirty="0">
+                <a:solidFill>
+                  <a:schemeClr val="tx1"/>
+                </a:solidFill>
+                <a:effectLst/>
+                <a:latin typeface="+mn-lt"/>
+                <a:ea typeface="+mn-ea"/>
+                <a:cs typeface="+mn-cs"/>
+                <a:hlinkClick r:id="rId6" tooltip="Rete informatica"/>
+              </a:rPr>
+              <a:t>rete informatica</a:t>
+            </a:r>
+            <a:r>
+              <a:rPr lang="it-IT" sz="1200" b="0" i="0" kern="1200" dirty="0">
+                <a:solidFill>
+                  <a:schemeClr val="tx1"/>
+                </a:solidFill>
+                <a:effectLst/>
+                <a:latin typeface="+mn-lt"/>
+                <a:ea typeface="+mn-ea"/>
+                <a:cs typeface="+mn-cs"/>
+              </a:rPr>
+              <a:t> (</a:t>
+            </a:r>
+            <a:r>
+              <a:rPr lang="it-IT" sz="1200" b="0" i="0" u="none" strike="noStrike" kern="1200" dirty="0">
+                <a:solidFill>
+                  <a:schemeClr val="tx1"/>
+                </a:solidFill>
+                <a:effectLst/>
+                <a:latin typeface="+mn-lt"/>
+                <a:ea typeface="+mn-ea"/>
+                <a:cs typeface="+mn-cs"/>
+                <a:hlinkClick r:id="rId7" tooltip="Rete locale"/>
+              </a:rPr>
+              <a:t>locale</a:t>
+            </a:r>
+            <a:r>
+              <a:rPr lang="it-IT" sz="1200" b="0" i="0" kern="1200" dirty="0">
+                <a:solidFill>
+                  <a:schemeClr val="tx1"/>
+                </a:solidFill>
+                <a:effectLst/>
+                <a:latin typeface="+mn-lt"/>
+                <a:ea typeface="+mn-ea"/>
+                <a:cs typeface="+mn-cs"/>
+              </a:rPr>
+              <a:t> o </a:t>
+            </a:r>
+            <a:r>
+              <a:rPr lang="it-IT" sz="1200" b="0" i="0" u="none" strike="noStrike" kern="1200" dirty="0">
+                <a:solidFill>
+                  <a:schemeClr val="tx1"/>
+                </a:solidFill>
+                <a:effectLst/>
+                <a:latin typeface="+mn-lt"/>
+                <a:ea typeface="+mn-ea"/>
+                <a:cs typeface="+mn-cs"/>
+                <a:hlinkClick r:id="rId8" tooltip="Wide Area Network"/>
+              </a:rPr>
+              <a:t>geografica</a:t>
+            </a:r>
+            <a:r>
+              <a:rPr lang="it-IT" sz="1200" b="0" i="0" kern="1200" dirty="0">
+                <a:solidFill>
+                  <a:schemeClr val="tx1"/>
+                </a:solidFill>
+                <a:effectLst/>
+                <a:latin typeface="+mn-lt"/>
+                <a:ea typeface="+mn-ea"/>
+                <a:cs typeface="+mn-cs"/>
+              </a:rPr>
+              <a:t>) ed al quale richiede uno o più servizi, utilizzando uno o più </a:t>
+            </a:r>
+            <a:r>
+              <a:rPr lang="it-IT" sz="1200" b="0" i="0" u="none" strike="noStrike" kern="1200" dirty="0">
+                <a:solidFill>
+                  <a:schemeClr val="tx1"/>
+                </a:solidFill>
+                <a:effectLst/>
+                <a:latin typeface="+mn-lt"/>
+                <a:ea typeface="+mn-ea"/>
+                <a:cs typeface="+mn-cs"/>
+                <a:hlinkClick r:id="rId9" tooltip="Protocollo di rete"/>
+              </a:rPr>
+              <a:t>protocolli di rete</a:t>
+            </a:r>
+            <a:r>
+              <a:rPr lang="it-IT" sz="1200" b="0" i="0" kern="1200" dirty="0">
+                <a:solidFill>
+                  <a:schemeClr val="tx1"/>
+                </a:solidFill>
+                <a:effectLst/>
+                <a:latin typeface="+mn-lt"/>
+                <a:ea typeface="+mn-ea"/>
+                <a:cs typeface="+mn-cs"/>
+              </a:rPr>
+              <a:t> è un esempio di client hardware. Si parla in tal caso di architettura </a:t>
+            </a:r>
+            <a:r>
+              <a:rPr lang="it-IT" sz="1200" b="0" i="0" u="none" strike="noStrike" kern="1200" dirty="0" err="1">
+                <a:solidFill>
+                  <a:schemeClr val="tx1"/>
+                </a:solidFill>
+                <a:effectLst/>
+                <a:latin typeface="+mn-lt"/>
+                <a:ea typeface="+mn-ea"/>
+                <a:cs typeface="+mn-cs"/>
+                <a:hlinkClick r:id="rId10" tooltip="Client-server"/>
+              </a:rPr>
+              <a:t>client-server</a:t>
+            </a:r>
+            <a:r>
+              <a:rPr lang="it-IT" sz="1200" b="0" i="0" kern="1200" dirty="0">
+                <a:solidFill>
+                  <a:schemeClr val="tx1"/>
+                </a:solidFill>
+                <a:effectLst/>
+                <a:latin typeface="+mn-lt"/>
+                <a:ea typeface="+mn-ea"/>
+                <a:cs typeface="+mn-cs"/>
+              </a:rPr>
+              <a:t>.</a:t>
+            </a:r>
+          </a:p>
+          <a:p>
+            <a:r>
+              <a:rPr lang="it-IT" sz="1200" b="0" i="0" kern="1200" dirty="0">
+                <a:solidFill>
+                  <a:schemeClr val="tx1"/>
+                </a:solidFill>
+                <a:effectLst/>
+                <a:latin typeface="+mn-lt"/>
+                <a:ea typeface="+mn-ea"/>
+                <a:cs typeface="+mn-cs"/>
+              </a:rPr>
+              <a:t>Oggi sempre di più i software, come il </a:t>
+            </a:r>
+            <a:r>
+              <a:rPr lang="it-IT" sz="1200" b="0" i="0" u="none" strike="noStrike" kern="1200" dirty="0">
+                <a:solidFill>
+                  <a:schemeClr val="tx1"/>
+                </a:solidFill>
+                <a:effectLst/>
+                <a:latin typeface="+mn-lt"/>
+                <a:ea typeface="+mn-ea"/>
+                <a:cs typeface="+mn-cs"/>
+                <a:hlinkClick r:id="rId11" tooltip="Web"/>
+              </a:rPr>
+              <a:t>web</a:t>
+            </a:r>
+            <a:r>
+              <a:rPr lang="it-IT" sz="1200" b="0" i="0" kern="1200" dirty="0">
+                <a:solidFill>
+                  <a:schemeClr val="tx1"/>
+                </a:solidFill>
+                <a:effectLst/>
+                <a:latin typeface="+mn-lt"/>
+                <a:ea typeface="+mn-ea"/>
+                <a:cs typeface="+mn-cs"/>
+              </a:rPr>
+              <a:t>, la </a:t>
+            </a:r>
+            <a:r>
+              <a:rPr lang="it-IT" sz="1200" b="0" i="0" u="none" strike="noStrike" kern="1200" dirty="0">
+                <a:solidFill>
+                  <a:schemeClr val="tx1"/>
+                </a:solidFill>
+                <a:effectLst/>
+                <a:latin typeface="+mn-lt"/>
+                <a:ea typeface="+mn-ea"/>
+                <a:cs typeface="+mn-cs"/>
+                <a:hlinkClick r:id="rId12" tooltip="Posta elettronica"/>
+              </a:rPr>
+              <a:t>posta elettronica</a:t>
+            </a:r>
+            <a:r>
+              <a:rPr lang="it-IT" sz="1200" b="0" i="0" kern="1200" dirty="0">
+                <a:solidFill>
+                  <a:schemeClr val="tx1"/>
+                </a:solidFill>
+                <a:effectLst/>
+                <a:latin typeface="+mn-lt"/>
+                <a:ea typeface="+mn-ea"/>
+                <a:cs typeface="+mn-cs"/>
+              </a:rPr>
+              <a:t>, le </a:t>
+            </a:r>
+            <a:r>
+              <a:rPr lang="it-IT" sz="1200" b="0" i="0" u="none" strike="noStrike" kern="1200" dirty="0">
+                <a:solidFill>
+                  <a:schemeClr val="tx1"/>
+                </a:solidFill>
+                <a:effectLst/>
+                <a:latin typeface="+mn-lt"/>
+                <a:ea typeface="+mn-ea"/>
+                <a:cs typeface="+mn-cs"/>
+                <a:hlinkClick r:id="rId13" tooltip="Basi di dati"/>
+              </a:rPr>
+              <a:t>basi di dati</a:t>
+            </a:r>
+            <a:r>
+              <a:rPr lang="it-IT" sz="1200" b="0" i="0" kern="1200" dirty="0">
+                <a:solidFill>
+                  <a:schemeClr val="tx1"/>
+                </a:solidFill>
+                <a:effectLst/>
+                <a:latin typeface="+mn-lt"/>
+                <a:ea typeface="+mn-ea"/>
+                <a:cs typeface="+mn-cs"/>
+              </a:rPr>
+              <a:t>, sono divisi in una parte client (residente ed in esecuzione sul pc client) ed una parte server (residente ed in esecuzione sul server). </a:t>
+            </a:r>
+          </a:p>
+          <a:p>
+            <a:r>
+              <a:rPr lang="it-IT" dirty="0">
+                <a:hlinkClick r:id="rId4" tooltip="Software"/>
+              </a:rPr>
+              <a:t>e</a:t>
+            </a:r>
+            <a:r>
+              <a:rPr lang="it-IT" dirty="0"/>
+              <a:t>. Esso fa parte dunque dell'architettura logica di rete detta </a:t>
+            </a:r>
+            <a:r>
+              <a:rPr lang="it-IT" dirty="0" err="1">
+                <a:hlinkClick r:id="rId10" tooltip="Client-server"/>
+              </a:rPr>
+              <a:t>client-server</a:t>
+            </a:r>
+            <a:r>
+              <a:rPr lang="it-IT" dirty="0"/>
+              <a:t>.</a:t>
+            </a:r>
+          </a:p>
+        </p:txBody>
+      </p:sp>
+      <p:sp>
+        <p:nvSpPr>
+          <p:cNvPr id="4" name="Segnaposto numero diapositiva 3"/>
+          <p:cNvSpPr>
+            <a:spLocks noGrp="1"/>
+          </p:cNvSpPr>
+          <p:nvPr>
+            <p:ph type="sldNum" sz="quarter" idx="5"/>
+          </p:nvPr>
+        </p:nvSpPr>
+        <p:spPr/>
+        <p:txBody>
+          <a:bodyPr/>
+          <a:lstStyle/>
+          <a:p>
+            <a:fld id="{E12860C2-E7A4-469D-B6DB-5520F1054B04}" type="slidenum">
+              <a:rPr lang="it-IT" smtClean="0"/>
+              <a:t>3</a:t>
+            </a:fld>
+            <a:endParaRPr lang="it-IT"/>
+          </a:p>
+        </p:txBody>
+      </p:sp>
+    </p:spTree>
+    <p:extLst>
+      <p:ext uri="{BB962C8B-B14F-4D97-AF65-F5344CB8AC3E}">
+        <p14:creationId xmlns:p14="http://schemas.microsoft.com/office/powerpoint/2010/main" val="2116634228"/>
+      </p:ext>
+    </p:extLst>
+  </p:cSld>
+  <p:clrMapOvr>
+    <a:masterClrMapping/>
+  </p:clrMapOvr>
+</p:notes>
+</file>
+
+<file path=ppt/notesSlides/notesSlide3.xml><?xml version="1.0" encoding="utf-8"?>
+<p:notes xmlns:a="http://schemas.openxmlformats.org/drawingml/2006/main" xmlns:r="http://schemas.openxmlformats.org/officeDocument/2006/relationships" xmlns:p="http://schemas.openxmlformats.org/presentationml/2006/main">
+  <p:cSld>
+    <p:spTree>
+      <p:nvGrpSpPr>
+        <p:cNvPr id="1" name=""/>
+        <p:cNvGrpSpPr/>
+        <p:nvPr/>
+      </p:nvGrpSpPr>
+      <p:grpSpPr>
+        <a:xfrm>
+          <a:off x="0" y="0"/>
+          <a:ext cx="0" cy="0"/>
+          <a:chOff x="0" y="0"/>
+          <a:chExt cx="0" cy="0"/>
+        </a:xfrm>
+      </p:grpSpPr>
+      <p:sp>
+        <p:nvSpPr>
+          <p:cNvPr id="2" name="Segnaposto immagine diapositiva 1"/>
+          <p:cNvSpPr>
+            <a:spLocks noGrp="1" noRot="1" noChangeAspect="1"/>
+          </p:cNvSpPr>
+          <p:nvPr>
+            <p:ph type="sldImg"/>
+          </p:nvPr>
+        </p:nvSpPr>
+        <p:spPr/>
+      </p:sp>
+      <p:sp>
+        <p:nvSpPr>
+          <p:cNvPr id="3" name="Segnaposto note 2"/>
+          <p:cNvSpPr>
+            <a:spLocks noGrp="1"/>
+          </p:cNvSpPr>
+          <p:nvPr>
+            <p:ph type="body" idx="1"/>
+          </p:nvPr>
+        </p:nvSpPr>
+        <p:spPr/>
+        <p:txBody>
+          <a:bodyPr/>
+          <a:lstStyle/>
+          <a:p>
+            <a:r>
+              <a:rPr lang="it-IT" sz="1200" b="0" i="0" kern="1200" dirty="0">
+                <a:solidFill>
+                  <a:schemeClr val="tx1"/>
+                </a:solidFill>
+                <a:effectLst/>
+                <a:latin typeface="+mn-lt"/>
+                <a:ea typeface="+mn-ea"/>
+                <a:cs typeface="+mn-cs"/>
+              </a:rPr>
+              <a:t>Un </a:t>
+            </a:r>
+            <a:r>
+              <a:rPr lang="it-IT" sz="1200" b="1" i="0" kern="1200" dirty="0">
+                <a:solidFill>
+                  <a:schemeClr val="tx1"/>
+                </a:solidFill>
+                <a:effectLst/>
+                <a:latin typeface="+mn-lt"/>
+                <a:ea typeface="+mn-ea"/>
+                <a:cs typeface="+mn-cs"/>
+              </a:rPr>
+              <a:t>server</a:t>
+            </a:r>
+            <a:r>
+              <a:rPr lang="it-IT" sz="1200" b="0" i="0" kern="1200" dirty="0">
+                <a:solidFill>
+                  <a:schemeClr val="tx1"/>
+                </a:solidFill>
+                <a:effectLst/>
+                <a:latin typeface="+mn-lt"/>
+                <a:ea typeface="+mn-ea"/>
+                <a:cs typeface="+mn-cs"/>
+              </a:rPr>
+              <a:t> (dall'</a:t>
+            </a:r>
+            <a:r>
+              <a:rPr lang="it-IT" sz="1200" b="0" i="0" u="none" strike="noStrike" kern="1200" dirty="0">
+                <a:solidFill>
+                  <a:schemeClr val="tx1"/>
+                </a:solidFill>
+                <a:effectLst/>
+                <a:latin typeface="+mn-lt"/>
+                <a:ea typeface="+mn-ea"/>
+                <a:cs typeface="+mn-cs"/>
+                <a:hlinkClick r:id="rId3" tooltip="Lingua inglese"/>
+              </a:rPr>
+              <a:t>inglese</a:t>
+            </a:r>
+            <a:r>
+              <a:rPr lang="it-IT" sz="1200" b="0" i="0" kern="1200" dirty="0">
+                <a:solidFill>
+                  <a:schemeClr val="tx1"/>
+                </a:solidFill>
+                <a:effectLst/>
+                <a:latin typeface="+mn-lt"/>
+                <a:ea typeface="+mn-ea"/>
+                <a:cs typeface="+mn-cs"/>
+              </a:rPr>
+              <a:t> </a:t>
+            </a:r>
+            <a:r>
+              <a:rPr lang="it-IT" sz="1200" b="0" i="1" kern="1200" dirty="0">
+                <a:solidFill>
+                  <a:schemeClr val="tx1"/>
+                </a:solidFill>
+                <a:effectLst/>
+                <a:latin typeface="+mn-lt"/>
+                <a:ea typeface="+mn-ea"/>
+                <a:cs typeface="+mn-cs"/>
+              </a:rPr>
+              <a:t>(to) serve</a:t>
+            </a:r>
+            <a:r>
+              <a:rPr lang="it-IT" sz="1200" b="0" i="0" kern="1200" dirty="0">
+                <a:solidFill>
+                  <a:schemeClr val="tx1"/>
+                </a:solidFill>
+                <a:effectLst/>
+                <a:latin typeface="+mn-lt"/>
+                <a:ea typeface="+mn-ea"/>
+                <a:cs typeface="+mn-cs"/>
+              </a:rPr>
+              <a:t> «servire», dunque letteralmente «serviente, servitore»)</a:t>
+            </a:r>
+            <a:r>
+              <a:rPr lang="it-IT" sz="1200" b="0" i="0" u="none" strike="noStrike" kern="1200" baseline="30000" dirty="0">
+                <a:solidFill>
+                  <a:schemeClr val="tx1"/>
+                </a:solidFill>
+                <a:effectLst/>
+                <a:latin typeface="+mn-lt"/>
+                <a:ea typeface="+mn-ea"/>
+                <a:cs typeface="+mn-cs"/>
+                <a:hlinkClick r:id="rId4"/>
+              </a:rPr>
+              <a:t>[1]</a:t>
+            </a:r>
+            <a:r>
+              <a:rPr lang="it-IT" sz="1200" b="0" i="0" kern="1200" dirty="0">
+                <a:solidFill>
+                  <a:schemeClr val="tx1"/>
+                </a:solidFill>
+                <a:effectLst/>
+                <a:latin typeface="+mn-lt"/>
+                <a:ea typeface="+mn-ea"/>
+                <a:cs typeface="+mn-cs"/>
+              </a:rPr>
+              <a:t> in </a:t>
+            </a:r>
+            <a:r>
+              <a:rPr lang="it-IT" sz="1200" b="0" i="0" u="none" strike="noStrike" kern="1200" dirty="0">
+                <a:solidFill>
+                  <a:schemeClr val="tx1"/>
+                </a:solidFill>
+                <a:effectLst/>
+                <a:latin typeface="+mn-lt"/>
+                <a:ea typeface="+mn-ea"/>
+                <a:cs typeface="+mn-cs"/>
+                <a:hlinkClick r:id="rId5" tooltip="Informatica"/>
+              </a:rPr>
+              <a:t>informatica</a:t>
+            </a:r>
+            <a:r>
+              <a:rPr lang="it-IT" sz="1200" b="0" i="0" kern="1200" dirty="0">
+                <a:solidFill>
+                  <a:schemeClr val="tx1"/>
+                </a:solidFill>
+                <a:effectLst/>
+                <a:latin typeface="+mn-lt"/>
+                <a:ea typeface="+mn-ea"/>
+                <a:cs typeface="+mn-cs"/>
+              </a:rPr>
+              <a:t> e </a:t>
+            </a:r>
+            <a:r>
+              <a:rPr lang="it-IT" sz="1200" b="0" i="0" u="none" strike="noStrike" kern="1200" dirty="0">
+                <a:solidFill>
+                  <a:schemeClr val="tx1"/>
+                </a:solidFill>
+                <a:effectLst/>
+                <a:latin typeface="+mn-lt"/>
+                <a:ea typeface="+mn-ea"/>
+                <a:cs typeface="+mn-cs"/>
+                <a:hlinkClick r:id="rId6" tooltip="Telecomunicazioni"/>
+              </a:rPr>
+              <a:t>telecomunicazioni</a:t>
+            </a:r>
+            <a:r>
+              <a:rPr lang="it-IT" sz="1200" b="0" i="0" kern="1200" dirty="0">
+                <a:solidFill>
+                  <a:schemeClr val="tx1"/>
+                </a:solidFill>
+                <a:effectLst/>
+                <a:latin typeface="+mn-lt"/>
+                <a:ea typeface="+mn-ea"/>
+                <a:cs typeface="+mn-cs"/>
+              </a:rPr>
+              <a:t> è un componente o sottosistema informatico di </a:t>
+            </a:r>
+            <a:r>
+              <a:rPr lang="it-IT" sz="1200" b="0" i="0" u="none" strike="noStrike" kern="1200" dirty="0">
+                <a:solidFill>
+                  <a:schemeClr val="tx1"/>
+                </a:solidFill>
+                <a:effectLst/>
+                <a:latin typeface="+mn-lt"/>
+                <a:ea typeface="+mn-ea"/>
+                <a:cs typeface="+mn-cs"/>
+                <a:hlinkClick r:id="rId7" tooltip="Elaborazione dati"/>
+              </a:rPr>
+              <a:t>elaborazione</a:t>
+            </a:r>
+            <a:r>
+              <a:rPr lang="it-IT" sz="1200" b="0" i="0" kern="1200" dirty="0">
+                <a:solidFill>
+                  <a:schemeClr val="tx1"/>
+                </a:solidFill>
+                <a:effectLst/>
+                <a:latin typeface="+mn-lt"/>
+                <a:ea typeface="+mn-ea"/>
+                <a:cs typeface="+mn-cs"/>
+              </a:rPr>
+              <a:t> e gestione del traffico di informazioni che fornisce, a livello logico e fisico, un qualunque tipo di servizio ad altre componenti (tipicamente chiamate </a:t>
+            </a:r>
+            <a:r>
+              <a:rPr lang="it-IT" sz="1200" b="0" i="1" u="none" strike="noStrike" kern="1200" dirty="0">
+                <a:solidFill>
+                  <a:schemeClr val="tx1"/>
+                </a:solidFill>
+                <a:effectLst/>
+                <a:latin typeface="+mn-lt"/>
+                <a:ea typeface="+mn-ea"/>
+                <a:cs typeface="+mn-cs"/>
+                <a:hlinkClick r:id="rId8" tooltip="Client"/>
+              </a:rPr>
+              <a:t>clients</a:t>
+            </a:r>
+            <a:r>
+              <a:rPr lang="it-IT" sz="1200" b="0" i="0" kern="1200" dirty="0">
+                <a:solidFill>
+                  <a:schemeClr val="tx1"/>
+                </a:solidFill>
+                <a:effectLst/>
+                <a:latin typeface="+mn-lt"/>
+                <a:ea typeface="+mn-ea"/>
+                <a:cs typeface="+mn-cs"/>
+              </a:rPr>
+              <a:t>, cioè </a:t>
+            </a:r>
+            <a:r>
+              <a:rPr lang="it-IT" sz="1200" b="0" i="1" kern="1200" dirty="0">
+                <a:solidFill>
+                  <a:schemeClr val="tx1"/>
+                </a:solidFill>
+                <a:effectLst/>
+                <a:latin typeface="+mn-lt"/>
+                <a:ea typeface="+mn-ea"/>
+                <a:cs typeface="+mn-cs"/>
+              </a:rPr>
+              <a:t>clienti</a:t>
+            </a:r>
+            <a:r>
+              <a:rPr lang="it-IT" sz="1200" b="0" i="0" kern="1200" dirty="0">
+                <a:solidFill>
+                  <a:schemeClr val="tx1"/>
+                </a:solidFill>
+                <a:effectLst/>
+                <a:latin typeface="+mn-lt"/>
+                <a:ea typeface="+mn-ea"/>
+                <a:cs typeface="+mn-cs"/>
+              </a:rPr>
+              <a:t>) che ne fanno richiesta attraverso una </a:t>
+            </a:r>
+            <a:r>
+              <a:rPr lang="it-IT" sz="1200" b="0" i="0" u="none" strike="noStrike" kern="1200" dirty="0">
+                <a:solidFill>
+                  <a:schemeClr val="tx1"/>
+                </a:solidFill>
+                <a:effectLst/>
+                <a:latin typeface="+mn-lt"/>
+                <a:ea typeface="+mn-ea"/>
+                <a:cs typeface="+mn-cs"/>
+                <a:hlinkClick r:id="rId9" tooltip="Rete informatica"/>
+              </a:rPr>
+              <a:t>rete</a:t>
+            </a:r>
+            <a:r>
+              <a:rPr lang="it-IT" sz="1200" b="0" i="0" kern="1200" dirty="0">
+                <a:solidFill>
+                  <a:schemeClr val="tx1"/>
+                </a:solidFill>
+                <a:effectLst/>
+                <a:latin typeface="+mn-lt"/>
+                <a:ea typeface="+mn-ea"/>
+                <a:cs typeface="+mn-cs"/>
+              </a:rPr>
+              <a:t> di </a:t>
+            </a:r>
+            <a:r>
+              <a:rPr lang="it-IT" sz="1200" b="0" i="0" u="none" strike="noStrike" kern="1200" dirty="0">
+                <a:solidFill>
+                  <a:schemeClr val="tx1"/>
+                </a:solidFill>
+                <a:effectLst/>
+                <a:latin typeface="+mn-lt"/>
+                <a:ea typeface="+mn-ea"/>
+                <a:cs typeface="+mn-cs"/>
+                <a:hlinkClick r:id="rId10" tooltip="Computer"/>
+              </a:rPr>
+              <a:t>computer</a:t>
+            </a:r>
+            <a:r>
+              <a:rPr lang="it-IT" sz="1200" b="0" i="0" kern="1200" dirty="0">
+                <a:solidFill>
+                  <a:schemeClr val="tx1"/>
+                </a:solidFill>
+                <a:effectLst/>
+                <a:latin typeface="+mn-lt"/>
+                <a:ea typeface="+mn-ea"/>
+                <a:cs typeface="+mn-cs"/>
+              </a:rPr>
+              <a:t>, all'interno di un </a:t>
+            </a:r>
+            <a:r>
+              <a:rPr lang="it-IT" sz="1200" b="0" i="0" u="none" strike="noStrike" kern="1200" dirty="0">
+                <a:solidFill>
+                  <a:schemeClr val="tx1"/>
+                </a:solidFill>
+                <a:effectLst/>
+                <a:latin typeface="+mn-lt"/>
+                <a:ea typeface="+mn-ea"/>
+                <a:cs typeface="+mn-cs"/>
+                <a:hlinkClick r:id="rId11" tooltip="Sistema informatico"/>
+              </a:rPr>
+              <a:t>sistema informatico</a:t>
+            </a:r>
+            <a:r>
+              <a:rPr lang="it-IT" sz="1200" b="0" i="0" kern="1200" dirty="0">
+                <a:solidFill>
+                  <a:schemeClr val="tx1"/>
+                </a:solidFill>
+                <a:effectLst/>
+                <a:latin typeface="+mn-lt"/>
+                <a:ea typeface="+mn-ea"/>
+                <a:cs typeface="+mn-cs"/>
+              </a:rPr>
+              <a:t> o anche direttamente in locale su un </a:t>
+            </a:r>
+            <a:r>
+              <a:rPr lang="it-IT" sz="1200" b="0" i="0" u="none" strike="noStrike" kern="1200" dirty="0">
+                <a:solidFill>
+                  <a:schemeClr val="tx1"/>
+                </a:solidFill>
+                <a:effectLst/>
+                <a:latin typeface="+mn-lt"/>
+                <a:ea typeface="+mn-ea"/>
+                <a:cs typeface="+mn-cs"/>
+                <a:hlinkClick r:id="rId10" tooltip="Computer"/>
+              </a:rPr>
+              <a:t>computer</a:t>
+            </a:r>
+            <a:r>
+              <a:rPr lang="it-IT" sz="1200" b="0" i="0" kern="1200" dirty="0">
+                <a:solidFill>
+                  <a:schemeClr val="tx1"/>
+                </a:solidFill>
+                <a:effectLst/>
+                <a:latin typeface="+mn-lt"/>
+                <a:ea typeface="+mn-ea"/>
+                <a:cs typeface="+mn-cs"/>
+              </a:rPr>
+              <a:t>.</a:t>
+            </a:r>
+          </a:p>
+          <a:p>
+            <a:r>
+              <a:rPr lang="it-IT" sz="1200" b="0" i="0" kern="1200" dirty="0">
+                <a:solidFill>
+                  <a:schemeClr val="tx1"/>
+                </a:solidFill>
+                <a:effectLst/>
+                <a:latin typeface="+mn-lt"/>
+                <a:ea typeface="+mn-ea"/>
+                <a:cs typeface="+mn-cs"/>
+              </a:rPr>
+              <a:t>Rappresenta cioè un </a:t>
+            </a:r>
+            <a:r>
+              <a:rPr lang="it-IT" sz="1200" b="0" i="0" u="none" strike="noStrike" kern="1200" dirty="0">
+                <a:solidFill>
+                  <a:schemeClr val="tx1"/>
+                </a:solidFill>
+                <a:effectLst/>
+                <a:latin typeface="+mn-lt"/>
+                <a:ea typeface="+mn-ea"/>
+                <a:cs typeface="+mn-cs"/>
+                <a:hlinkClick r:id="rId12" tooltip="Nodo (informatica)"/>
+              </a:rPr>
+              <a:t>nodo</a:t>
+            </a:r>
+            <a:r>
+              <a:rPr lang="it-IT" sz="1200" b="0" i="0" kern="1200" dirty="0">
+                <a:solidFill>
+                  <a:schemeClr val="tx1"/>
+                </a:solidFill>
+                <a:effectLst/>
+                <a:latin typeface="+mn-lt"/>
+                <a:ea typeface="+mn-ea"/>
+                <a:cs typeface="+mn-cs"/>
+              </a:rPr>
+              <a:t> terminale della rete opposto </a:t>
+            </a:r>
+            <a:r>
+              <a:rPr lang="it-IT" sz="1200" b="0" i="0" kern="1200" dirty="0" err="1">
+                <a:solidFill>
+                  <a:schemeClr val="tx1"/>
+                </a:solidFill>
+                <a:effectLst/>
+                <a:latin typeface="+mn-lt"/>
+                <a:ea typeface="+mn-ea"/>
+                <a:cs typeface="+mn-cs"/>
+              </a:rPr>
+              <a:t>all'</a:t>
+            </a:r>
+            <a:r>
+              <a:rPr lang="it-IT" sz="1200" b="0" i="0" u="none" strike="noStrike" kern="1200" dirty="0" err="1">
+                <a:solidFill>
+                  <a:schemeClr val="tx1"/>
+                </a:solidFill>
+                <a:effectLst/>
+                <a:latin typeface="+mn-lt"/>
+                <a:ea typeface="+mn-ea"/>
+                <a:cs typeface="+mn-cs"/>
+                <a:hlinkClick r:id="rId13" tooltip="Host"/>
+              </a:rPr>
+              <a:t>host</a:t>
+            </a:r>
+            <a:r>
+              <a:rPr lang="it-IT" sz="1200" b="0" i="0" kern="1200" dirty="0">
+                <a:solidFill>
+                  <a:schemeClr val="tx1"/>
+                </a:solidFill>
+                <a:effectLst/>
+                <a:latin typeface="+mn-lt"/>
+                <a:ea typeface="+mn-ea"/>
+                <a:cs typeface="+mn-cs"/>
+              </a:rPr>
+              <a:t> client. In altre parole si tratta di un computer o di un </a:t>
+            </a:r>
+            <a:r>
+              <a:rPr lang="it-IT" sz="1200" b="0" i="0" u="none" strike="noStrike" kern="1200" dirty="0">
+                <a:solidFill>
+                  <a:schemeClr val="tx1"/>
+                </a:solidFill>
+                <a:effectLst/>
+                <a:latin typeface="+mn-lt"/>
+                <a:ea typeface="+mn-ea"/>
+                <a:cs typeface="+mn-cs"/>
+                <a:hlinkClick r:id="rId14" tooltip="Software"/>
+              </a:rPr>
+              <a:t>programma</a:t>
+            </a:r>
+            <a:r>
+              <a:rPr lang="it-IT" sz="1200" b="0" i="0" kern="1200" dirty="0">
+                <a:solidFill>
+                  <a:schemeClr val="tx1"/>
+                </a:solidFill>
+                <a:effectLst/>
+                <a:latin typeface="+mn-lt"/>
+                <a:ea typeface="+mn-ea"/>
+                <a:cs typeface="+mn-cs"/>
+              </a:rPr>
+              <a:t> che fornisce i dati richiesti da altri elaboratori, facendo quindi da </a:t>
+            </a:r>
+            <a:r>
+              <a:rPr lang="it-IT" sz="1200" b="0" i="0" kern="1200" dirty="0" err="1">
+                <a:solidFill>
+                  <a:schemeClr val="tx1"/>
+                </a:solidFill>
+                <a:effectLst/>
+                <a:latin typeface="+mn-lt"/>
+                <a:ea typeface="+mn-ea"/>
+                <a:cs typeface="+mn-cs"/>
+              </a:rPr>
+              <a:t>host</a:t>
+            </a:r>
+            <a:r>
+              <a:rPr lang="it-IT" sz="1200" b="0" i="0" kern="1200" dirty="0">
+                <a:solidFill>
+                  <a:schemeClr val="tx1"/>
+                </a:solidFill>
+                <a:effectLst/>
+                <a:latin typeface="+mn-lt"/>
+                <a:ea typeface="+mn-ea"/>
+                <a:cs typeface="+mn-cs"/>
+              </a:rPr>
+              <a:t> per la </a:t>
+            </a:r>
+            <a:r>
+              <a:rPr lang="it-IT" sz="1200" b="0" i="0" u="none" strike="noStrike" kern="1200" dirty="0">
+                <a:solidFill>
+                  <a:schemeClr val="tx1"/>
+                </a:solidFill>
+                <a:effectLst/>
+                <a:latin typeface="+mn-lt"/>
+                <a:ea typeface="+mn-ea"/>
+                <a:cs typeface="+mn-cs"/>
+                <a:hlinkClick r:id="rId15" tooltip="Trasmissione (telecomunicazioni)"/>
+              </a:rPr>
+              <a:t>trasmissione</a:t>
+            </a:r>
+            <a:r>
+              <a:rPr lang="it-IT" sz="1200" b="0" i="0" kern="1200" dirty="0">
+                <a:solidFill>
+                  <a:schemeClr val="tx1"/>
+                </a:solidFill>
+                <a:effectLst/>
+                <a:latin typeface="+mn-lt"/>
+                <a:ea typeface="+mn-ea"/>
+                <a:cs typeface="+mn-cs"/>
+              </a:rPr>
+              <a:t> delle informazioni virtuali.</a:t>
+            </a:r>
+          </a:p>
+          <a:p>
+            <a:endParaRPr lang="it-IT" dirty="0"/>
+          </a:p>
+        </p:txBody>
+      </p:sp>
+      <p:sp>
+        <p:nvSpPr>
+          <p:cNvPr id="4" name="Segnaposto numero diapositiva 3"/>
+          <p:cNvSpPr>
+            <a:spLocks noGrp="1"/>
+          </p:cNvSpPr>
+          <p:nvPr>
+            <p:ph type="sldNum" sz="quarter" idx="5"/>
+          </p:nvPr>
+        </p:nvSpPr>
+        <p:spPr/>
+        <p:txBody>
+          <a:bodyPr/>
+          <a:lstStyle/>
+          <a:p>
+            <a:fld id="{E12860C2-E7A4-469D-B6DB-5520F1054B04}" type="slidenum">
+              <a:rPr lang="it-IT" smtClean="0"/>
+              <a:t>4</a:t>
+            </a:fld>
+            <a:endParaRPr lang="it-IT"/>
+          </a:p>
+        </p:txBody>
+      </p:sp>
+    </p:spTree>
+    <p:extLst>
+      <p:ext uri="{BB962C8B-B14F-4D97-AF65-F5344CB8AC3E}">
+        <p14:creationId xmlns:p14="http://schemas.microsoft.com/office/powerpoint/2010/main" val="3899812743"/>
+      </p:ext>
+    </p:extLst>
+  </p:cSld>
+  <p:clrMapOvr>
+    <a:masterClrMapping/>
+  </p:clrMapOvr>
+</p:notes>
+</file>
+
+<file path=ppt/notesSlides/notesSlide4.xml><?xml version="1.0" encoding="utf-8"?>
+<p:notes xmlns:a="http://schemas.openxmlformats.org/drawingml/2006/main" xmlns:r="http://schemas.openxmlformats.org/officeDocument/2006/relationships" xmlns:p="http://schemas.openxmlformats.org/presentationml/2006/main">
+  <p:cSld>
+    <p:spTree>
+      <p:nvGrpSpPr>
+        <p:cNvPr id="1" name=""/>
+        <p:cNvGrpSpPr/>
+        <p:nvPr/>
+      </p:nvGrpSpPr>
+      <p:grpSpPr>
+        <a:xfrm>
+          <a:off x="0" y="0"/>
+          <a:ext cx="0" cy="0"/>
+          <a:chOff x="0" y="0"/>
+          <a:chExt cx="0" cy="0"/>
+        </a:xfrm>
+      </p:grpSpPr>
+      <p:sp>
+        <p:nvSpPr>
+          <p:cNvPr id="2" name="Segnaposto immagine diapositiva 1"/>
+          <p:cNvSpPr>
+            <a:spLocks noGrp="1" noRot="1" noChangeAspect="1"/>
+          </p:cNvSpPr>
+          <p:nvPr>
+            <p:ph type="sldImg"/>
+          </p:nvPr>
+        </p:nvSpPr>
+        <p:spPr/>
+      </p:sp>
+      <p:sp>
+        <p:nvSpPr>
+          <p:cNvPr id="3" name="Segnaposto note 2"/>
+          <p:cNvSpPr>
+            <a:spLocks noGrp="1"/>
+          </p:cNvSpPr>
+          <p:nvPr>
+            <p:ph type="body" idx="1"/>
+          </p:nvPr>
+        </p:nvSpPr>
+        <p:spPr/>
+        <p:txBody>
+          <a:bodyPr/>
+          <a:lstStyle/>
+          <a:p>
+            <a:r>
+              <a:rPr lang="it-IT" dirty="0"/>
+              <a:t>Dopo si passa direttamente nel programma </a:t>
+            </a:r>
+            <a:r>
+              <a:rPr lang="it-IT"/>
+              <a:t>javaa</a:t>
+            </a:r>
+          </a:p>
+        </p:txBody>
+      </p:sp>
+      <p:sp>
+        <p:nvSpPr>
+          <p:cNvPr id="4" name="Segnaposto numero diapositiva 3"/>
+          <p:cNvSpPr>
+            <a:spLocks noGrp="1"/>
+          </p:cNvSpPr>
+          <p:nvPr>
+            <p:ph type="sldNum" sz="quarter" idx="5"/>
+          </p:nvPr>
+        </p:nvSpPr>
+        <p:spPr/>
+        <p:txBody>
+          <a:bodyPr/>
+          <a:lstStyle/>
+          <a:p>
+            <a:fld id="{E12860C2-E7A4-469D-B6DB-5520F1054B04}" type="slidenum">
+              <a:rPr lang="it-IT" smtClean="0"/>
+              <a:t>5</a:t>
+            </a:fld>
+            <a:endParaRPr lang="it-IT"/>
+          </a:p>
+        </p:txBody>
+      </p:sp>
+    </p:spTree>
+    <p:extLst>
+      <p:ext uri="{BB962C8B-B14F-4D97-AF65-F5344CB8AC3E}">
+        <p14:creationId xmlns:p14="http://schemas.microsoft.com/office/powerpoint/2010/main" val="1118764208"/>
+      </p:ext>
+    </p:extLst>
+  </p:cSld>
+  <p:clrMapOvr>
+    <a:masterClrMapping/>
+  </p:clrMapOvr>
+</p:notes>
 </file>
 
 <file path=ppt/slideLayouts/slideLayout1.xml><?xml version="1.0" encoding="utf-8"?>
@@ -158,7 +1999,7 @@
           <a:noFill/>
           <a:extLst>
             <a:ext uri="{909E8E84-426E-40dd-AFC4-6F175D3DCCD1}">
-              <a14:hiddenFill xmlns:a14="http://schemas.microsoft.com/office/drawing/2010/main" xmlns="">
+              <a14:hiddenFill xmlns="" xmlns:a14="http://schemas.microsoft.com/office/drawing/2010/main">
                 <a:solidFill>
                   <a:srgbClr val="FFFFFF"/>
                 </a:solidFill>
@@ -218,7 +2059,7 @@
             </a:ln>
             <a:extLst>
               <a:ext uri="{91240B29-F687-4f45-9708-019B960494DF}">
-                <a14:hiddenLine xmlns:a14="http://schemas.microsoft.com/office/drawing/2010/main" xmlns="" w="9525">
+                <a14:hiddenLine xmlns="" xmlns:a14="http://schemas.microsoft.com/office/drawing/2010/main" w="9525">
                   <a:solidFill>
                     <a:srgbClr val="000000"/>
                   </a:solidFill>
@@ -308,7 +2149,7 @@
             </a:ln>
             <a:extLst>
               <a:ext uri="{91240B29-F687-4f45-9708-019B960494DF}">
-                <a14:hiddenLine xmlns:a14="http://schemas.microsoft.com/office/drawing/2010/main" xmlns="" w="9525">
+                <a14:hiddenLine xmlns="" xmlns:a14="http://schemas.microsoft.com/office/drawing/2010/main" w="9525">
                   <a:solidFill>
                     <a:srgbClr val="000000"/>
                   </a:solidFill>
@@ -398,7 +2239,7 @@
             </a:ln>
             <a:extLst>
               <a:ext uri="{91240B29-F687-4f45-9708-019B960494DF}">
-                <a14:hiddenLine xmlns:a14="http://schemas.microsoft.com/office/drawing/2010/main" xmlns="" w="9525">
+                <a14:hiddenLine xmlns="" xmlns:a14="http://schemas.microsoft.com/office/drawing/2010/main" w="9525">
                   <a:solidFill>
                     <a:srgbClr val="000000"/>
                   </a:solidFill>
@@ -432,7 +2273,7 @@
             </a:ln>
             <a:extLst>
               <a:ext uri="{91240B29-F687-4f45-9708-019B960494DF}">
-                <a14:hiddenLine xmlns:a14="http://schemas.microsoft.com/office/drawing/2010/main" xmlns="" w="9525">
+                <a14:hiddenLine xmlns="" xmlns:a14="http://schemas.microsoft.com/office/drawing/2010/main" w="9525">
                   <a:solidFill>
                     <a:srgbClr val="000000"/>
                   </a:solidFill>
@@ -522,7 +2363,7 @@
             </a:ln>
             <a:extLst>
               <a:ext uri="{91240B29-F687-4f45-9708-019B960494DF}">
-                <a14:hiddenLine xmlns:a14="http://schemas.microsoft.com/office/drawing/2010/main" xmlns="" w="9525">
+                <a14:hiddenLine xmlns="" xmlns:a14="http://schemas.microsoft.com/office/drawing/2010/main" w="9525">
                   <a:solidFill>
                     <a:srgbClr val="000000"/>
                   </a:solidFill>
@@ -584,7 +2425,7 @@
             </a:ln>
             <a:extLst>
               <a:ext uri="{91240B29-F687-4f45-9708-019B960494DF}">
-                <a14:hiddenLine xmlns:a14="http://schemas.microsoft.com/office/drawing/2010/main" xmlns="" w="9525">
+                <a14:hiddenLine xmlns="" xmlns:a14="http://schemas.microsoft.com/office/drawing/2010/main" w="9525">
                   <a:solidFill>
                     <a:srgbClr val="000000"/>
                   </a:solidFill>
@@ -646,7 +2487,7 @@
             </a:ln>
             <a:extLst>
               <a:ext uri="{91240B29-F687-4f45-9708-019B960494DF}">
-                <a14:hiddenLine xmlns:a14="http://schemas.microsoft.com/office/drawing/2010/main" xmlns="" w="9525">
+                <a14:hiddenLine xmlns="" xmlns:a14="http://schemas.microsoft.com/office/drawing/2010/main" w="9525">
                   <a:solidFill>
                     <a:srgbClr val="000000"/>
                   </a:solidFill>
@@ -736,7 +2577,7 @@
             </a:ln>
             <a:extLst>
               <a:ext uri="{91240B29-F687-4f45-9708-019B960494DF}">
-                <a14:hiddenLine xmlns:a14="http://schemas.microsoft.com/office/drawing/2010/main" xmlns="" w="9525">
+                <a14:hiddenLine xmlns="" xmlns:a14="http://schemas.microsoft.com/office/drawing/2010/main" w="9525">
                   <a:solidFill>
                     <a:srgbClr val="000000"/>
                   </a:solidFill>
@@ -798,7 +2639,7 @@
             </a:ln>
             <a:extLst>
               <a:ext uri="{91240B29-F687-4f45-9708-019B960494DF}">
-                <a14:hiddenLine xmlns:a14="http://schemas.microsoft.com/office/drawing/2010/main" xmlns="" w="9525">
+                <a14:hiddenLine xmlns="" xmlns:a14="http://schemas.microsoft.com/office/drawing/2010/main" w="9525">
                   <a:solidFill>
                     <a:srgbClr val="000000"/>
                   </a:solidFill>
@@ -860,7 +2701,7 @@
             </a:ln>
             <a:extLst>
               <a:ext uri="{91240B29-F687-4f45-9708-019B960494DF}">
-                <a14:hiddenLine xmlns:a14="http://schemas.microsoft.com/office/drawing/2010/main" xmlns="" w="9525">
+                <a14:hiddenLine xmlns="" xmlns:a14="http://schemas.microsoft.com/office/drawing/2010/main" w="9525">
                   <a:solidFill>
                     <a:srgbClr val="000000"/>
                   </a:solidFill>
@@ -950,7 +2791,7 @@
             </a:ln>
             <a:extLst>
               <a:ext uri="{91240B29-F687-4f45-9708-019B960494DF}">
-                <a14:hiddenLine xmlns:a14="http://schemas.microsoft.com/office/drawing/2010/main" xmlns="" w="9525">
+                <a14:hiddenLine xmlns="" xmlns:a14="http://schemas.microsoft.com/office/drawing/2010/main" w="9525">
                   <a:solidFill>
                     <a:srgbClr val="000000"/>
                   </a:solidFill>
@@ -1040,7 +2881,7 @@
             </a:ln>
             <a:extLst>
               <a:ext uri="{91240B29-F687-4f45-9708-019B960494DF}">
-                <a14:hiddenLine xmlns:a14="http://schemas.microsoft.com/office/drawing/2010/main" xmlns="" w="9525">
+                <a14:hiddenLine xmlns="" xmlns:a14="http://schemas.microsoft.com/office/drawing/2010/main" w="9525">
                   <a:solidFill>
                     <a:srgbClr val="000000"/>
                   </a:solidFill>
@@ -1102,7 +2943,7 @@
             </a:ln>
             <a:extLst>
               <a:ext uri="{91240B29-F687-4f45-9708-019B960494DF}">
-                <a14:hiddenLine xmlns:a14="http://schemas.microsoft.com/office/drawing/2010/main" xmlns="" w="9525">
+                <a14:hiddenLine xmlns="" xmlns:a14="http://schemas.microsoft.com/office/drawing/2010/main" w="9525">
                   <a:solidFill>
                     <a:srgbClr val="000000"/>
                   </a:solidFill>
@@ -1212,7 +3053,7 @@
             </a:ln>
             <a:extLst>
               <a:ext uri="{91240B29-F687-4f45-9708-019B960494DF}">
-                <a14:hiddenLine xmlns:a14="http://schemas.microsoft.com/office/drawing/2010/main" xmlns="" w="9525">
+                <a14:hiddenLine xmlns="" xmlns:a14="http://schemas.microsoft.com/office/drawing/2010/main" w="9525">
                   <a:solidFill>
                     <a:srgbClr val="000000"/>
                   </a:solidFill>
@@ -1274,7 +3115,7 @@
             </a:ln>
             <a:extLst>
               <a:ext uri="{91240B29-F687-4f45-9708-019B960494DF}">
-                <a14:hiddenLine xmlns:a14="http://schemas.microsoft.com/office/drawing/2010/main" xmlns="" w="9525">
+                <a14:hiddenLine xmlns="" xmlns:a14="http://schemas.microsoft.com/office/drawing/2010/main" w="9525">
                   <a:solidFill>
                     <a:srgbClr val="000000"/>
                   </a:solidFill>
@@ -1364,7 +3205,7 @@
             </a:ln>
             <a:extLst>
               <a:ext uri="{91240B29-F687-4f45-9708-019B960494DF}">
-                <a14:hiddenLine xmlns:a14="http://schemas.microsoft.com/office/drawing/2010/main" xmlns="" w="9525">
+                <a14:hiddenLine xmlns="" xmlns:a14="http://schemas.microsoft.com/office/drawing/2010/main" w="9525">
                   <a:solidFill>
                     <a:srgbClr val="000000"/>
                   </a:solidFill>
@@ -1454,7 +3295,7 @@
             </a:ln>
             <a:extLst>
               <a:ext uri="{91240B29-F687-4f45-9708-019B960494DF}">
-                <a14:hiddenLine xmlns:a14="http://schemas.microsoft.com/office/drawing/2010/main" xmlns="" w="9525">
+                <a14:hiddenLine xmlns="" xmlns:a14="http://schemas.microsoft.com/office/drawing/2010/main" w="9525">
                   <a:solidFill>
                     <a:srgbClr val="000000"/>
                   </a:solidFill>
@@ -1516,7 +3357,7 @@
             </a:ln>
             <a:extLst>
               <a:ext uri="{91240B29-F687-4f45-9708-019B960494DF}">
-                <a14:hiddenLine xmlns:a14="http://schemas.microsoft.com/office/drawing/2010/main" xmlns="" w="9525">
+                <a14:hiddenLine xmlns="" xmlns:a14="http://schemas.microsoft.com/office/drawing/2010/main" w="9525">
                   <a:solidFill>
                     <a:srgbClr val="000000"/>
                   </a:solidFill>
@@ -1606,7 +3447,7 @@
             </a:ln>
             <a:extLst>
               <a:ext uri="{91240B29-F687-4f45-9708-019B960494DF}">
-                <a14:hiddenLine xmlns:a14="http://schemas.microsoft.com/office/drawing/2010/main" xmlns="" w="9525">
+                <a14:hiddenLine xmlns="" xmlns:a14="http://schemas.microsoft.com/office/drawing/2010/main" w="9525">
                   <a:solidFill>
                     <a:srgbClr val="000000"/>
                   </a:solidFill>
@@ -1696,7 +3537,7 @@
             </a:ln>
             <a:extLst>
               <a:ext uri="{91240B29-F687-4f45-9708-019B960494DF}">
-                <a14:hiddenLine xmlns:a14="http://schemas.microsoft.com/office/drawing/2010/main" xmlns="" w="9525">
+                <a14:hiddenLine xmlns="" xmlns:a14="http://schemas.microsoft.com/office/drawing/2010/main" w="9525">
                   <a:solidFill>
                     <a:srgbClr val="000000"/>
                   </a:solidFill>
@@ -1752,7 +3593,7 @@
             </a:ln>
             <a:extLst>
               <a:ext uri="{91240B29-F687-4f45-9708-019B960494DF}">
-                <a14:hiddenLine xmlns:a14="http://schemas.microsoft.com/office/drawing/2010/main" xmlns="" w="9525">
+                <a14:hiddenLine xmlns="" xmlns:a14="http://schemas.microsoft.com/office/drawing/2010/main" w="9525">
                   <a:solidFill>
                     <a:srgbClr val="000000"/>
                   </a:solidFill>
@@ -1842,7 +3683,7 @@
             </a:ln>
             <a:extLst>
               <a:ext uri="{91240B29-F687-4f45-9708-019B960494DF}">
-                <a14:hiddenLine xmlns:a14="http://schemas.microsoft.com/office/drawing/2010/main" xmlns="" w="9525">
+                <a14:hiddenLine xmlns="" xmlns:a14="http://schemas.microsoft.com/office/drawing/2010/main" w="9525">
                   <a:solidFill>
                     <a:srgbClr val="000000"/>
                   </a:solidFill>
@@ -1898,7 +3739,7 @@
             </a:ln>
             <a:extLst>
               <a:ext uri="{91240B29-F687-4f45-9708-019B960494DF}">
-                <a14:hiddenLine xmlns:a14="http://schemas.microsoft.com/office/drawing/2010/main" xmlns="" w="9525">
+                <a14:hiddenLine xmlns="" xmlns:a14="http://schemas.microsoft.com/office/drawing/2010/main" w="9525">
                   <a:solidFill>
                     <a:srgbClr val="000000"/>
                   </a:solidFill>
@@ -1988,7 +3829,7 @@
             </a:ln>
             <a:extLst>
               <a:ext uri="{91240B29-F687-4f45-9708-019B960494DF}">
-                <a14:hiddenLine xmlns:a14="http://schemas.microsoft.com/office/drawing/2010/main" xmlns="" w="9525">
+                <a14:hiddenLine xmlns="" xmlns:a14="http://schemas.microsoft.com/office/drawing/2010/main" w="9525">
                   <a:solidFill>
                     <a:srgbClr val="000000"/>
                   </a:solidFill>
@@ -2056,7 +3897,7 @@
             </a:ln>
             <a:extLst>
               <a:ext uri="{91240B29-F687-4f45-9708-019B960494DF}">
-                <a14:hiddenLine xmlns:a14="http://schemas.microsoft.com/office/drawing/2010/main" xmlns="" w="9525">
+                <a14:hiddenLine xmlns="" xmlns:a14="http://schemas.microsoft.com/office/drawing/2010/main" w="9525">
                   <a:solidFill>
                     <a:srgbClr val="000000"/>
                   </a:solidFill>
@@ -2146,7 +3987,7 @@
             </a:ln>
             <a:extLst>
               <a:ext uri="{91240B29-F687-4f45-9708-019B960494DF}">
-                <a14:hiddenLine xmlns:a14="http://schemas.microsoft.com/office/drawing/2010/main" xmlns="" w="9525">
+                <a14:hiddenLine xmlns="" xmlns:a14="http://schemas.microsoft.com/office/drawing/2010/main" w="9525">
                   <a:solidFill>
                     <a:srgbClr val="000000"/>
                   </a:solidFill>
@@ -2214,7 +4055,7 @@
             </a:ln>
             <a:extLst>
               <a:ext uri="{91240B29-F687-4f45-9708-019B960494DF}">
-                <a14:hiddenLine xmlns:a14="http://schemas.microsoft.com/office/drawing/2010/main" xmlns="" w="9525">
+                <a14:hiddenLine xmlns="" xmlns:a14="http://schemas.microsoft.com/office/drawing/2010/main" w="9525">
                   <a:solidFill>
                     <a:srgbClr val="000000"/>
                   </a:solidFill>
@@ -2304,7 +4145,7 @@
             </a:ln>
             <a:extLst>
               <a:ext uri="{91240B29-F687-4f45-9708-019B960494DF}">
-                <a14:hiddenLine xmlns:a14="http://schemas.microsoft.com/office/drawing/2010/main" xmlns="" w="9525">
+                <a14:hiddenLine xmlns="" xmlns:a14="http://schemas.microsoft.com/office/drawing/2010/main" w="9525">
                   <a:solidFill>
                     <a:srgbClr val="000000"/>
                   </a:solidFill>
@@ -2338,7 +4179,7 @@
             </a:ln>
             <a:extLst>
               <a:ext uri="{91240B29-F687-4f45-9708-019B960494DF}">
-                <a14:hiddenLine xmlns:a14="http://schemas.microsoft.com/office/drawing/2010/main" xmlns="" w="9525">
+                <a14:hiddenLine xmlns="" xmlns:a14="http://schemas.microsoft.com/office/drawing/2010/main" w="9525">
                   <a:solidFill>
                     <a:srgbClr val="000000"/>
                   </a:solidFill>
@@ -2428,7 +4269,7 @@
             </a:ln>
             <a:extLst>
               <a:ext uri="{91240B29-F687-4f45-9708-019B960494DF}">
-                <a14:hiddenLine xmlns:a14="http://schemas.microsoft.com/office/drawing/2010/main" xmlns="" w="9525">
+                <a14:hiddenLine xmlns="" xmlns:a14="http://schemas.microsoft.com/office/drawing/2010/main" w="9525">
                   <a:solidFill>
                     <a:srgbClr val="000000"/>
                   </a:solidFill>
@@ -2490,7 +4331,7 @@
             </a:ln>
             <a:extLst>
               <a:ext uri="{91240B29-F687-4f45-9708-019B960494DF}">
-                <a14:hiddenLine xmlns:a14="http://schemas.microsoft.com/office/drawing/2010/main" xmlns="" w="9525">
+                <a14:hiddenLine xmlns="" xmlns:a14="http://schemas.microsoft.com/office/drawing/2010/main" w="9525">
                   <a:solidFill>
                     <a:srgbClr val="000000"/>
                   </a:solidFill>
@@ -2552,7 +4393,7 @@
             </a:ln>
             <a:extLst>
               <a:ext uri="{91240B29-F687-4f45-9708-019B960494DF}">
-                <a14:hiddenLine xmlns:a14="http://schemas.microsoft.com/office/drawing/2010/main" xmlns="" w="9525">
+                <a14:hiddenLine xmlns="" xmlns:a14="http://schemas.microsoft.com/office/drawing/2010/main" w="9525">
                   <a:solidFill>
                     <a:srgbClr val="000000"/>
                   </a:solidFill>
@@ -2642,7 +4483,7 @@
             </a:ln>
             <a:extLst>
               <a:ext uri="{91240B29-F687-4f45-9708-019B960494DF}">
-                <a14:hiddenLine xmlns:a14="http://schemas.microsoft.com/office/drawing/2010/main" xmlns="" w="9525">
+                <a14:hiddenLine xmlns="" xmlns:a14="http://schemas.microsoft.com/office/drawing/2010/main" w="9525">
                   <a:solidFill>
                     <a:srgbClr val="000000"/>
                   </a:solidFill>
@@ -2710,7 +4551,7 @@
             </a:ln>
             <a:extLst>
               <a:ext uri="{91240B29-F687-4f45-9708-019B960494DF}">
-                <a14:hiddenLine xmlns:a14="http://schemas.microsoft.com/office/drawing/2010/main" xmlns="" w="9525">
+                <a14:hiddenLine xmlns="" xmlns:a14="http://schemas.microsoft.com/office/drawing/2010/main" w="9525">
                   <a:solidFill>
                     <a:srgbClr val="000000"/>
                   </a:solidFill>
@@ -2772,7 +4613,7 @@
             </a:ln>
             <a:extLst>
               <a:ext uri="{91240B29-F687-4f45-9708-019B960494DF}">
-                <a14:hiddenLine xmlns:a14="http://schemas.microsoft.com/office/drawing/2010/main" xmlns="" w="9525">
+                <a14:hiddenLine xmlns="" xmlns:a14="http://schemas.microsoft.com/office/drawing/2010/main" w="9525">
                   <a:solidFill>
                     <a:srgbClr val="000000"/>
                   </a:solidFill>
@@ -2862,7 +4703,7 @@
             </a:ln>
             <a:extLst>
               <a:ext uri="{91240B29-F687-4f45-9708-019B960494DF}">
-                <a14:hiddenLine xmlns:a14="http://schemas.microsoft.com/office/drawing/2010/main" xmlns="" w="9525">
+                <a14:hiddenLine xmlns="" xmlns:a14="http://schemas.microsoft.com/office/drawing/2010/main" w="9525">
                   <a:solidFill>
                     <a:srgbClr val="000000"/>
                   </a:solidFill>
@@ -2924,7 +4765,7 @@
             </a:ln>
             <a:extLst>
               <a:ext uri="{91240B29-F687-4f45-9708-019B960494DF}">
-                <a14:hiddenLine xmlns:a14="http://schemas.microsoft.com/office/drawing/2010/main" xmlns="" w="9525">
+                <a14:hiddenLine xmlns="" xmlns:a14="http://schemas.microsoft.com/office/drawing/2010/main" w="9525">
                   <a:solidFill>
                     <a:srgbClr val="000000"/>
                   </a:solidFill>
@@ -3014,7 +4855,7 @@
             </a:ln>
             <a:extLst>
               <a:ext uri="{91240B29-F687-4f45-9708-019B960494DF}">
-                <a14:hiddenLine xmlns:a14="http://schemas.microsoft.com/office/drawing/2010/main" xmlns="" w="9525">
+                <a14:hiddenLine xmlns="" xmlns:a14="http://schemas.microsoft.com/office/drawing/2010/main" w="9525">
                   <a:solidFill>
                     <a:srgbClr val="000000"/>
                   </a:solidFill>
@@ -3076,7 +4917,7 @@
             </a:ln>
             <a:extLst>
               <a:ext uri="{91240B29-F687-4f45-9708-019B960494DF}">
-                <a14:hiddenLine xmlns:a14="http://schemas.microsoft.com/office/drawing/2010/main" xmlns="" w="9525">
+                <a14:hiddenLine xmlns="" xmlns:a14="http://schemas.microsoft.com/office/drawing/2010/main" w="9525">
                   <a:solidFill>
                     <a:srgbClr val="000000"/>
                   </a:solidFill>
@@ -3166,7 +5007,7 @@
             </a:ln>
             <a:extLst>
               <a:ext uri="{91240B29-F687-4f45-9708-019B960494DF}">
-                <a14:hiddenLine xmlns:a14="http://schemas.microsoft.com/office/drawing/2010/main" xmlns="" w="9525">
+                <a14:hiddenLine xmlns="" xmlns:a14="http://schemas.microsoft.com/office/drawing/2010/main" w="9525">
                   <a:solidFill>
                     <a:srgbClr val="000000"/>
                   </a:solidFill>
@@ -3200,7 +5041,7 @@
             </a:ln>
             <a:extLst>
               <a:ext uri="{91240B29-F687-4f45-9708-019B960494DF}">
-                <a14:hiddenLine xmlns:a14="http://schemas.microsoft.com/office/drawing/2010/main" xmlns="" w="9525">
+                <a14:hiddenLine xmlns="" xmlns:a14="http://schemas.microsoft.com/office/drawing/2010/main" w="9525">
                   <a:solidFill>
                     <a:srgbClr val="000000"/>
                   </a:solidFill>
@@ -3265,7 +5106,7 @@
             </a:ln>
             <a:extLst>
               <a:ext uri="{91240B29-F687-4f45-9708-019B960494DF}">
-                <a14:hiddenLine xmlns:a14="http://schemas.microsoft.com/office/drawing/2010/main" xmlns="" w="9525">
+                <a14:hiddenLine xmlns="" xmlns:a14="http://schemas.microsoft.com/office/drawing/2010/main" w="9525">
                   <a:solidFill>
                     <a:srgbClr val="000000"/>
                   </a:solidFill>
@@ -3355,7 +5196,7 @@
             </a:ln>
             <a:extLst>
               <a:ext uri="{91240B29-F687-4f45-9708-019B960494DF}">
-                <a14:hiddenLine xmlns:a14="http://schemas.microsoft.com/office/drawing/2010/main" xmlns="" w="9525">
+                <a14:hiddenLine xmlns="" xmlns:a14="http://schemas.microsoft.com/office/drawing/2010/main" w="9525">
                   <a:solidFill>
                     <a:srgbClr val="000000"/>
                   </a:solidFill>
@@ -3417,7 +5258,7 @@
             </a:ln>
             <a:extLst>
               <a:ext uri="{91240B29-F687-4f45-9708-019B960494DF}">
-                <a14:hiddenLine xmlns:a14="http://schemas.microsoft.com/office/drawing/2010/main" xmlns="" w="9525">
+                <a14:hiddenLine xmlns="" xmlns:a14="http://schemas.microsoft.com/office/drawing/2010/main" w="9525">
                   <a:solidFill>
                     <a:srgbClr val="000000"/>
                   </a:solidFill>
@@ -3507,7 +5348,7 @@
             </a:ln>
             <a:extLst>
               <a:ext uri="{91240B29-F687-4f45-9708-019B960494DF}">
-                <a14:hiddenLine xmlns:a14="http://schemas.microsoft.com/office/drawing/2010/main" xmlns="" w="9525">
+                <a14:hiddenLine xmlns="" xmlns:a14="http://schemas.microsoft.com/office/drawing/2010/main" w="9525">
                   <a:solidFill>
                     <a:srgbClr val="000000"/>
                   </a:solidFill>
@@ -3597,7 +5438,7 @@
             </a:ln>
             <a:extLst>
               <a:ext uri="{91240B29-F687-4f45-9708-019B960494DF}">
-                <a14:hiddenLine xmlns:a14="http://schemas.microsoft.com/office/drawing/2010/main" xmlns="" w="9525">
+                <a14:hiddenLine xmlns="" xmlns:a14="http://schemas.microsoft.com/office/drawing/2010/main" w="9525">
                   <a:solidFill>
                     <a:srgbClr val="000000"/>
                   </a:solidFill>
@@ -3662,7 +5503,7 @@
             </a:ln>
             <a:extLst>
               <a:ext uri="{91240B29-F687-4f45-9708-019B960494DF}">
-                <a14:hiddenLine xmlns:a14="http://schemas.microsoft.com/office/drawing/2010/main" xmlns="" w="9525">
+                <a14:hiddenLine xmlns="" xmlns:a14="http://schemas.microsoft.com/office/drawing/2010/main" w="9525">
                   <a:solidFill>
                     <a:srgbClr val="000000"/>
                   </a:solidFill>
@@ -3724,7 +5565,7 @@
             </a:ln>
             <a:extLst>
               <a:ext uri="{91240B29-F687-4f45-9708-019B960494DF}">
-                <a14:hiddenLine xmlns:a14="http://schemas.microsoft.com/office/drawing/2010/main" xmlns="" w="9525">
+                <a14:hiddenLine xmlns="" xmlns:a14="http://schemas.microsoft.com/office/drawing/2010/main" w="9525">
                   <a:solidFill>
                     <a:srgbClr val="000000"/>
                   </a:solidFill>
@@ -3814,7 +5655,7 @@
             </a:ln>
             <a:extLst>
               <a:ext uri="{91240B29-F687-4f45-9708-019B960494DF}">
-                <a14:hiddenLine xmlns:a14="http://schemas.microsoft.com/office/drawing/2010/main" xmlns="" w="9525">
+                <a14:hiddenLine xmlns="" xmlns:a14="http://schemas.microsoft.com/office/drawing/2010/main" w="9525">
                   <a:solidFill>
                     <a:srgbClr val="000000"/>
                   </a:solidFill>
@@ -3904,7 +5745,7 @@
             </a:ln>
             <a:extLst>
               <a:ext uri="{91240B29-F687-4f45-9708-019B960494DF}">
-                <a14:hiddenLine xmlns:a14="http://schemas.microsoft.com/office/drawing/2010/main" xmlns="" w="9525">
+                <a14:hiddenLine xmlns="" xmlns:a14="http://schemas.microsoft.com/office/drawing/2010/main" w="9525">
                   <a:solidFill>
                     <a:srgbClr val="000000"/>
                   </a:solidFill>
@@ -3966,7 +5807,7 @@
             </a:ln>
             <a:extLst>
               <a:ext uri="{91240B29-F687-4f45-9708-019B960494DF}">
-                <a14:hiddenLine xmlns:a14="http://schemas.microsoft.com/office/drawing/2010/main" xmlns="" w="9525">
+                <a14:hiddenLine xmlns="" xmlns:a14="http://schemas.microsoft.com/office/drawing/2010/main" w="9525">
                   <a:solidFill>
                     <a:srgbClr val="000000"/>
                   </a:solidFill>
@@ -4086,7 +5927,7 @@
             </a:ln>
             <a:extLst>
               <a:ext uri="{91240B29-F687-4f45-9708-019B960494DF}">
-                <a14:hiddenLine xmlns:a14="http://schemas.microsoft.com/office/drawing/2010/main" xmlns="" w="9525">
+                <a14:hiddenLine xmlns="" xmlns:a14="http://schemas.microsoft.com/office/drawing/2010/main" w="9525">
                   <a:solidFill>
                     <a:srgbClr val="000000"/>
                   </a:solidFill>
@@ -4154,7 +5995,7 @@
             </a:ln>
             <a:extLst>
               <a:ext uri="{91240B29-F687-4f45-9708-019B960494DF}">
-                <a14:hiddenLine xmlns:a14="http://schemas.microsoft.com/office/drawing/2010/main" xmlns="" w="9525">
+                <a14:hiddenLine xmlns="" xmlns:a14="http://schemas.microsoft.com/office/drawing/2010/main" w="9525">
                   <a:solidFill>
                     <a:srgbClr val="000000"/>
                   </a:solidFill>
@@ -4244,7 +6085,7 @@
             </a:ln>
             <a:extLst>
               <a:ext uri="{91240B29-F687-4f45-9708-019B960494DF}">
-                <a14:hiddenLine xmlns:a14="http://schemas.microsoft.com/office/drawing/2010/main" xmlns="" w="9525">
+                <a14:hiddenLine xmlns="" xmlns:a14="http://schemas.microsoft.com/office/drawing/2010/main" w="9525">
                   <a:solidFill>
                     <a:srgbClr val="000000"/>
                   </a:solidFill>
@@ -8966,7 +10807,7 @@
           <a:noFill/>
           <a:extLst>
             <a:ext uri="{909E8E84-426E-40dd-AFC4-6F175D3DCCD1}">
-              <a14:hiddenFill xmlns:a14="http://schemas.microsoft.com/office/drawing/2010/main" xmlns="">
+              <a14:hiddenFill xmlns="" xmlns:a14="http://schemas.microsoft.com/office/drawing/2010/main">
                 <a:solidFill>
                   <a:srgbClr val="FFFFFF"/>
                 </a:solidFill>
@@ -9040,7 +10881,7 @@
               </a:ln>
               <a:extLst>
                 <a:ext uri="{91240B29-F687-4f45-9708-019B960494DF}">
-                  <a14:hiddenLine xmlns:a14="http://schemas.microsoft.com/office/drawing/2010/main" xmlns="" w="9525">
+                  <a14:hiddenLine xmlns="" xmlns:a14="http://schemas.microsoft.com/office/drawing/2010/main" w="9525">
                     <a:solidFill>
                       <a:srgbClr val="000000"/>
                     </a:solidFill>
@@ -9130,7 +10971,7 @@
               </a:ln>
               <a:extLst>
                 <a:ext uri="{91240B29-F687-4f45-9708-019B960494DF}">
-                  <a14:hiddenLine xmlns:a14="http://schemas.microsoft.com/office/drawing/2010/main" xmlns="" w="9525">
+                  <a14:hiddenLine xmlns="" xmlns:a14="http://schemas.microsoft.com/office/drawing/2010/main" w="9525">
                     <a:solidFill>
                       <a:srgbClr val="000000"/>
                     </a:solidFill>
@@ -9220,7 +11061,7 @@
               </a:ln>
               <a:extLst>
                 <a:ext uri="{91240B29-F687-4f45-9708-019B960494DF}">
-                  <a14:hiddenLine xmlns:a14="http://schemas.microsoft.com/office/drawing/2010/main" xmlns="" w="9525">
+                  <a14:hiddenLine xmlns="" xmlns:a14="http://schemas.microsoft.com/office/drawing/2010/main" w="9525">
                     <a:solidFill>
                       <a:srgbClr val="000000"/>
                     </a:solidFill>
@@ -9282,7 +11123,7 @@
               </a:ln>
               <a:extLst>
                 <a:ext uri="{91240B29-F687-4f45-9708-019B960494DF}">
-                  <a14:hiddenLine xmlns:a14="http://schemas.microsoft.com/office/drawing/2010/main" xmlns="" w="9525">
+                  <a14:hiddenLine xmlns="" xmlns:a14="http://schemas.microsoft.com/office/drawing/2010/main" w="9525">
                     <a:solidFill>
                       <a:srgbClr val="000000"/>
                     </a:solidFill>
@@ -9372,7 +11213,7 @@
               </a:ln>
               <a:extLst>
                 <a:ext uri="{91240B29-F687-4f45-9708-019B960494DF}">
-                  <a14:hiddenLine xmlns:a14="http://schemas.microsoft.com/office/drawing/2010/main" xmlns="" w="9525">
+                  <a14:hiddenLine xmlns="" xmlns:a14="http://schemas.microsoft.com/office/drawing/2010/main" w="9525">
                     <a:solidFill>
                       <a:srgbClr val="000000"/>
                     </a:solidFill>
@@ -9434,7 +11275,7 @@
               </a:ln>
               <a:extLst>
                 <a:ext uri="{91240B29-F687-4f45-9708-019B960494DF}">
-                  <a14:hiddenLine xmlns:a14="http://schemas.microsoft.com/office/drawing/2010/main" xmlns="" w="9525">
+                  <a14:hiddenLine xmlns="" xmlns:a14="http://schemas.microsoft.com/office/drawing/2010/main" w="9525">
                     <a:solidFill>
                       <a:srgbClr val="000000"/>
                     </a:solidFill>
@@ -9496,7 +11337,7 @@
               </a:ln>
               <a:extLst>
                 <a:ext uri="{91240B29-F687-4f45-9708-019B960494DF}">
-                  <a14:hiddenLine xmlns:a14="http://schemas.microsoft.com/office/drawing/2010/main" xmlns="" w="9525">
+                  <a14:hiddenLine xmlns="" xmlns:a14="http://schemas.microsoft.com/office/drawing/2010/main" w="9525">
                     <a:solidFill>
                       <a:srgbClr val="000000"/>
                     </a:solidFill>
@@ -9586,7 +11427,7 @@
               </a:ln>
               <a:extLst>
                 <a:ext uri="{91240B29-F687-4f45-9708-019B960494DF}">
-                  <a14:hiddenLine xmlns:a14="http://schemas.microsoft.com/office/drawing/2010/main" xmlns="" w="9525">
+                  <a14:hiddenLine xmlns="" xmlns:a14="http://schemas.microsoft.com/office/drawing/2010/main" w="9525">
                     <a:solidFill>
                       <a:srgbClr val="000000"/>
                     </a:solidFill>
@@ -9676,7 +11517,7 @@
               </a:ln>
               <a:extLst>
                 <a:ext uri="{91240B29-F687-4f45-9708-019B960494DF}">
-                  <a14:hiddenLine xmlns:a14="http://schemas.microsoft.com/office/drawing/2010/main" xmlns="" w="9525">
+                  <a14:hiddenLine xmlns="" xmlns:a14="http://schemas.microsoft.com/office/drawing/2010/main" w="9525">
                     <a:solidFill>
                       <a:srgbClr val="000000"/>
                     </a:solidFill>
@@ -9738,7 +11579,7 @@
               </a:ln>
               <a:extLst>
                 <a:ext uri="{91240B29-F687-4f45-9708-019B960494DF}">
-                  <a14:hiddenLine xmlns:a14="http://schemas.microsoft.com/office/drawing/2010/main" xmlns="" w="9525">
+                  <a14:hiddenLine xmlns="" xmlns:a14="http://schemas.microsoft.com/office/drawing/2010/main" w="9525">
                     <a:solidFill>
                       <a:srgbClr val="000000"/>
                     </a:solidFill>
@@ -9848,7 +11689,7 @@
               </a:ln>
               <a:extLst>
                 <a:ext uri="{91240B29-F687-4f45-9708-019B960494DF}">
-                  <a14:hiddenLine xmlns:a14="http://schemas.microsoft.com/office/drawing/2010/main" xmlns="" w="9525">
+                  <a14:hiddenLine xmlns="" xmlns:a14="http://schemas.microsoft.com/office/drawing/2010/main" w="9525">
                     <a:solidFill>
                       <a:srgbClr val="000000"/>
                     </a:solidFill>
@@ -9932,7 +11773,7 @@
               </a:ln>
               <a:extLst>
                 <a:ext uri="{91240B29-F687-4f45-9708-019B960494DF}">
-                  <a14:hiddenLine xmlns:a14="http://schemas.microsoft.com/office/drawing/2010/main" xmlns="" w="9525">
+                  <a14:hiddenLine xmlns="" xmlns:a14="http://schemas.microsoft.com/office/drawing/2010/main" w="9525">
                     <a:solidFill>
                       <a:srgbClr val="000000"/>
                     </a:solidFill>
@@ -9994,7 +11835,7 @@
               </a:ln>
               <a:extLst>
                 <a:ext uri="{91240B29-F687-4f45-9708-019B960494DF}">
-                  <a14:hiddenLine xmlns:a14="http://schemas.microsoft.com/office/drawing/2010/main" xmlns="" w="9525">
+                  <a14:hiddenLine xmlns="" xmlns:a14="http://schemas.microsoft.com/office/drawing/2010/main" w="9525">
                     <a:solidFill>
                       <a:srgbClr val="000000"/>
                     </a:solidFill>
@@ -10056,7 +11897,7 @@
               </a:ln>
               <a:extLst>
                 <a:ext uri="{91240B29-F687-4f45-9708-019B960494DF}">
-                  <a14:hiddenLine xmlns:a14="http://schemas.microsoft.com/office/drawing/2010/main" xmlns="" w="9525">
+                  <a14:hiddenLine xmlns="" xmlns:a14="http://schemas.microsoft.com/office/drawing/2010/main" w="9525">
                     <a:solidFill>
                       <a:srgbClr val="000000"/>
                     </a:solidFill>
@@ -10146,7 +11987,7 @@
               </a:ln>
               <a:extLst>
                 <a:ext uri="{91240B29-F687-4f45-9708-019B960494DF}">
-                  <a14:hiddenLine xmlns:a14="http://schemas.microsoft.com/office/drawing/2010/main" xmlns="" w="9525">
+                  <a14:hiddenLine xmlns="" xmlns:a14="http://schemas.microsoft.com/office/drawing/2010/main" w="9525">
                     <a:solidFill>
                       <a:srgbClr val="000000"/>
                     </a:solidFill>
@@ -10180,7 +12021,7 @@
               </a:ln>
               <a:extLst>
                 <a:ext uri="{91240B29-F687-4f45-9708-019B960494DF}">
-                  <a14:hiddenLine xmlns:a14="http://schemas.microsoft.com/office/drawing/2010/main" xmlns="" w="9525">
+                  <a14:hiddenLine xmlns="" xmlns:a14="http://schemas.microsoft.com/office/drawing/2010/main" w="9525">
                     <a:solidFill>
                       <a:srgbClr val="000000"/>
                     </a:solidFill>
@@ -10245,7 +12086,7 @@
               </a:ln>
               <a:extLst>
                 <a:ext uri="{91240B29-F687-4f45-9708-019B960494DF}">
-                  <a14:hiddenLine xmlns:a14="http://schemas.microsoft.com/office/drawing/2010/main" xmlns="" w="9525">
+                  <a14:hiddenLine xmlns="" xmlns:a14="http://schemas.microsoft.com/office/drawing/2010/main" w="9525">
                     <a:solidFill>
                       <a:srgbClr val="000000"/>
                     </a:solidFill>
@@ -10335,7 +12176,7 @@
               </a:ln>
               <a:extLst>
                 <a:ext uri="{91240B29-F687-4f45-9708-019B960494DF}">
-                  <a14:hiddenLine xmlns:a14="http://schemas.microsoft.com/office/drawing/2010/main" xmlns="" w="9525">
+                  <a14:hiddenLine xmlns="" xmlns:a14="http://schemas.microsoft.com/office/drawing/2010/main" w="9525">
                     <a:solidFill>
                       <a:srgbClr val="000000"/>
                     </a:solidFill>
@@ -10397,7 +12238,7 @@
               </a:ln>
               <a:extLst>
                 <a:ext uri="{91240B29-F687-4f45-9708-019B960494DF}">
-                  <a14:hiddenLine xmlns:a14="http://schemas.microsoft.com/office/drawing/2010/main" xmlns="" w="9525">
+                  <a14:hiddenLine xmlns="" xmlns:a14="http://schemas.microsoft.com/office/drawing/2010/main" w="9525">
                     <a:solidFill>
                       <a:srgbClr val="000000"/>
                     </a:solidFill>
@@ -10487,7 +12328,7 @@
               </a:ln>
               <a:extLst>
                 <a:ext uri="{91240B29-F687-4f45-9708-019B960494DF}">
-                  <a14:hiddenLine xmlns:a14="http://schemas.microsoft.com/office/drawing/2010/main" xmlns="" w="9525">
+                  <a14:hiddenLine xmlns="" xmlns:a14="http://schemas.microsoft.com/office/drawing/2010/main" w="9525">
                     <a:solidFill>
                       <a:srgbClr val="000000"/>
                     </a:solidFill>
@@ -10552,7 +12393,7 @@
               </a:ln>
               <a:extLst>
                 <a:ext uri="{91240B29-F687-4f45-9708-019B960494DF}">
-                  <a14:hiddenLine xmlns:a14="http://schemas.microsoft.com/office/drawing/2010/main" xmlns="" w="9525">
+                  <a14:hiddenLine xmlns="" xmlns:a14="http://schemas.microsoft.com/office/drawing/2010/main" w="9525">
                     <a:solidFill>
                       <a:srgbClr val="000000"/>
                     </a:solidFill>
@@ -10614,7 +12455,7 @@
               </a:ln>
               <a:extLst>
                 <a:ext uri="{91240B29-F687-4f45-9708-019B960494DF}">
-                  <a14:hiddenLine xmlns:a14="http://schemas.microsoft.com/office/drawing/2010/main" xmlns="" w="9525">
+                  <a14:hiddenLine xmlns="" xmlns:a14="http://schemas.microsoft.com/office/drawing/2010/main" w="9525">
                     <a:solidFill>
                       <a:srgbClr val="000000"/>
                     </a:solidFill>
@@ -10704,7 +12545,7 @@
               </a:ln>
               <a:extLst>
                 <a:ext uri="{91240B29-F687-4f45-9708-019B960494DF}">
-                  <a14:hiddenLine xmlns:a14="http://schemas.microsoft.com/office/drawing/2010/main" xmlns="" w="9525">
+                  <a14:hiddenLine xmlns="" xmlns:a14="http://schemas.microsoft.com/office/drawing/2010/main" w="9525">
                     <a:solidFill>
                       <a:srgbClr val="000000"/>
                     </a:solidFill>
@@ -10794,7 +12635,7 @@
               </a:ln>
               <a:extLst>
                 <a:ext uri="{91240B29-F687-4f45-9708-019B960494DF}">
-                  <a14:hiddenLine xmlns:a14="http://schemas.microsoft.com/office/drawing/2010/main" xmlns="" w="9525">
+                  <a14:hiddenLine xmlns="" xmlns:a14="http://schemas.microsoft.com/office/drawing/2010/main" w="9525">
                     <a:solidFill>
                       <a:srgbClr val="000000"/>
                     </a:solidFill>
@@ -10859,7 +12700,7 @@
               </a:ln>
               <a:extLst>
                 <a:ext uri="{91240B29-F687-4f45-9708-019B960494DF}">
-                  <a14:hiddenLine xmlns:a14="http://schemas.microsoft.com/office/drawing/2010/main" xmlns="" w="9525">
+                  <a14:hiddenLine xmlns="" xmlns:a14="http://schemas.microsoft.com/office/drawing/2010/main" w="9525">
                     <a:solidFill>
                       <a:srgbClr val="000000"/>
                     </a:solidFill>
@@ -10979,7 +12820,7 @@
               </a:ln>
               <a:extLst>
                 <a:ext uri="{91240B29-F687-4f45-9708-019B960494DF}">
-                  <a14:hiddenLine xmlns:a14="http://schemas.microsoft.com/office/drawing/2010/main" xmlns="" w="9525">
+                  <a14:hiddenLine xmlns="" xmlns:a14="http://schemas.microsoft.com/office/drawing/2010/main" w="9525">
                     <a:solidFill>
                       <a:srgbClr val="000000"/>
                     </a:solidFill>
@@ -11077,7 +12918,7 @@
               </a:ln>
               <a:extLst>
                 <a:ext uri="{91240B29-F687-4f45-9708-019B960494DF}">
-                  <a14:hiddenLine xmlns:a14="http://schemas.microsoft.com/office/drawing/2010/main" xmlns="" w="9525">
+                  <a14:hiddenLine xmlns="" xmlns:a14="http://schemas.microsoft.com/office/drawing/2010/main" w="9525">
                     <a:solidFill>
                       <a:srgbClr val="000000"/>
                     </a:solidFill>
@@ -11192,7 +13033,7 @@
               </a:ln>
               <a:extLst>
                 <a:ext uri="{91240B29-F687-4f45-9708-019B960494DF}">
-                  <a14:hiddenLine xmlns:a14="http://schemas.microsoft.com/office/drawing/2010/main" xmlns="" w="9525">
+                  <a14:hiddenLine xmlns="" xmlns:a14="http://schemas.microsoft.com/office/drawing/2010/main" w="9525">
                     <a:solidFill>
                       <a:srgbClr val="000000"/>
                     </a:solidFill>
@@ -11282,7 +13123,7 @@
               </a:ln>
               <a:extLst>
                 <a:ext uri="{91240B29-F687-4f45-9708-019B960494DF}">
-                  <a14:hiddenLine xmlns:a14="http://schemas.microsoft.com/office/drawing/2010/main" xmlns="" w="9525">
+                  <a14:hiddenLine xmlns="" xmlns:a14="http://schemas.microsoft.com/office/drawing/2010/main" w="9525">
                     <a:solidFill>
                       <a:srgbClr val="000000"/>
                     </a:solidFill>
@@ -11347,7 +13188,7 @@
               </a:ln>
               <a:extLst>
                 <a:ext uri="{91240B29-F687-4f45-9708-019B960494DF}">
-                  <a14:hiddenLine xmlns:a14="http://schemas.microsoft.com/office/drawing/2010/main" xmlns="" w="9525">
+                  <a14:hiddenLine xmlns="" xmlns:a14="http://schemas.microsoft.com/office/drawing/2010/main" w="9525">
                     <a:solidFill>
                       <a:srgbClr val="000000"/>
                     </a:solidFill>
@@ -11437,7 +13278,7 @@
               </a:ln>
               <a:extLst>
                 <a:ext uri="{91240B29-F687-4f45-9708-019B960494DF}">
-                  <a14:hiddenLine xmlns:a14="http://schemas.microsoft.com/office/drawing/2010/main" xmlns="" w="9525">
+                  <a14:hiddenLine xmlns="" xmlns:a14="http://schemas.microsoft.com/office/drawing/2010/main" w="9525">
                     <a:solidFill>
                       <a:srgbClr val="000000"/>
                     </a:solidFill>
@@ -11505,7 +13346,7 @@
               </a:ln>
               <a:extLst>
                 <a:ext uri="{91240B29-F687-4f45-9708-019B960494DF}">
-                  <a14:hiddenLine xmlns:a14="http://schemas.microsoft.com/office/drawing/2010/main" xmlns="" w="9525">
+                  <a14:hiddenLine xmlns="" xmlns:a14="http://schemas.microsoft.com/office/drawing/2010/main" w="9525">
                     <a:solidFill>
                       <a:srgbClr val="000000"/>
                     </a:solidFill>
@@ -11595,7 +13436,7 @@
               </a:ln>
               <a:extLst>
                 <a:ext uri="{91240B29-F687-4f45-9708-019B960494DF}">
-                  <a14:hiddenLine xmlns:a14="http://schemas.microsoft.com/office/drawing/2010/main" xmlns="" w="9525">
+                  <a14:hiddenLine xmlns="" xmlns:a14="http://schemas.microsoft.com/office/drawing/2010/main" w="9525">
                     <a:solidFill>
                       <a:srgbClr val="000000"/>
                     </a:solidFill>
@@ -11663,7 +13504,7 @@
               </a:ln>
               <a:extLst>
                 <a:ext uri="{91240B29-F687-4f45-9708-019B960494DF}">
-                  <a14:hiddenLine xmlns:a14="http://schemas.microsoft.com/office/drawing/2010/main" xmlns="" w="9525">
+                  <a14:hiddenLine xmlns="" xmlns:a14="http://schemas.microsoft.com/office/drawing/2010/main" w="9525">
                     <a:solidFill>
                       <a:srgbClr val="000000"/>
                     </a:solidFill>
@@ -11753,7 +13594,7 @@
               </a:ln>
               <a:extLst>
                 <a:ext uri="{91240B29-F687-4f45-9708-019B960494DF}">
-                  <a14:hiddenLine xmlns:a14="http://schemas.microsoft.com/office/drawing/2010/main" xmlns="" w="9525">
+                  <a14:hiddenLine xmlns="" xmlns:a14="http://schemas.microsoft.com/office/drawing/2010/main" w="9525">
                     <a:solidFill>
                       <a:srgbClr val="000000"/>
                     </a:solidFill>
@@ -11787,7 +13628,7 @@
               </a:ln>
               <a:extLst>
                 <a:ext uri="{91240B29-F687-4f45-9708-019B960494DF}">
-                  <a14:hiddenLine xmlns:a14="http://schemas.microsoft.com/office/drawing/2010/main" xmlns="" w="9525">
+                  <a14:hiddenLine xmlns="" xmlns:a14="http://schemas.microsoft.com/office/drawing/2010/main" w="9525">
                     <a:solidFill>
                       <a:srgbClr val="000000"/>
                     </a:solidFill>
@@ -12448,7 +14289,97 @@
           <a:bodyPr/>
           <a:lstStyle/>
           <a:p>
-            <a:endParaRPr lang="it-IT"/>
+            <a:r>
+              <a:rPr lang="it-IT" dirty="0"/>
+              <a:t>Farsi un’idea </a:t>
+            </a:r>
+          </a:p>
+        </p:txBody>
+      </p:sp>
+      <p:pic>
+        <p:nvPicPr>
+          <p:cNvPr id="5" name="Segnaposto contenuto 4" descr="Immagine che contiene arredamento&#10;&#10;Descrizione generata automaticamente">
+            <a:extLst>
+              <a:ext uri="{FF2B5EF4-FFF2-40B4-BE49-F238E27FC236}">
+                <a16:creationId xmlns:a16="http://schemas.microsoft.com/office/drawing/2014/main" id="{8A2C6827-D490-477A-85E4-C01EC9052165}"/>
+              </a:ext>
+            </a:extLst>
+          </p:cNvPr>
+          <p:cNvPicPr>
+            <a:picLocks noGrp="1" noChangeAspect="1"/>
+          </p:cNvPicPr>
+          <p:nvPr>
+            <p:ph idx="1"/>
+          </p:nvPr>
+        </p:nvPicPr>
+        <p:blipFill>
+          <a:blip r:embed="rId3"/>
+          <a:stretch>
+            <a:fillRect/>
+          </a:stretch>
+        </p:blipFill>
+        <p:spPr>
+          <a:xfrm>
+            <a:off x="3806456" y="1778831"/>
+            <a:ext cx="4529469" cy="4529469"/>
+          </a:xfrm>
+        </p:spPr>
+      </p:pic>
+    </p:spTree>
+    <p:extLst>
+      <p:ext uri="{BB962C8B-B14F-4D97-AF65-F5344CB8AC3E}">
+        <p14:creationId xmlns:p14="http://schemas.microsoft.com/office/powerpoint/2010/main" val="3013887827"/>
+      </p:ext>
+    </p:extLst>
+  </p:cSld>
+  <p:clrMapOvr>
+    <a:masterClrMapping/>
+  </p:clrMapOvr>
+</p:sld>
+</file>
+
+<file path=ppt/slides/slide3.xml><?xml version="1.0" encoding="utf-8"?>
+<p:sld xmlns:a="http://schemas.openxmlformats.org/drawingml/2006/main" xmlns:r="http://schemas.openxmlformats.org/officeDocument/2006/relationships" xmlns:p="http://schemas.openxmlformats.org/presentationml/2006/main">
+  <p:cSld>
+    <p:spTree>
+      <p:nvGrpSpPr>
+        <p:cNvPr id="1" name=""/>
+        <p:cNvGrpSpPr/>
+        <p:nvPr/>
+      </p:nvGrpSpPr>
+      <p:grpSpPr>
+        <a:xfrm>
+          <a:off x="0" y="0"/>
+          <a:ext cx="0" cy="0"/>
+          <a:chOff x="0" y="0"/>
+          <a:chExt cx="0" cy="0"/>
+        </a:xfrm>
+      </p:grpSpPr>
+      <p:sp>
+        <p:nvSpPr>
+          <p:cNvPr id="2" name="Titolo 1">
+            <a:extLst>
+              <a:ext uri="{FF2B5EF4-FFF2-40B4-BE49-F238E27FC236}">
+                <a16:creationId xmlns:a16="http://schemas.microsoft.com/office/drawing/2014/main" id="{94A81761-29C1-4F2C-8CDD-75D98E7F20D6}"/>
+              </a:ext>
+            </a:extLst>
+          </p:cNvPr>
+          <p:cNvSpPr>
+            <a:spLocks noGrp="1"/>
+          </p:cNvSpPr>
+          <p:nvPr>
+            <p:ph type="title"/>
+          </p:nvPr>
+        </p:nvSpPr>
+        <p:spPr/>
+        <p:txBody>
+          <a:bodyPr/>
+          <a:lstStyle/>
+          <a:p>
+            <a:r>
+              <a:rPr lang="it-IT" dirty="0"/>
+              <a:t>client</a:t>
+            </a:r>
           </a:p>
         </p:txBody>
       </p:sp>
@@ -12457,7 +14388,7 @@
           <p:cNvPr id="3" name="Segnaposto contenuto 2">
             <a:extLst>
               <a:ext uri="{FF2B5EF4-FFF2-40B4-BE49-F238E27FC236}">
-                <a16:creationId xmlns:a16="http://schemas.microsoft.com/office/drawing/2014/main" id="{250193C8-16E6-4156-A9AA-23A71AFE7713}"/>
+                <a16:creationId xmlns:a16="http://schemas.microsoft.com/office/drawing/2014/main" id="{894106C5-A99C-4C0E-B72E-770E8C6EC4F4}"/>
               </a:ext>
             </a:extLst>
           </p:cNvPr>
@@ -12473,14 +14404,364 @@
           <a:bodyPr/>
           <a:lstStyle/>
           <a:p>
-            <a:endParaRPr lang="it-IT"/>
+            <a:r>
+              <a:rPr lang="it-IT" dirty="0"/>
+              <a:t>Un </a:t>
+            </a:r>
+            <a:r>
+              <a:rPr lang="it-IT" b="1" dirty="0"/>
+              <a:t>client</a:t>
+            </a:r>
+            <a:r>
+              <a:rPr lang="it-IT" dirty="0"/>
+              <a:t> (in </a:t>
+            </a:r>
+            <a:r>
+              <a:rPr lang="it-IT" dirty="0">
+                <a:hlinkClick r:id="rId3" tooltip="Lingua italiana"/>
+              </a:rPr>
+              <a:t>lingua italiana</a:t>
+            </a:r>
+            <a:r>
+              <a:rPr lang="it-IT" dirty="0"/>
+              <a:t> detto anche </a:t>
+            </a:r>
+            <a:r>
+              <a:rPr lang="it-IT" i="1" dirty="0"/>
+              <a:t>cliente</a:t>
+            </a:r>
+            <a:r>
+              <a:rPr lang="it-IT" dirty="0"/>
+              <a:t>), in </a:t>
+            </a:r>
+            <a:r>
+              <a:rPr lang="it-IT" dirty="0">
+                <a:hlinkClick r:id="rId4" tooltip="Informatica"/>
+              </a:rPr>
+              <a:t>informatica</a:t>
+            </a:r>
+            <a:r>
+              <a:rPr lang="it-IT" dirty="0"/>
+              <a:t>, indica genericamente un qualunque componente che accede ai servizi o alle </a:t>
+            </a:r>
+            <a:r>
+              <a:rPr lang="it-IT" dirty="0">
+                <a:hlinkClick r:id="rId5" tooltip="Risorsa informatica"/>
+              </a:rPr>
+              <a:t>risorse</a:t>
+            </a:r>
+            <a:r>
+              <a:rPr lang="it-IT" dirty="0"/>
+              <a:t> di un'altra componente detta </a:t>
+            </a:r>
+            <a:r>
+              <a:rPr lang="it-IT" dirty="0">
+                <a:hlinkClick r:id="rId6" tooltip="Server"/>
+              </a:rPr>
+              <a:t>server</a:t>
+            </a:r>
+            <a:r>
+              <a:rPr lang="it-IT" dirty="0"/>
+              <a:t>.</a:t>
+            </a:r>
+          </a:p>
+          <a:p>
+            <a:endParaRPr lang="it-IT" dirty="0"/>
           </a:p>
         </p:txBody>
       </p:sp>
+      <p:pic>
+        <p:nvPicPr>
+          <p:cNvPr id="5" name="Immagine 4">
+            <a:extLst>
+              <a:ext uri="{FF2B5EF4-FFF2-40B4-BE49-F238E27FC236}">
+                <a16:creationId xmlns:a16="http://schemas.microsoft.com/office/drawing/2014/main" id="{190C4C2D-A6F2-4924-AA52-FCA7FBC80FF3}"/>
+              </a:ext>
+            </a:extLst>
+          </p:cNvPr>
+          <p:cNvPicPr>
+            <a:picLocks noChangeAspect="1"/>
+          </p:cNvPicPr>
+          <p:nvPr/>
+        </p:nvPicPr>
+        <p:blipFill>
+          <a:blip r:embed="rId7"/>
+          <a:stretch>
+            <a:fillRect/>
+          </a:stretch>
+        </p:blipFill>
+        <p:spPr>
+          <a:xfrm>
+            <a:off x="7654165" y="3411867"/>
+            <a:ext cx="2723211" cy="2827615"/>
+          </a:xfrm>
+          <a:prstGeom prst="rect">
+            <a:avLst/>
+          </a:prstGeom>
+        </p:spPr>
+      </p:pic>
     </p:spTree>
     <p:extLst>
       <p:ext uri="{BB962C8B-B14F-4D97-AF65-F5344CB8AC3E}">
-        <p14:creationId xmlns:p14="http://schemas.microsoft.com/office/powerpoint/2010/main" val="3013887827"/>
+        <p14:creationId xmlns:p14="http://schemas.microsoft.com/office/powerpoint/2010/main" val="1244030261"/>
+      </p:ext>
+    </p:extLst>
+  </p:cSld>
+  <p:clrMapOvr>
+    <a:masterClrMapping/>
+  </p:clrMapOvr>
+</p:sld>
+</file>
+
+<file path=ppt/slides/slide4.xml><?xml version="1.0" encoding="utf-8"?>
+<p:sld xmlns:a="http://schemas.openxmlformats.org/drawingml/2006/main" xmlns:r="http://schemas.openxmlformats.org/officeDocument/2006/relationships" xmlns:p="http://schemas.openxmlformats.org/presentationml/2006/main">
+  <p:cSld>
+    <p:spTree>
+      <p:nvGrpSpPr>
+        <p:cNvPr id="1" name=""/>
+        <p:cNvGrpSpPr/>
+        <p:nvPr/>
+      </p:nvGrpSpPr>
+      <p:grpSpPr>
+        <a:xfrm>
+          <a:off x="0" y="0"/>
+          <a:ext cx="0" cy="0"/>
+          <a:chOff x="0" y="0"/>
+          <a:chExt cx="0" cy="0"/>
+        </a:xfrm>
+      </p:grpSpPr>
+      <p:sp>
+        <p:nvSpPr>
+          <p:cNvPr id="2" name="Titolo 1">
+            <a:extLst>
+              <a:ext uri="{FF2B5EF4-FFF2-40B4-BE49-F238E27FC236}">
+                <a16:creationId xmlns:a16="http://schemas.microsoft.com/office/drawing/2014/main" id="{AA3512DF-B667-4EE6-BD40-52D8A8B04CB9}"/>
+              </a:ext>
+            </a:extLst>
+          </p:cNvPr>
+          <p:cNvSpPr>
+            <a:spLocks noGrp="1"/>
+          </p:cNvSpPr>
+          <p:nvPr>
+            <p:ph type="title"/>
+          </p:nvPr>
+        </p:nvSpPr>
+        <p:spPr/>
+        <p:txBody>
+          <a:bodyPr/>
+          <a:lstStyle/>
+          <a:p>
+            <a:r>
+              <a:rPr lang="it-IT" dirty="0"/>
+              <a:t>server</a:t>
+            </a:r>
+          </a:p>
+        </p:txBody>
+      </p:sp>
+      <p:sp>
+        <p:nvSpPr>
+          <p:cNvPr id="3" name="Segnaposto contenuto 2">
+            <a:extLst>
+              <a:ext uri="{FF2B5EF4-FFF2-40B4-BE49-F238E27FC236}">
+                <a16:creationId xmlns:a16="http://schemas.microsoft.com/office/drawing/2014/main" id="{9BD09E33-9007-4B42-B830-A90A95110363}"/>
+              </a:ext>
+            </a:extLst>
+          </p:cNvPr>
+          <p:cNvSpPr>
+            <a:spLocks noGrp="1"/>
+          </p:cNvSpPr>
+          <p:nvPr>
+            <p:ph idx="1"/>
+          </p:nvPr>
+        </p:nvSpPr>
+        <p:spPr/>
+        <p:txBody>
+          <a:bodyPr/>
+          <a:lstStyle/>
+          <a:p>
+            <a:r>
+              <a:rPr lang="it-IT" dirty="0"/>
+              <a:t>Un Server è un componente o sottosistema informatico di </a:t>
+            </a:r>
+            <a:r>
+              <a:rPr lang="it-IT" dirty="0">
+                <a:hlinkClick r:id="rId3" tooltip="Elaborazione dati"/>
+              </a:rPr>
+              <a:t>elaborazione</a:t>
+            </a:r>
+            <a:r>
+              <a:rPr lang="it-IT" dirty="0"/>
+              <a:t> e gestione del traffico di informazioni che fornisce, a livello logico e fisico, un qualunque tipo di servizio ai  </a:t>
+            </a:r>
+            <a:r>
+              <a:rPr lang="it-IT" i="1" dirty="0">
+                <a:hlinkClick r:id="rId4" tooltip="Client"/>
+              </a:rPr>
+              <a:t>clients</a:t>
+            </a:r>
+            <a:r>
+              <a:rPr lang="it-IT" i="1" dirty="0"/>
+              <a:t> </a:t>
+            </a:r>
+            <a:r>
+              <a:rPr lang="it-IT" dirty="0"/>
+              <a:t>che ne fanno richiesta attraverso una </a:t>
+            </a:r>
+            <a:r>
+              <a:rPr lang="it-IT" dirty="0">
+                <a:hlinkClick r:id="rId5" tooltip="Rete informatica"/>
+              </a:rPr>
+              <a:t>rete</a:t>
+            </a:r>
+            <a:r>
+              <a:rPr lang="it-IT" dirty="0"/>
+              <a:t> di </a:t>
+            </a:r>
+            <a:r>
+              <a:rPr lang="it-IT" dirty="0">
+                <a:hlinkClick r:id="rId6" tooltip="Computer"/>
+              </a:rPr>
+              <a:t>computer</a:t>
+            </a:r>
+            <a:r>
+              <a:rPr lang="it-IT" dirty="0"/>
+              <a:t>.</a:t>
+            </a:r>
+          </a:p>
+          <a:p>
+            <a:pPr marL="0" indent="0">
+              <a:buNone/>
+            </a:pPr>
+            <a:endParaRPr lang="it-IT" dirty="0"/>
+          </a:p>
+        </p:txBody>
+      </p:sp>
+      <p:pic>
+        <p:nvPicPr>
+          <p:cNvPr id="5" name="Immagine 4" descr="Immagine che contiene edificio, pavimento, interni, piattaforma&#10;&#10;Descrizione generata automaticamente">
+            <a:extLst>
+              <a:ext uri="{FF2B5EF4-FFF2-40B4-BE49-F238E27FC236}">
+                <a16:creationId xmlns:a16="http://schemas.microsoft.com/office/drawing/2014/main" id="{1F6D58BE-CBF5-4C2B-BD3C-E036B4C7104A}"/>
+              </a:ext>
+            </a:extLst>
+          </p:cNvPr>
+          <p:cNvPicPr>
+            <a:picLocks noChangeAspect="1"/>
+          </p:cNvPicPr>
+          <p:nvPr/>
+        </p:nvPicPr>
+        <p:blipFill>
+          <a:blip r:embed="rId7"/>
+          <a:stretch>
+            <a:fillRect/>
+          </a:stretch>
+        </p:blipFill>
+        <p:spPr>
+          <a:xfrm>
+            <a:off x="5474554" y="3656014"/>
+            <a:ext cx="4881558" cy="2959551"/>
+          </a:xfrm>
+          <a:prstGeom prst="rect">
+            <a:avLst/>
+          </a:prstGeom>
+        </p:spPr>
+      </p:pic>
+    </p:spTree>
+    <p:extLst>
+      <p:ext uri="{BB962C8B-B14F-4D97-AF65-F5344CB8AC3E}">
+        <p14:creationId xmlns:p14="http://schemas.microsoft.com/office/powerpoint/2010/main" val="4240907264"/>
+      </p:ext>
+    </p:extLst>
+  </p:cSld>
+  <p:clrMapOvr>
+    <a:masterClrMapping/>
+  </p:clrMapOvr>
+</p:sld>
+</file>
+
+<file path=ppt/slides/slide5.xml><?xml version="1.0" encoding="utf-8"?>
+<p:sld xmlns:a="http://schemas.openxmlformats.org/drawingml/2006/main" xmlns:r="http://schemas.openxmlformats.org/officeDocument/2006/relationships" xmlns:p="http://schemas.openxmlformats.org/presentationml/2006/main">
+  <p:cSld>
+    <p:spTree>
+      <p:nvGrpSpPr>
+        <p:cNvPr id="1" name=""/>
+        <p:cNvGrpSpPr/>
+        <p:nvPr/>
+      </p:nvGrpSpPr>
+      <p:grpSpPr>
+        <a:xfrm>
+          <a:off x="0" y="0"/>
+          <a:ext cx="0" cy="0"/>
+          <a:chOff x="0" y="0"/>
+          <a:chExt cx="0" cy="0"/>
+        </a:xfrm>
+      </p:grpSpPr>
+      <p:sp>
+        <p:nvSpPr>
+          <p:cNvPr id="2" name="Titolo 1">
+            <a:extLst>
+              <a:ext uri="{FF2B5EF4-FFF2-40B4-BE49-F238E27FC236}">
+                <a16:creationId xmlns:a16="http://schemas.microsoft.com/office/drawing/2014/main" id="{5BBA376B-C32C-4045-AB18-CC630BBCC875}"/>
+              </a:ext>
+            </a:extLst>
+          </p:cNvPr>
+          <p:cNvSpPr>
+            <a:spLocks noGrp="1"/>
+          </p:cNvSpPr>
+          <p:nvPr>
+            <p:ph type="title"/>
+          </p:nvPr>
+        </p:nvSpPr>
+        <p:spPr/>
+        <p:txBody>
+          <a:bodyPr/>
+          <a:lstStyle/>
+          <a:p>
+            <a:r>
+              <a:rPr lang="it-IT" dirty="0"/>
+              <a:t>Comunicazione </a:t>
+            </a:r>
+            <a:r>
+              <a:rPr lang="it-IT" dirty="0" err="1"/>
+              <a:t>client-server</a:t>
+            </a:r>
+            <a:endParaRPr lang="it-IT" dirty="0"/>
+          </a:p>
+        </p:txBody>
+      </p:sp>
+      <p:pic>
+        <p:nvPicPr>
+          <p:cNvPr id="5" name="Segnaposto contenuto 4" descr="Immagine che contiene screenshot&#10;&#10;Descrizione generata automaticamente">
+            <a:extLst>
+              <a:ext uri="{FF2B5EF4-FFF2-40B4-BE49-F238E27FC236}">
+                <a16:creationId xmlns:a16="http://schemas.microsoft.com/office/drawing/2014/main" id="{AC7837AD-C772-4A0D-B785-78A4C7F9B759}"/>
+              </a:ext>
+            </a:extLst>
+          </p:cNvPr>
+          <p:cNvPicPr>
+            <a:picLocks noGrp="1" noChangeAspect="1"/>
+          </p:cNvPicPr>
+          <p:nvPr>
+            <p:ph idx="1"/>
+          </p:nvPr>
+        </p:nvPicPr>
+        <p:blipFill>
+          <a:blip r:embed="rId3"/>
+          <a:stretch>
+            <a:fillRect/>
+          </a:stretch>
+        </p:blipFill>
+        <p:spPr>
+          <a:xfrm>
+            <a:off x="1679945" y="1728267"/>
+            <a:ext cx="7719236" cy="4266297"/>
+          </a:xfrm>
+        </p:spPr>
+      </p:pic>
+    </p:spTree>
+    <p:extLst>
+      <p:ext uri="{BB962C8B-B14F-4D97-AF65-F5344CB8AC3E}">
+        <p14:creationId xmlns:p14="http://schemas.microsoft.com/office/powerpoint/2010/main" val="703505165"/>
       </p:ext>
     </p:extLst>
   </p:cSld>
@@ -12739,4 +15020,299 @@
     </a:ext>
   </a:extLst>
 </a:theme>
+</file>
+
+<file path=ppt/theme/theme2.xml><?xml version="1.0" encoding="utf-8"?>
+<a:theme xmlns:a="http://schemas.openxmlformats.org/drawingml/2006/main" name="Tema di Office">
+  <a:themeElements>
+    <a:clrScheme name="Office">
+      <a:dk1>
+        <a:sysClr val="windowText" lastClr="000000"/>
+      </a:dk1>
+      <a:lt1>
+        <a:sysClr val="window" lastClr="FFFFFF"/>
+      </a:lt1>
+      <a:dk2>
+        <a:srgbClr val="44546A"/>
+      </a:dk2>
+      <a:lt2>
+        <a:srgbClr val="E7E6E6"/>
+      </a:lt2>
+      <a:accent1>
+        <a:srgbClr val="4472C4"/>
+      </a:accent1>
+      <a:accent2>
+        <a:srgbClr val="ED7D31"/>
+      </a:accent2>
+      <a:accent3>
+        <a:srgbClr val="A5A5A5"/>
+      </a:accent3>
+      <a:accent4>
+        <a:srgbClr val="FFC000"/>
+      </a:accent4>
+      <a:accent5>
+        <a:srgbClr val="5B9BD5"/>
+      </a:accent5>
+      <a:accent6>
+        <a:srgbClr val="70AD47"/>
+      </a:accent6>
+      <a:hlink>
+        <a:srgbClr val="0563C1"/>
+      </a:hlink>
+      <a:folHlink>
+        <a:srgbClr val="954F72"/>
+      </a:folHlink>
+    </a:clrScheme>
+    <a:fontScheme name="Office">
+      <a:majorFont>
+        <a:latin typeface="Calibri Light" panose="020F0302020204030204"/>
+        <a:ea typeface=""/>
+        <a:cs typeface=""/>
+        <a:font script="Jpan" typeface="游ゴシック Light"/>
+        <a:font script="Hang" typeface="맑은 고딕"/>
+        <a:font script="Hans" typeface="等线 Light"/>
+        <a:font script="Hant" typeface="新細明體"/>
+        <a:font script="Arab" typeface="Times New Roman"/>
+        <a:font script="Hebr" typeface="Times New Roman"/>
+        <a:font script="Thai" typeface="Angsana New"/>
+        <a:font script="Ethi" typeface="Nyala"/>
+        <a:font script="Beng" typeface="Vrinda"/>
+        <a:font script="Gujr" typeface="Shruti"/>
+        <a:font script="Khmr" typeface="MoolBoran"/>
+        <a:font script="Knda" typeface="Tunga"/>
+        <a:font script="Guru" typeface="Raavi"/>
+        <a:font script="Cans" typeface="Euphemia"/>
+        <a:font script="Cher" typeface="Plantagenet Cherokee"/>
+        <a:font script="Yiii" typeface="Microsoft Yi Baiti"/>
+        <a:font script="Tibt" typeface="Microsoft Himalaya"/>
+        <a:font script="Thaa" typeface="MV Boli"/>
+        <a:font script="Deva" typeface="Mangal"/>
+        <a:font script="Telu" typeface="Gautami"/>
+        <a:font script="Taml" typeface="Latha"/>
+        <a:font script="Syrc" typeface="Estrangelo Edessa"/>
+        <a:font script="Orya" typeface="Kalinga"/>
+        <a:font script="Mlym" typeface="Kartika"/>
+        <a:font script="Laoo" typeface="DokChampa"/>
+        <a:font script="Sinh" typeface="Iskoola Pota"/>
+        <a:font script="Mong" typeface="Mongolian Baiti"/>
+        <a:font script="Viet" typeface="Times New Roman"/>
+        <a:font script="Uigh" typeface="Microsoft Uighur"/>
+        <a:font script="Geor" typeface="Sylfaen"/>
+        <a:font script="Armn" typeface="Arial"/>
+        <a:font script="Bugi" typeface="Leelawadee UI"/>
+        <a:font script="Bopo" typeface="Microsoft JhengHei"/>
+        <a:font script="Java" typeface="Javanese Text"/>
+        <a:font script="Lisu" typeface="Segoe UI"/>
+        <a:font script="Mymr" typeface="Myanmar Text"/>
+        <a:font script="Nkoo" typeface="Ebrima"/>
+        <a:font script="Olck" typeface="Nirmala UI"/>
+        <a:font script="Osma" typeface="Ebrima"/>
+        <a:font script="Phag" typeface="Phagspa"/>
+        <a:font script="Syrn" typeface="Estrangelo Edessa"/>
+        <a:font script="Syrj" typeface="Estrangelo Edessa"/>
+        <a:font script="Syre" typeface="Estrangelo Edessa"/>
+        <a:font script="Sora" typeface="Nirmala UI"/>
+        <a:font script="Tale" typeface="Microsoft Tai Le"/>
+        <a:font script="Talu" typeface="Microsoft New Tai Lue"/>
+        <a:font script="Tfng" typeface="Ebrima"/>
+      </a:majorFont>
+      <a:minorFont>
+        <a:latin typeface="Calibri" panose="020F0502020204030204"/>
+        <a:ea typeface=""/>
+        <a:cs typeface=""/>
+        <a:font script="Jpan" typeface="游ゴシック"/>
+        <a:font script="Hang" typeface="맑은 고딕"/>
+        <a:font script="Hans" typeface="等线"/>
+        <a:font script="Hant" typeface="新細明體"/>
+        <a:font script="Arab" typeface="Arial"/>
+        <a:font script="Hebr" typeface="Arial"/>
+        <a:font script="Thai" typeface="Cordia New"/>
+        <a:font script="Ethi" typeface="Nyala"/>
+        <a:font script="Beng" typeface="Vrinda"/>
+        <a:font script="Gujr" typeface="Shruti"/>
+        <a:font script="Khmr" typeface="DaunPenh"/>
+        <a:font script="Knda" typeface="Tunga"/>
+        <a:font script="Guru" typeface="Raavi"/>
+        <a:font script="Cans" typeface="Euphemia"/>
+        <a:font script="Cher" typeface="Plantagenet Cherokee"/>
+        <a:font script="Yiii" typeface="Microsoft Yi Baiti"/>
+        <a:font script="Tibt" typeface="Microsoft Himalaya"/>
+        <a:font script="Thaa" typeface="MV Boli"/>
+        <a:font script="Deva" typeface="Mangal"/>
+        <a:font script="Telu" typeface="Gautami"/>
+        <a:font script="Taml" typeface="Latha"/>
+        <a:font script="Syrc" typeface="Estrangelo Edessa"/>
+        <a:font script="Orya" typeface="Kalinga"/>
+        <a:font script="Mlym" typeface="Kartika"/>
+        <a:font script="Laoo" typeface="DokChampa"/>
+        <a:font script="Sinh" typeface="Iskoola Pota"/>
+        <a:font script="Mong" typeface="Mongolian Baiti"/>
+        <a:font script="Viet" typeface="Arial"/>
+        <a:font script="Uigh" typeface="Microsoft Uighur"/>
+        <a:font script="Geor" typeface="Sylfaen"/>
+        <a:font script="Armn" typeface="Arial"/>
+        <a:font script="Bugi" typeface="Leelawadee UI"/>
+        <a:font script="Bopo" typeface="Microsoft JhengHei"/>
+        <a:font script="Java" typeface="Javanese Text"/>
+        <a:font script="Lisu" typeface="Segoe UI"/>
+        <a:font script="Mymr" typeface="Myanmar Text"/>
+        <a:font script="Nkoo" typeface="Ebrima"/>
+        <a:font script="Olck" typeface="Nirmala UI"/>
+        <a:font script="Osma" typeface="Ebrima"/>
+        <a:font script="Phag" typeface="Phagspa"/>
+        <a:font script="Syrn" typeface="Estrangelo Edessa"/>
+        <a:font script="Syrj" typeface="Estrangelo Edessa"/>
+        <a:font script="Syre" typeface="Estrangelo Edessa"/>
+        <a:font script="Sora" typeface="Nirmala UI"/>
+        <a:font script="Tale" typeface="Microsoft Tai Le"/>
+        <a:font script="Talu" typeface="Microsoft New Tai Lue"/>
+        <a:font script="Tfng" typeface="Ebrima"/>
+      </a:minorFont>
+    </a:fontScheme>
+    <a:fmtScheme name="Office">
+      <a:fillStyleLst>
+        <a:solidFill>
+          <a:schemeClr val="phClr"/>
+        </a:solidFill>
+        <a:gradFill rotWithShape="1">
+          <a:gsLst>
+            <a:gs pos="0">
+              <a:schemeClr val="phClr">
+                <a:lumMod val="110000"/>
+                <a:satMod val="105000"/>
+                <a:tint val="67000"/>
+              </a:schemeClr>
+            </a:gs>
+            <a:gs pos="50000">
+              <a:schemeClr val="phClr">
+                <a:lumMod val="105000"/>
+                <a:satMod val="103000"/>
+                <a:tint val="73000"/>
+              </a:schemeClr>
+            </a:gs>
+            <a:gs pos="100000">
+              <a:schemeClr val="phClr">
+                <a:lumMod val="105000"/>
+                <a:satMod val="109000"/>
+                <a:tint val="81000"/>
+              </a:schemeClr>
+            </a:gs>
+          </a:gsLst>
+          <a:lin ang="5400000" scaled="0"/>
+        </a:gradFill>
+        <a:gradFill rotWithShape="1">
+          <a:gsLst>
+            <a:gs pos="0">
+              <a:schemeClr val="phClr">
+                <a:satMod val="103000"/>
+                <a:lumMod val="102000"/>
+                <a:tint val="94000"/>
+              </a:schemeClr>
+            </a:gs>
+            <a:gs pos="50000">
+              <a:schemeClr val="phClr">
+                <a:satMod val="110000"/>
+                <a:lumMod val="100000"/>
+                <a:shade val="100000"/>
+              </a:schemeClr>
+            </a:gs>
+            <a:gs pos="100000">
+              <a:schemeClr val="phClr">
+                <a:lumMod val="99000"/>
+                <a:satMod val="120000"/>
+                <a:shade val="78000"/>
+              </a:schemeClr>
+            </a:gs>
+          </a:gsLst>
+          <a:lin ang="5400000" scaled="0"/>
+        </a:gradFill>
+      </a:fillStyleLst>
+      <a:lnStyleLst>
+        <a:ln w="6350" cap="flat" cmpd="sng" algn="ctr">
+          <a:solidFill>
+            <a:schemeClr val="phClr"/>
+          </a:solidFill>
+          <a:prstDash val="solid"/>
+          <a:miter lim="800000"/>
+        </a:ln>
+        <a:ln w="12700" cap="flat" cmpd="sng" algn="ctr">
+          <a:solidFill>
+            <a:schemeClr val="phClr"/>
+          </a:solidFill>
+          <a:prstDash val="solid"/>
+          <a:miter lim="800000"/>
+        </a:ln>
+        <a:ln w="19050" cap="flat" cmpd="sng" algn="ctr">
+          <a:solidFill>
+            <a:schemeClr val="phClr"/>
+          </a:solidFill>
+          <a:prstDash val="solid"/>
+          <a:miter lim="800000"/>
+        </a:ln>
+      </a:lnStyleLst>
+      <a:effectStyleLst>
+        <a:effectStyle>
+          <a:effectLst/>
+        </a:effectStyle>
+        <a:effectStyle>
+          <a:effectLst/>
+        </a:effectStyle>
+        <a:effectStyle>
+          <a:effectLst>
+            <a:outerShdw blurRad="57150" dist="19050" dir="5400000" algn="ctr" rotWithShape="0">
+              <a:srgbClr val="000000">
+                <a:alpha val="63000"/>
+              </a:srgbClr>
+            </a:outerShdw>
+          </a:effectLst>
+        </a:effectStyle>
+      </a:effectStyleLst>
+      <a:bgFillStyleLst>
+        <a:solidFill>
+          <a:schemeClr val="phClr"/>
+        </a:solidFill>
+        <a:solidFill>
+          <a:schemeClr val="phClr">
+            <a:tint val="95000"/>
+            <a:satMod val="170000"/>
+          </a:schemeClr>
+        </a:solidFill>
+        <a:gradFill rotWithShape="1">
+          <a:gsLst>
+            <a:gs pos="0">
+              <a:schemeClr val="phClr">
+                <a:tint val="93000"/>
+                <a:satMod val="150000"/>
+                <a:shade val="98000"/>
+                <a:lumMod val="102000"/>
+              </a:schemeClr>
+            </a:gs>
+            <a:gs pos="50000">
+              <a:schemeClr val="phClr">
+                <a:tint val="98000"/>
+                <a:satMod val="130000"/>
+                <a:shade val="90000"/>
+                <a:lumMod val="103000"/>
+              </a:schemeClr>
+            </a:gs>
+            <a:gs pos="100000">
+              <a:schemeClr val="phClr">
+                <a:shade val="63000"/>
+                <a:satMod val="120000"/>
+              </a:schemeClr>
+            </a:gs>
+          </a:gsLst>
+          <a:lin ang="5400000" scaled="0"/>
+        </a:gradFill>
+      </a:bgFillStyleLst>
+    </a:fmtScheme>
+  </a:themeElements>
+  <a:objectDefaults/>
+  <a:extraClrSchemeLst/>
+  <a:extLst>
+    <a:ext uri="{05A4C25C-085E-4340-85A3-A5531E510DB2}">
+      <thm15:themeFamily xmlns:thm15="http://schemas.microsoft.com/office/thememl/2012/main" name="Office Theme" id="{62F939B6-93AF-4DB8-9C6B-D6C7DFDC589F}" vid="{4A3C46E8-61CC-4603-A589-7422A47A8E4A}"/>
+    </a:ext>
+  </a:extLst>
+</a:theme>
 </file>
--- a/presentazione/Comunicazione client server.pptx
+++ b/presentazione/Comunicazione client server.pptx
@@ -867,7 +867,42 @@
               </a:rPr>
               <a:t>programma di posta elettronica),  quando si reca all’ufficio postale, parla due lingue diverse chiamate ‘protocolli’ (fuor di metafora, un protocollo è un insieme di regole su cui si basa una comunicazione): una (protocollo POP3) quando va a prendere la posta destinata a noi (quando cioè ci arriva una e-mail), e un’altra, invece (protocollo SMTP) quando va all’ufficio postale a portare le lettere che vogliamo inviare ad altri (quando siamo noi a spedire delle e-mail).</a:t>
             </a:r>
-            <a:endParaRPr lang="it-IT" dirty="0"/>
+          </a:p>
+          <a:p>
+            <a:r>
+              <a:rPr lang="it-IT" sz="1200" b="0" i="0" kern="1200" dirty="0">
+                <a:solidFill>
+                  <a:schemeClr val="tx1"/>
+                </a:solidFill>
+                <a:effectLst/>
+                <a:latin typeface="+mn-lt"/>
+                <a:ea typeface="+mn-ea"/>
+                <a:cs typeface="+mn-cs"/>
+              </a:rPr>
+              <a:t>(un sito web mediante il protocollo HTTP (nel caso della email essi sono IMAP, POP3 e SMTP).</a:t>
+            </a:r>
+          </a:p>
+          <a:p>
+            <a:endParaRPr lang="it-IT" sz="1200" b="0" i="0" kern="1200" dirty="0">
+              <a:solidFill>
+                <a:schemeClr val="tx1"/>
+              </a:solidFill>
+              <a:effectLst/>
+              <a:latin typeface="+mn-lt"/>
+              <a:ea typeface="+mn-ea"/>
+              <a:cs typeface="+mn-cs"/>
+            </a:endParaRPr>
+          </a:p>
+          <a:p>
+            <a:endParaRPr lang="it-IT" sz="1200" b="0" i="0" kern="1200" dirty="0">
+              <a:solidFill>
+                <a:schemeClr val="tx1"/>
+              </a:solidFill>
+              <a:effectLst/>
+              <a:latin typeface="+mn-lt"/>
+              <a:ea typeface="+mn-ea"/>
+              <a:cs typeface="+mn-cs"/>
+            </a:endParaRPr>
           </a:p>
         </p:txBody>
       </p:sp>
@@ -953,7 +988,7 @@
           <a:p>
             <a:r>
               <a:rPr lang="it-IT" dirty="0"/>
-              <a:t>. In questo contesto si può quindi parlare di client riferendosi all'</a:t>
+              <a:t> In questo contesto si può quindi parlare di client riferendosi all'</a:t>
             </a:r>
             <a:r>
               <a:rPr lang="it-IT" dirty="0">
@@ -1249,6 +1284,88 @@
               <a:rPr lang="it-IT" dirty="0"/>
               <a:t>.</a:t>
             </a:r>
+          </a:p>
+          <a:p>
+            <a:endParaRPr lang="it-IT" dirty="0"/>
+          </a:p>
+          <a:p>
+            <a:r>
+              <a:rPr lang="it-IT" sz="1200" b="0" i="0" kern="1200" dirty="0">
+                <a:solidFill>
+                  <a:schemeClr val="tx1"/>
+                </a:solidFill>
+                <a:effectLst/>
+                <a:latin typeface="+mn-lt"/>
+                <a:ea typeface="+mn-ea"/>
+                <a:cs typeface="+mn-cs"/>
+              </a:rPr>
+              <a:t>Esempi di client sono:</a:t>
+            </a:r>
+          </a:p>
+          <a:p>
+            <a:r>
+              <a:rPr lang="it-IT" sz="1200" b="0" i="0" kern="1200" dirty="0">
+                <a:solidFill>
+                  <a:schemeClr val="tx1"/>
+                </a:solidFill>
+                <a:effectLst/>
+                <a:latin typeface="+mn-lt"/>
+                <a:ea typeface="+mn-ea"/>
+                <a:cs typeface="+mn-cs"/>
+              </a:rPr>
+              <a:t>i </a:t>
+            </a:r>
+            <a:r>
+              <a:rPr lang="it-IT" sz="1200" b="1" i="0" kern="1200" dirty="0">
+                <a:solidFill>
+                  <a:schemeClr val="tx1"/>
+                </a:solidFill>
+                <a:effectLst/>
+                <a:latin typeface="+mn-lt"/>
+                <a:ea typeface="+mn-ea"/>
+                <a:cs typeface="+mn-cs"/>
+              </a:rPr>
+              <a:t>browser</a:t>
+            </a:r>
+            <a:r>
+              <a:rPr lang="it-IT" sz="1200" b="0" i="0" kern="1200" dirty="0">
+                <a:solidFill>
+                  <a:schemeClr val="tx1"/>
+                </a:solidFill>
+                <a:effectLst/>
+                <a:latin typeface="+mn-lt"/>
+                <a:ea typeface="+mn-ea"/>
+                <a:cs typeface="+mn-cs"/>
+              </a:rPr>
+              <a:t> (Firefox, Chrome, </a:t>
+            </a:r>
+            <a:r>
+              <a:rPr lang="it-IT" sz="1200" b="0" i="0" kern="1200" dirty="0" err="1">
+                <a:solidFill>
+                  <a:schemeClr val="tx1"/>
+                </a:solidFill>
+                <a:effectLst/>
+                <a:latin typeface="+mn-lt"/>
+                <a:ea typeface="+mn-ea"/>
+                <a:cs typeface="+mn-cs"/>
+              </a:rPr>
+              <a:t>Mozilla</a:t>
+            </a:r>
+            <a:r>
+              <a:rPr lang="it-IT" sz="1200" b="0" i="0" kern="1200" dirty="0">
+                <a:solidFill>
+                  <a:schemeClr val="tx1"/>
+                </a:solidFill>
+                <a:effectLst/>
+                <a:latin typeface="+mn-lt"/>
+                <a:ea typeface="+mn-ea"/>
+                <a:cs typeface="+mn-cs"/>
+              </a:rPr>
+              <a:t>, Opera, Internet Explorer…) che richiedono ed ottengono pagine web a seconda delle scelte degli utenti;</a:t>
+            </a:r>
+          </a:p>
+          <a:p>
+            <a:endParaRPr lang="it-IT" dirty="0"/>
           </a:p>
         </p:txBody>
       </p:sp>
@@ -1820,6 +1937,386 @@
           <a:p>
             <a:endParaRPr lang="it-IT" dirty="0"/>
           </a:p>
+          <a:p>
+            <a:endParaRPr lang="it-IT" dirty="0"/>
+          </a:p>
+          <a:p>
+            <a:r>
+              <a:rPr lang="it-IT" sz="1200" b="0" i="0" kern="1200" dirty="0">
+                <a:solidFill>
+                  <a:schemeClr val="tx1"/>
+                </a:solidFill>
+                <a:effectLst/>
+                <a:latin typeface="+mn-lt"/>
+                <a:ea typeface="+mn-ea"/>
+                <a:cs typeface="+mn-cs"/>
+              </a:rPr>
+              <a:t>(Un web server non è altro che un PC! Può essere di grosse dimensioni oppure un normalissimo PC come il tuo. L’unica caratteristica che distingue un server da un qualsiasi PC di casa è che è collegato ad una rete che permette ad altri PC di accedere ai suoi servizi, grazie ad uno specifico software)</a:t>
+            </a:r>
+          </a:p>
+          <a:p>
+            <a:endParaRPr lang="it-IT" sz="1200" b="0" i="0" kern="1200" dirty="0">
+              <a:solidFill>
+                <a:schemeClr val="tx1"/>
+              </a:solidFill>
+              <a:effectLst/>
+              <a:latin typeface="+mn-lt"/>
+              <a:ea typeface="+mn-ea"/>
+              <a:cs typeface="+mn-cs"/>
+            </a:endParaRPr>
+          </a:p>
+          <a:p>
+            <a:pPr fontAlgn="base"/>
+            <a:r>
+              <a:rPr lang="it-IT" sz="1200" b="0" i="0" kern="1200" dirty="0">
+                <a:solidFill>
+                  <a:schemeClr val="tx1"/>
+                </a:solidFill>
+                <a:effectLst/>
+                <a:latin typeface="+mn-lt"/>
+                <a:ea typeface="+mn-ea"/>
+                <a:cs typeface="+mn-cs"/>
+              </a:rPr>
+              <a:t>Il server è anche chiamato </a:t>
+            </a:r>
+            <a:r>
+              <a:rPr lang="it-IT" sz="1200" b="0" i="1" kern="1200" dirty="0" err="1">
+                <a:solidFill>
+                  <a:schemeClr val="tx1"/>
+                </a:solidFill>
+                <a:effectLst/>
+                <a:latin typeface="+mn-lt"/>
+                <a:ea typeface="+mn-ea"/>
+                <a:cs typeface="+mn-cs"/>
+              </a:rPr>
+              <a:t>host</a:t>
+            </a:r>
+            <a:r>
+              <a:rPr lang="it-IT" sz="1200" b="0" i="0" kern="1200" dirty="0">
+                <a:solidFill>
+                  <a:schemeClr val="tx1"/>
+                </a:solidFill>
+                <a:effectLst/>
+                <a:latin typeface="+mn-lt"/>
+                <a:ea typeface="+mn-ea"/>
+                <a:cs typeface="+mn-cs"/>
+              </a:rPr>
+              <a:t>, che significa “padrone di casa”, ed ecco perché si parla di </a:t>
+            </a:r>
+            <a:r>
+              <a:rPr lang="it-IT" sz="1200" b="1" i="0" u="sng" kern="1200" dirty="0">
+                <a:solidFill>
+                  <a:schemeClr val="tx1"/>
+                </a:solidFill>
+                <a:effectLst/>
+                <a:latin typeface="+mn-lt"/>
+                <a:ea typeface="+mn-ea"/>
+                <a:cs typeface="+mn-cs"/>
+                <a:hlinkClick r:id="rId16"/>
+              </a:rPr>
+              <a:t>servizio di hosting</a:t>
+            </a:r>
+            <a:r>
+              <a:rPr lang="it-IT" sz="1200" b="0" i="0" kern="1200" dirty="0">
+                <a:solidFill>
+                  <a:schemeClr val="tx1"/>
+                </a:solidFill>
+                <a:effectLst/>
+                <a:latin typeface="+mn-lt"/>
+                <a:ea typeface="+mn-ea"/>
+                <a:cs typeface="+mn-cs"/>
+              </a:rPr>
+              <a:t> quando ci riferiamo a uno spazio in cui conservare i file di un sito web. I computer che si collegano al server per lo scambio di dati sono chiamati invece </a:t>
+            </a:r>
+            <a:r>
+              <a:rPr lang="it-IT" sz="1200" b="0" i="1" kern="1200" dirty="0">
+                <a:solidFill>
+                  <a:schemeClr val="tx1"/>
+                </a:solidFill>
+                <a:effectLst/>
+                <a:latin typeface="+mn-lt"/>
+                <a:ea typeface="+mn-ea"/>
+                <a:cs typeface="+mn-cs"/>
+              </a:rPr>
+              <a:t>client</a:t>
+            </a:r>
+            <a:r>
+              <a:rPr lang="it-IT" sz="1200" b="0" i="0" kern="1200" dirty="0">
+                <a:solidFill>
+                  <a:schemeClr val="tx1"/>
+                </a:solidFill>
+                <a:effectLst/>
+                <a:latin typeface="+mn-lt"/>
+                <a:ea typeface="+mn-ea"/>
+                <a:cs typeface="+mn-cs"/>
+              </a:rPr>
+              <a:t>.</a:t>
+            </a:r>
+          </a:p>
+          <a:p>
+            <a:pPr fontAlgn="base"/>
+            <a:r>
+              <a:rPr lang="it-IT" sz="1200" b="0" i="0" kern="1200" dirty="0">
+                <a:solidFill>
+                  <a:schemeClr val="tx1"/>
+                </a:solidFill>
+                <a:effectLst/>
+                <a:latin typeface="+mn-lt"/>
+                <a:ea typeface="+mn-ea"/>
+                <a:cs typeface="+mn-cs"/>
+              </a:rPr>
+              <a:t>Anche il nostro smartphone o il tablet sono </a:t>
+            </a:r>
+            <a:r>
+              <a:rPr lang="it-IT" sz="1200" b="0" i="1" kern="1200" dirty="0">
+                <a:solidFill>
+                  <a:schemeClr val="tx1"/>
+                </a:solidFill>
+                <a:effectLst/>
+                <a:latin typeface="+mn-lt"/>
+                <a:ea typeface="+mn-ea"/>
+                <a:cs typeface="+mn-cs"/>
+              </a:rPr>
+              <a:t>client</a:t>
+            </a:r>
+            <a:r>
+              <a:rPr lang="it-IT" sz="1200" b="0" i="0" kern="1200" dirty="0">
+                <a:solidFill>
+                  <a:schemeClr val="tx1"/>
+                </a:solidFill>
+                <a:effectLst/>
+                <a:latin typeface="+mn-lt"/>
+                <a:ea typeface="+mn-ea"/>
+                <a:cs typeface="+mn-cs"/>
+              </a:rPr>
+              <a:t>, nel momento in cui effettuiamo una richiesta ad un server, ossia quando visitiamo un sito web o inviamo un messaggio di posta elettronica.</a:t>
+            </a:r>
+          </a:p>
+          <a:p>
+            <a:endParaRPr lang="it-IT" dirty="0"/>
+          </a:p>
+          <a:p>
+            <a:pPr marL="0" marR="0" lvl="0" indent="0" algn="l" defTabSz="914400" rtl="0" eaLnBrk="1" fontAlgn="auto" latinLnBrk="0" hangingPunct="1">
+              <a:lnSpc>
+                <a:spcPct val="100000"/>
+              </a:lnSpc>
+              <a:spcBef>
+                <a:spcPts val="0"/>
+              </a:spcBef>
+              <a:spcAft>
+                <a:spcPts val="0"/>
+              </a:spcAft>
+              <a:buClrTx/>
+              <a:buSzTx/>
+              <a:buFontTx/>
+              <a:buNone/>
+              <a:tabLst/>
+              <a:defRPr/>
+            </a:pPr>
+            <a:r>
+              <a:rPr lang="it-IT" sz="1200" b="0" i="1" kern="1200" dirty="0">
+                <a:solidFill>
+                  <a:schemeClr val="tx1"/>
+                </a:solidFill>
+                <a:effectLst/>
+                <a:latin typeface="+mn-lt"/>
+                <a:ea typeface="+mn-ea"/>
+                <a:cs typeface="+mn-cs"/>
+              </a:rPr>
+              <a:t>Web server</a:t>
+            </a:r>
+            <a:r>
+              <a:rPr lang="it-IT" sz="1200" b="0" i="0" kern="1200" dirty="0">
+                <a:solidFill>
+                  <a:schemeClr val="tx1"/>
+                </a:solidFill>
+                <a:effectLst/>
+                <a:latin typeface="+mn-lt"/>
+                <a:ea typeface="+mn-ea"/>
+                <a:cs typeface="+mn-cs"/>
+              </a:rPr>
+              <a:t>: archivia i file di un sito web e lo mette a disposizione dei client che visitano il sito. La comunicazione tra server e client è effettuata secondo un sistema che si chiama protocollo HTTP o HTTPS.</a:t>
+            </a:r>
+          </a:p>
+          <a:p>
+            <a:pPr marL="0" marR="0" lvl="0" indent="0" algn="l" defTabSz="914400" rtl="0" eaLnBrk="1" fontAlgn="auto" latinLnBrk="0" hangingPunct="1">
+              <a:lnSpc>
+                <a:spcPct val="100000"/>
+              </a:lnSpc>
+              <a:spcBef>
+                <a:spcPts val="0"/>
+              </a:spcBef>
+              <a:spcAft>
+                <a:spcPts val="0"/>
+              </a:spcAft>
+              <a:buClrTx/>
+              <a:buSzTx/>
+              <a:buFontTx/>
+              <a:buNone/>
+              <a:tabLst/>
+              <a:defRPr/>
+            </a:pPr>
+            <a:r>
+              <a:rPr lang="it-IT" sz="1200" b="0" i="1" kern="1200" dirty="0">
+                <a:solidFill>
+                  <a:schemeClr val="tx1"/>
+                </a:solidFill>
+                <a:effectLst/>
+                <a:latin typeface="+mn-lt"/>
+                <a:ea typeface="+mn-ea"/>
+                <a:cs typeface="+mn-cs"/>
+              </a:rPr>
+              <a:t>DNS server</a:t>
+            </a:r>
+            <a:r>
+              <a:rPr lang="it-IT" sz="1200" b="0" i="0" kern="1200" dirty="0">
+                <a:solidFill>
+                  <a:schemeClr val="tx1"/>
+                </a:solidFill>
+                <a:effectLst/>
+                <a:latin typeface="+mn-lt"/>
+                <a:ea typeface="+mn-ea"/>
+                <a:cs typeface="+mn-cs"/>
+              </a:rPr>
+              <a:t>: è il server che permette di memorizzare il nome di dominio (</a:t>
+            </a:r>
+            <a:r>
+              <a:rPr lang="it-IT" sz="1200" b="1" i="0" u="sng" kern="1200" dirty="0">
+                <a:solidFill>
+                  <a:schemeClr val="tx1"/>
+                </a:solidFill>
+                <a:effectLst/>
+                <a:latin typeface="+mn-lt"/>
+                <a:ea typeface="+mn-ea"/>
+                <a:cs typeface="+mn-cs"/>
+                <a:hlinkClick r:id="rId17" tooltip="Il server DNS non risponde: cosa fare?"/>
+              </a:rPr>
+              <a:t>DNS significa </a:t>
+            </a:r>
+            <a:r>
+              <a:rPr lang="it-IT" sz="1200" b="1" i="1" u="sng" kern="1200" dirty="0">
+                <a:solidFill>
+                  <a:schemeClr val="tx1"/>
+                </a:solidFill>
+                <a:effectLst/>
+                <a:latin typeface="+mn-lt"/>
+                <a:ea typeface="+mn-ea"/>
+                <a:cs typeface="+mn-cs"/>
+                <a:hlinkClick r:id="rId17" tooltip="Il server DNS non risponde: cosa fare?"/>
+              </a:rPr>
+              <a:t>Domain Name Server</a:t>
+            </a:r>
+            <a:r>
+              <a:rPr lang="it-IT" sz="1200" b="0" i="0" kern="1200" dirty="0">
+                <a:solidFill>
+                  <a:schemeClr val="tx1"/>
+                </a:solidFill>
+                <a:effectLst/>
+                <a:latin typeface="+mn-lt"/>
+                <a:ea typeface="+mn-ea"/>
+                <a:cs typeface="+mn-cs"/>
+              </a:rPr>
+              <a:t>) ed effettua una “traduzione” tra l’indirizzo IP, formato da una serie di numeri, e il dominio che possiamo usare con semplicità per cercare un sito web (come </a:t>
+            </a:r>
+            <a:r>
+              <a:rPr lang="it-IT" sz="1200" b="0" i="1" kern="1200" dirty="0">
+                <a:solidFill>
+                  <a:schemeClr val="tx1"/>
+                </a:solidFill>
+                <a:effectLst/>
+                <a:latin typeface="+mn-lt"/>
+                <a:ea typeface="+mn-ea"/>
+                <a:cs typeface="+mn-cs"/>
+              </a:rPr>
+              <a:t>miosito.it</a:t>
+            </a:r>
+            <a:r>
+              <a:rPr lang="it-IT" sz="1200" b="0" i="0" kern="1200" dirty="0">
+                <a:solidFill>
+                  <a:schemeClr val="tx1"/>
+                </a:solidFill>
+                <a:effectLst/>
+                <a:latin typeface="+mn-lt"/>
+                <a:ea typeface="+mn-ea"/>
+                <a:cs typeface="+mn-cs"/>
+              </a:rPr>
+              <a:t>).</a:t>
+            </a:r>
+          </a:p>
+          <a:p>
+            <a:pPr marL="0" marR="0" lvl="0" indent="0" algn="l" defTabSz="914400" rtl="0" eaLnBrk="1" fontAlgn="auto" latinLnBrk="0" hangingPunct="1">
+              <a:lnSpc>
+                <a:spcPct val="100000"/>
+              </a:lnSpc>
+              <a:spcBef>
+                <a:spcPts val="0"/>
+              </a:spcBef>
+              <a:spcAft>
+                <a:spcPts val="0"/>
+              </a:spcAft>
+              <a:buClrTx/>
+              <a:buSzTx/>
+              <a:buFontTx/>
+              <a:buNone/>
+              <a:tabLst/>
+              <a:defRPr/>
+            </a:pPr>
+            <a:r>
+              <a:rPr lang="it-IT" sz="1200" b="0" i="1" kern="1200" dirty="0">
+                <a:solidFill>
+                  <a:schemeClr val="tx1"/>
+                </a:solidFill>
+                <a:effectLst/>
+                <a:latin typeface="+mn-lt"/>
+                <a:ea typeface="+mn-ea"/>
+                <a:cs typeface="+mn-cs"/>
+              </a:rPr>
+              <a:t>Game server</a:t>
+            </a:r>
+            <a:r>
+              <a:rPr lang="it-IT" sz="1200" b="0" i="0" kern="1200" dirty="0">
+                <a:solidFill>
+                  <a:schemeClr val="tx1"/>
+                </a:solidFill>
+                <a:effectLst/>
+                <a:latin typeface="+mn-lt"/>
+                <a:ea typeface="+mn-ea"/>
+                <a:cs typeface="+mn-cs"/>
+              </a:rPr>
+              <a:t>: se sei appassionato di video games, ti sarà certamente capitato di giocare in multiplayer. Il game server permette di sincronizzare le azioni di tutti i giocatori e conservare i dati del gioco.</a:t>
+            </a:r>
+          </a:p>
+          <a:p>
+            <a:pPr marL="0" marR="0" lvl="0" indent="0" algn="l" defTabSz="914400" rtl="0" eaLnBrk="1" fontAlgn="auto" latinLnBrk="0" hangingPunct="1">
+              <a:lnSpc>
+                <a:spcPct val="100000"/>
+              </a:lnSpc>
+              <a:spcBef>
+                <a:spcPts val="0"/>
+              </a:spcBef>
+              <a:spcAft>
+                <a:spcPts val="0"/>
+              </a:spcAft>
+              <a:buClrTx/>
+              <a:buSzTx/>
+              <a:buFontTx/>
+              <a:buNone/>
+              <a:tabLst/>
+              <a:defRPr/>
+            </a:pPr>
+            <a:endParaRPr lang="it-IT" sz="1200" b="0" i="0" kern="1200" dirty="0">
+              <a:solidFill>
+                <a:schemeClr val="tx1"/>
+              </a:solidFill>
+              <a:effectLst/>
+              <a:latin typeface="+mn-lt"/>
+              <a:ea typeface="+mn-ea"/>
+              <a:cs typeface="+mn-cs"/>
+            </a:endParaRPr>
+          </a:p>
+          <a:p>
+            <a:endParaRPr lang="it-IT" dirty="0"/>
+          </a:p>
         </p:txBody>
       </p:sp>
       <p:sp>
@@ -1903,13 +2400,522 @@
           <a:lstStyle/>
           <a:p>
             <a:r>
+              <a:rPr lang="it-IT" sz="1200" b="0" i="0" kern="1200" dirty="0">
+                <a:solidFill>
+                  <a:schemeClr val="tx1"/>
+                </a:solidFill>
+                <a:effectLst/>
+                <a:latin typeface="+mn-lt"/>
+                <a:ea typeface="+mn-ea"/>
+                <a:cs typeface="+mn-cs"/>
+              </a:rPr>
+              <a:t>Le </a:t>
+            </a:r>
+            <a:r>
+              <a:rPr lang="it-IT" sz="1200" b="0" i="0" u="none" strike="noStrike" kern="1200" dirty="0">
+                <a:solidFill>
+                  <a:schemeClr val="tx1"/>
+                </a:solidFill>
+                <a:effectLst/>
+                <a:latin typeface="+mn-lt"/>
+                <a:ea typeface="+mn-ea"/>
+                <a:cs typeface="+mn-cs"/>
+                <a:hlinkClick r:id="rId3" tooltip="Rete locale"/>
+              </a:rPr>
+              <a:t>reti locali</a:t>
+            </a:r>
+            <a:r>
+              <a:rPr lang="it-IT" sz="1200" b="0" i="0" kern="1200" dirty="0">
+                <a:solidFill>
+                  <a:schemeClr val="tx1"/>
+                </a:solidFill>
+                <a:effectLst/>
+                <a:latin typeface="+mn-lt"/>
+                <a:ea typeface="+mn-ea"/>
+                <a:cs typeface="+mn-cs"/>
+              </a:rPr>
+              <a:t> aziendali (LAN), la rete </a:t>
+            </a:r>
+            <a:r>
+              <a:rPr lang="it-IT" sz="1200" b="0" i="0" u="none" strike="noStrike" kern="1200" dirty="0">
+                <a:solidFill>
+                  <a:schemeClr val="tx1"/>
+                </a:solidFill>
+                <a:effectLst/>
+                <a:latin typeface="+mn-lt"/>
+                <a:ea typeface="+mn-ea"/>
+                <a:cs typeface="+mn-cs"/>
+                <a:hlinkClick r:id="rId4" tooltip="Internet"/>
+              </a:rPr>
+              <a:t>Internet</a:t>
+            </a:r>
+            <a:r>
+              <a:rPr lang="it-IT" sz="1200" b="0" i="0" kern="1200" dirty="0">
+                <a:solidFill>
+                  <a:schemeClr val="tx1"/>
+                </a:solidFill>
+                <a:effectLst/>
+                <a:latin typeface="+mn-lt"/>
+                <a:ea typeface="+mn-ea"/>
+                <a:cs typeface="+mn-cs"/>
+              </a:rPr>
+              <a:t>, i sistemi informatici e i </a:t>
+            </a:r>
+            <a:r>
+              <a:rPr lang="it-IT" sz="1200" b="0" i="0" u="none" strike="noStrike" kern="1200" dirty="0">
+                <a:solidFill>
+                  <a:schemeClr val="tx1"/>
+                </a:solidFill>
+                <a:effectLst/>
+                <a:latin typeface="+mn-lt"/>
+                <a:ea typeface="+mn-ea"/>
+                <a:cs typeface="+mn-cs"/>
+                <a:hlinkClick r:id="rId5" tooltip="Sistema operativo"/>
+              </a:rPr>
+              <a:t>sistemi operativi</a:t>
+            </a:r>
+            <a:r>
+              <a:rPr lang="it-IT" sz="1200" b="0" i="0" kern="1200" dirty="0">
+                <a:solidFill>
+                  <a:schemeClr val="tx1"/>
+                </a:solidFill>
+                <a:effectLst/>
+                <a:latin typeface="+mn-lt"/>
+                <a:ea typeface="+mn-ea"/>
+                <a:cs typeface="+mn-cs"/>
+              </a:rPr>
+              <a:t> sono organizzati sotto forma di una tipica architettura </a:t>
+            </a:r>
+            <a:r>
+              <a:rPr lang="it-IT" sz="1200" b="0" i="0" kern="1200" dirty="0" err="1">
+                <a:solidFill>
+                  <a:schemeClr val="tx1"/>
+                </a:solidFill>
+                <a:effectLst/>
+                <a:latin typeface="+mn-lt"/>
+                <a:ea typeface="+mn-ea"/>
+                <a:cs typeface="+mn-cs"/>
+              </a:rPr>
+              <a:t>client-server</a:t>
+            </a:r>
+            <a:r>
+              <a:rPr lang="it-IT" sz="1200" b="0" i="0" kern="1200" dirty="0">
+                <a:solidFill>
+                  <a:schemeClr val="tx1"/>
+                </a:solidFill>
+                <a:effectLst/>
+                <a:latin typeface="+mn-lt"/>
+                <a:ea typeface="+mn-ea"/>
+                <a:cs typeface="+mn-cs"/>
+              </a:rPr>
+              <a:t> per la fruizione dei rispettivi servizi.</a:t>
+            </a:r>
+          </a:p>
+          <a:p>
+            <a:r>
+              <a:rPr lang="it-IT" sz="1200" b="0" i="0" u="none" strike="noStrike" kern="1200" baseline="0" dirty="0">
+                <a:solidFill>
+                  <a:schemeClr val="tx1"/>
+                </a:solidFill>
+                <a:latin typeface="+mn-lt"/>
+                <a:ea typeface="+mn-ea"/>
+                <a:cs typeface="+mn-cs"/>
+              </a:rPr>
+              <a:t>• Client-Server</a:t>
+            </a:r>
+          </a:p>
+          <a:p>
+            <a:r>
+              <a:rPr lang="it-IT" sz="1200" b="0" i="0" u="none" strike="noStrike" kern="1200" baseline="0" dirty="0">
+                <a:solidFill>
+                  <a:schemeClr val="tx1"/>
+                </a:solidFill>
+                <a:latin typeface="+mn-lt"/>
+                <a:ea typeface="+mn-ea"/>
+                <a:cs typeface="+mn-cs"/>
+              </a:rPr>
+              <a:t>– Applicazioni di rete formate da due programmi distinti che</a:t>
+            </a:r>
+          </a:p>
+          <a:p>
+            <a:r>
+              <a:rPr lang="it-IT" sz="1200" b="0" i="0" u="none" strike="noStrike" kern="1200" baseline="0" dirty="0">
+                <a:solidFill>
+                  <a:schemeClr val="tx1"/>
+                </a:solidFill>
+                <a:latin typeface="+mn-lt"/>
+                <a:ea typeface="+mn-ea"/>
+                <a:cs typeface="+mn-cs"/>
+              </a:rPr>
+              <a:t>possono essere in esecuzione in due elaboratori (</a:t>
+            </a:r>
+            <a:r>
+              <a:rPr lang="it-IT" sz="1200" b="0" i="0" u="none" strike="noStrike" kern="1200" baseline="0" dirty="0" err="1">
+                <a:solidFill>
+                  <a:schemeClr val="tx1"/>
+                </a:solidFill>
+                <a:latin typeface="+mn-lt"/>
+                <a:ea typeface="+mn-ea"/>
+                <a:cs typeface="+mn-cs"/>
+              </a:rPr>
+              <a:t>host</a:t>
+            </a:r>
+            <a:r>
+              <a:rPr lang="it-IT" sz="1200" b="0" i="0" u="none" strike="noStrike" kern="1200" baseline="0" dirty="0">
+                <a:solidFill>
+                  <a:schemeClr val="tx1"/>
+                </a:solidFill>
+                <a:latin typeface="+mn-lt"/>
+                <a:ea typeface="+mn-ea"/>
+                <a:cs typeface="+mn-cs"/>
+              </a:rPr>
+              <a:t>) diversi: un</a:t>
+            </a:r>
+          </a:p>
+          <a:p>
+            <a:r>
+              <a:rPr lang="it-IT" sz="1200" b="0" i="0" u="none" strike="noStrike" kern="1200" baseline="0" dirty="0">
+                <a:solidFill>
+                  <a:schemeClr val="tx1"/>
+                </a:solidFill>
+                <a:latin typeface="+mn-lt"/>
+                <a:ea typeface="+mn-ea"/>
+                <a:cs typeface="+mn-cs"/>
+              </a:rPr>
+              <a:t>server e un client.</a:t>
+            </a:r>
+          </a:p>
+          <a:p>
+            <a:r>
+              <a:rPr lang="it-IT" sz="1200" b="0" i="0" u="none" strike="noStrike" kern="1200" baseline="0" dirty="0">
+                <a:solidFill>
+                  <a:schemeClr val="tx1"/>
+                </a:solidFill>
+                <a:latin typeface="+mn-lt"/>
+                <a:ea typeface="+mn-ea"/>
+                <a:cs typeface="+mn-cs"/>
+              </a:rPr>
+              <a:t>– </a:t>
+            </a:r>
+            <a:r>
+              <a:rPr lang="it-IT" sz="1200" b="1" i="0" u="none" strike="noStrike" kern="1200" baseline="0" dirty="0">
+                <a:solidFill>
+                  <a:schemeClr val="tx1"/>
+                </a:solidFill>
+                <a:latin typeface="+mn-lt"/>
+                <a:ea typeface="+mn-ea"/>
+                <a:cs typeface="+mn-cs"/>
+              </a:rPr>
+              <a:t>Server</a:t>
+            </a:r>
+            <a:r>
+              <a:rPr lang="it-IT" sz="1200" b="0" i="0" u="none" strike="noStrike" kern="1200" baseline="0" dirty="0">
+                <a:solidFill>
+                  <a:schemeClr val="tx1"/>
+                </a:solidFill>
+                <a:latin typeface="+mn-lt"/>
+                <a:ea typeface="+mn-ea"/>
+                <a:cs typeface="+mn-cs"/>
+              </a:rPr>
+              <a:t>: si mette in attesa di una richiesta da servire.</a:t>
+            </a:r>
+          </a:p>
+          <a:p>
+            <a:r>
+              <a:rPr lang="it-IT" sz="1200" b="0" i="0" u="none" strike="noStrike" kern="1200" baseline="0" dirty="0">
+                <a:solidFill>
+                  <a:schemeClr val="tx1"/>
+                </a:solidFill>
+                <a:latin typeface="+mn-lt"/>
+                <a:ea typeface="+mn-ea"/>
+                <a:cs typeface="+mn-cs"/>
+              </a:rPr>
+              <a:t>– </a:t>
+            </a:r>
+            <a:r>
+              <a:rPr lang="it-IT" sz="1200" b="1" i="0" u="none" strike="noStrike" kern="1200" baseline="0" dirty="0">
+                <a:solidFill>
+                  <a:schemeClr val="tx1"/>
+                </a:solidFill>
+                <a:latin typeface="+mn-lt"/>
+                <a:ea typeface="+mn-ea"/>
+                <a:cs typeface="+mn-cs"/>
+              </a:rPr>
+              <a:t>Client</a:t>
+            </a:r>
+            <a:r>
+              <a:rPr lang="it-IT" sz="1200" b="0" i="0" u="none" strike="noStrike" kern="1200" baseline="0" dirty="0">
+                <a:solidFill>
+                  <a:schemeClr val="tx1"/>
+                </a:solidFill>
+                <a:latin typeface="+mn-lt"/>
+                <a:ea typeface="+mn-ea"/>
+                <a:cs typeface="+mn-cs"/>
+              </a:rPr>
+              <a:t>: effettua tale richiesta.</a:t>
+            </a:r>
+          </a:p>
+          <a:p>
+            <a:r>
+              <a:rPr lang="it-IT" sz="1200" b="0" i="0" u="none" strike="noStrike" kern="1200" baseline="0" dirty="0">
+                <a:solidFill>
+                  <a:schemeClr val="tx1"/>
+                </a:solidFill>
+                <a:latin typeface="+mn-lt"/>
+                <a:ea typeface="+mn-ea"/>
+                <a:cs typeface="+mn-cs"/>
+              </a:rPr>
+              <a:t>– Tipicamente il client comunica con un solo server, mentre un</a:t>
+            </a:r>
+          </a:p>
+          <a:p>
+            <a:r>
+              <a:rPr lang="it-IT" sz="1200" b="0" i="0" u="none" strike="noStrike" kern="1200" baseline="0" dirty="0">
+                <a:solidFill>
+                  <a:schemeClr val="tx1"/>
+                </a:solidFill>
+                <a:latin typeface="+mn-lt"/>
+                <a:ea typeface="+mn-ea"/>
+                <a:cs typeface="+mn-cs"/>
+              </a:rPr>
+              <a:t>server solitamente comunica con più client contemporaneamente.</a:t>
+            </a:r>
+          </a:p>
+          <a:p>
+            <a:endParaRPr lang="it-IT" sz="1200" b="0" i="0" u="none" strike="noStrike" kern="1200" baseline="0" dirty="0">
+              <a:solidFill>
+                <a:schemeClr val="tx1"/>
+              </a:solidFill>
+              <a:latin typeface="+mn-lt"/>
+              <a:ea typeface="+mn-ea"/>
+              <a:cs typeface="+mn-cs"/>
+            </a:endParaRPr>
+          </a:p>
+          <a:p>
+            <a:endParaRPr lang="it-IT" sz="1200" b="0" i="0" u="none" strike="noStrike" kern="1200" baseline="0" dirty="0">
+              <a:solidFill>
+                <a:schemeClr val="tx1"/>
+              </a:solidFill>
+              <a:latin typeface="+mn-lt"/>
+              <a:ea typeface="+mn-ea"/>
+              <a:cs typeface="+mn-cs"/>
+            </a:endParaRPr>
+          </a:p>
+          <a:p>
+            <a:endParaRPr lang="it-IT" sz="1200" b="0" i="0" u="none" strike="noStrike" kern="1200" baseline="0" dirty="0">
+              <a:solidFill>
+                <a:schemeClr val="tx1"/>
+              </a:solidFill>
+              <a:latin typeface="+mn-lt"/>
+              <a:ea typeface="+mn-ea"/>
+              <a:cs typeface="+mn-cs"/>
+            </a:endParaRPr>
+          </a:p>
+          <a:p>
+            <a:endParaRPr lang="it-IT" sz="1200" b="0" i="0" u="none" strike="noStrike" kern="1200" baseline="0" dirty="0">
+              <a:solidFill>
+                <a:schemeClr val="tx1"/>
+              </a:solidFill>
+              <a:latin typeface="+mn-lt"/>
+              <a:ea typeface="+mn-ea"/>
+              <a:cs typeface="+mn-cs"/>
+            </a:endParaRPr>
+          </a:p>
+          <a:p>
+            <a:r>
+              <a:rPr lang="it-IT" sz="1200" b="0" i="0" u="none" strike="noStrike" kern="1200" baseline="0" dirty="0">
+                <a:solidFill>
+                  <a:schemeClr val="tx1"/>
+                </a:solidFill>
+                <a:latin typeface="+mn-lt"/>
+                <a:ea typeface="+mn-ea"/>
+                <a:cs typeface="+mn-cs"/>
+              </a:rPr>
+              <a:t>Java</a:t>
+            </a:r>
+          </a:p>
+          <a:p>
+            <a:r>
+              <a:rPr lang="it-IT" sz="1200" b="0" i="0" u="none" strike="noStrike" kern="1200" baseline="0" dirty="0">
+                <a:solidFill>
+                  <a:schemeClr val="tx1"/>
+                </a:solidFill>
+                <a:latin typeface="+mn-lt"/>
+                <a:ea typeface="+mn-ea"/>
+                <a:cs typeface="+mn-cs"/>
+              </a:rPr>
+              <a:t>L’astrazione principale per la programmazione di rete è il </a:t>
+            </a:r>
+            <a:r>
+              <a:rPr lang="it-IT" sz="1200" b="1" i="0" u="none" strike="noStrike" kern="1200" baseline="0" dirty="0" err="1">
+                <a:solidFill>
+                  <a:schemeClr val="tx1"/>
+                </a:solidFill>
+                <a:latin typeface="+mn-lt"/>
+                <a:ea typeface="+mn-ea"/>
+                <a:cs typeface="+mn-cs"/>
+              </a:rPr>
+              <a:t>Socket</a:t>
+            </a:r>
+            <a:r>
+              <a:rPr lang="it-IT" sz="1200" b="0" i="0" u="none" strike="noStrike" kern="1200" baseline="0" dirty="0">
+                <a:solidFill>
+                  <a:schemeClr val="tx1"/>
+                </a:solidFill>
+                <a:latin typeface="+mn-lt"/>
+                <a:ea typeface="+mn-ea"/>
+                <a:cs typeface="+mn-cs"/>
+              </a:rPr>
+              <a:t>:</a:t>
+            </a:r>
+          </a:p>
+          <a:p>
+            <a:r>
+              <a:rPr lang="it-IT" sz="1200" b="0" i="0" u="none" strike="noStrike" kern="1200" baseline="0" dirty="0">
+                <a:solidFill>
+                  <a:schemeClr val="tx1"/>
+                </a:solidFill>
+                <a:latin typeface="+mn-lt"/>
+                <a:ea typeface="+mn-ea"/>
+                <a:cs typeface="+mn-cs"/>
+              </a:rPr>
+              <a:t>– Identifica le risorse che permettono di stabilire un canale di comunicazione con</a:t>
+            </a:r>
+          </a:p>
+          <a:p>
+            <a:r>
+              <a:rPr lang="it-IT" sz="1200" b="0" i="0" u="none" strike="noStrike" kern="1200" baseline="0" dirty="0">
+                <a:solidFill>
+                  <a:schemeClr val="tx1"/>
+                </a:solidFill>
+                <a:latin typeface="+mn-lt"/>
+                <a:ea typeface="+mn-ea"/>
+                <a:cs typeface="+mn-cs"/>
+              </a:rPr>
+              <a:t>un altro processo (eventualmente su un’altra macchina).</a:t>
+            </a:r>
+          </a:p>
+          <a:p>
+            <a:r>
+              <a:rPr lang="it-IT" sz="1200" b="0" i="0" u="none" strike="noStrike" kern="1200" baseline="0" dirty="0">
+                <a:solidFill>
+                  <a:schemeClr val="tx1"/>
+                </a:solidFill>
+                <a:latin typeface="+mn-lt"/>
+                <a:ea typeface="+mn-ea"/>
+                <a:cs typeface="+mn-cs"/>
+              </a:rPr>
+              <a:t>– Tutto quello che viene trasmesso sono pacchetti TCP.</a:t>
+            </a:r>
+          </a:p>
+          <a:p>
+            <a:r>
+              <a:rPr lang="it-IT" sz="1200" b="0" i="0" u="none" strike="noStrike" kern="1200" baseline="0" dirty="0">
+                <a:solidFill>
+                  <a:schemeClr val="tx1"/>
+                </a:solidFill>
+                <a:latin typeface="+mn-lt"/>
+                <a:ea typeface="+mn-ea"/>
+                <a:cs typeface="+mn-cs"/>
+              </a:rPr>
+              <a:t>• I partecipanti di una comunicazione tramite </a:t>
+            </a:r>
+            <a:r>
+              <a:rPr lang="it-IT" sz="1200" b="0" i="0" u="none" strike="noStrike" kern="1200" baseline="0" dirty="0" err="1">
+                <a:solidFill>
+                  <a:schemeClr val="tx1"/>
+                </a:solidFill>
+                <a:latin typeface="+mn-lt"/>
+                <a:ea typeface="+mn-ea"/>
+                <a:cs typeface="+mn-cs"/>
+              </a:rPr>
+              <a:t>socket</a:t>
+            </a:r>
+            <a:r>
+              <a:rPr lang="it-IT" sz="1200" b="0" i="0" u="none" strike="noStrike" kern="1200" baseline="0" dirty="0">
+                <a:solidFill>
+                  <a:schemeClr val="tx1"/>
+                </a:solidFill>
+                <a:latin typeface="+mn-lt"/>
+                <a:ea typeface="+mn-ea"/>
+                <a:cs typeface="+mn-cs"/>
+              </a:rPr>
+              <a:t> sono individuati da:</a:t>
+            </a:r>
+          </a:p>
+          <a:p>
+            <a:r>
+              <a:rPr lang="it-IT" sz="1200" b="0" i="0" u="none" strike="noStrike" kern="1200" baseline="0" dirty="0">
+                <a:solidFill>
+                  <a:schemeClr val="tx1"/>
+                </a:solidFill>
+                <a:latin typeface="+mn-lt"/>
+                <a:ea typeface="+mn-ea"/>
+                <a:cs typeface="+mn-cs"/>
+              </a:rPr>
+              <a:t>– indirizzo IP.</a:t>
+            </a:r>
+          </a:p>
+          <a:p>
+            <a:r>
+              <a:rPr lang="it-IT" sz="1200" b="0" i="0" u="none" strike="noStrike" kern="1200" baseline="0">
+                <a:solidFill>
+                  <a:schemeClr val="tx1"/>
+                </a:solidFill>
+                <a:latin typeface="+mn-lt"/>
+                <a:ea typeface="+mn-ea"/>
+                <a:cs typeface="+mn-cs"/>
+              </a:rPr>
+              <a:t>– numero di porta.</a:t>
+            </a:r>
+            <a:endParaRPr lang="it-IT" dirty="0"/>
+          </a:p>
+          <a:p>
+            <a:endParaRPr lang="it-IT" dirty="0"/>
+          </a:p>
+          <a:p>
+            <a:endParaRPr lang="it-IT" dirty="0"/>
+          </a:p>
+          <a:p>
+            <a:endParaRPr lang="it-IT" dirty="0"/>
+          </a:p>
+          <a:p>
+            <a:endParaRPr lang="it-IT" dirty="0"/>
+          </a:p>
+          <a:p>
+            <a:endParaRPr lang="it-IT" dirty="0"/>
+          </a:p>
+          <a:p>
+            <a:endParaRPr lang="it-IT" dirty="0"/>
+          </a:p>
+          <a:p>
+            <a:endParaRPr lang="it-IT" dirty="0"/>
+          </a:p>
+          <a:p>
+            <a:endParaRPr lang="it-IT" dirty="0"/>
+          </a:p>
+          <a:p>
+            <a:endParaRPr lang="it-IT" dirty="0"/>
+          </a:p>
+          <a:p>
+            <a:endParaRPr lang="it-IT" dirty="0"/>
+          </a:p>
+          <a:p>
+            <a:endParaRPr lang="it-IT" dirty="0"/>
+          </a:p>
+          <a:p>
+            <a:endParaRPr lang="it-IT" dirty="0"/>
+          </a:p>
+          <a:p>
+            <a:r>
               <a:rPr lang="it-IT" dirty="0"/>
               <a:t>Dopo si passa direttamente nel programma </a:t>
             </a:r>
             <a:r>
-              <a:rPr lang="it-IT"/>
+              <a:rPr lang="it-IT" dirty="0" err="1"/>
               <a:t>javaa</a:t>
             </a:r>
+            <a:endParaRPr lang="it-IT" dirty="0"/>
           </a:p>
         </p:txBody>
       </p:sp>
@@ -1999,7 +3005,7 @@
           <a:noFill/>
           <a:extLst>
             <a:ext uri="{909E8E84-426E-40dd-AFC4-6F175D3DCCD1}">
-              <a14:hiddenFill xmlns="" xmlns:a14="http://schemas.microsoft.com/office/drawing/2010/main">
+              <a14:hiddenFill xmlns:a14="http://schemas.microsoft.com/office/drawing/2010/main" xmlns="">
                 <a:solidFill>
                   <a:srgbClr val="FFFFFF"/>
                 </a:solidFill>
@@ -2059,7 +3065,7 @@
             </a:ln>
             <a:extLst>
               <a:ext uri="{91240B29-F687-4f45-9708-019B960494DF}">
-                <a14:hiddenLine xmlns="" xmlns:a14="http://schemas.microsoft.com/office/drawing/2010/main" w="9525">
+                <a14:hiddenLine xmlns:a14="http://schemas.microsoft.com/office/drawing/2010/main" xmlns="" w="9525">
                   <a:solidFill>
                     <a:srgbClr val="000000"/>
                   </a:solidFill>
@@ -2149,7 +3155,7 @@
             </a:ln>
             <a:extLst>
               <a:ext uri="{91240B29-F687-4f45-9708-019B960494DF}">
-                <a14:hiddenLine xmlns="" xmlns:a14="http://schemas.microsoft.com/office/drawing/2010/main" w="9525">
+                <a14:hiddenLine xmlns:a14="http://schemas.microsoft.com/office/drawing/2010/main" xmlns="" w="9525">
                   <a:solidFill>
                     <a:srgbClr val="000000"/>
                   </a:solidFill>
@@ -2239,7 +3245,7 @@
             </a:ln>
             <a:extLst>
               <a:ext uri="{91240B29-F687-4f45-9708-019B960494DF}">
-                <a14:hiddenLine xmlns="" xmlns:a14="http://schemas.microsoft.com/office/drawing/2010/main" w="9525">
+                <a14:hiddenLine xmlns:a14="http://schemas.microsoft.com/office/drawing/2010/main" xmlns="" w="9525">
                   <a:solidFill>
                     <a:srgbClr val="000000"/>
                   </a:solidFill>
@@ -2273,7 +3279,7 @@
             </a:ln>
             <a:extLst>
               <a:ext uri="{91240B29-F687-4f45-9708-019B960494DF}">
-                <a14:hiddenLine xmlns="" xmlns:a14="http://schemas.microsoft.com/office/drawing/2010/main" w="9525">
+                <a14:hiddenLine xmlns:a14="http://schemas.microsoft.com/office/drawing/2010/main" xmlns="" w="9525">
                   <a:solidFill>
                     <a:srgbClr val="000000"/>
                   </a:solidFill>
@@ -2363,7 +3369,7 @@
             </a:ln>
             <a:extLst>
               <a:ext uri="{91240B29-F687-4f45-9708-019B960494DF}">
-                <a14:hiddenLine xmlns="" xmlns:a14="http://schemas.microsoft.com/office/drawing/2010/main" w="9525">
+                <a14:hiddenLine xmlns:a14="http://schemas.microsoft.com/office/drawing/2010/main" xmlns="" w="9525">
                   <a:solidFill>
                     <a:srgbClr val="000000"/>
                   </a:solidFill>
@@ -2425,7 +3431,7 @@
             </a:ln>
             <a:extLst>
               <a:ext uri="{91240B29-F687-4f45-9708-019B960494DF}">
-                <a14:hiddenLine xmlns="" xmlns:a14="http://schemas.microsoft.com/office/drawing/2010/main" w="9525">
+                <a14:hiddenLine xmlns:a14="http://schemas.microsoft.com/office/drawing/2010/main" xmlns="" w="9525">
                   <a:solidFill>
                     <a:srgbClr val="000000"/>
                   </a:solidFill>
@@ -2487,7 +3493,7 @@
             </a:ln>
             <a:extLst>
               <a:ext uri="{91240B29-F687-4f45-9708-019B960494DF}">
-                <a14:hiddenLine xmlns="" xmlns:a14="http://schemas.microsoft.com/office/drawing/2010/main" w="9525">
+                <a14:hiddenLine xmlns:a14="http://schemas.microsoft.com/office/drawing/2010/main" xmlns="" w="9525">
                   <a:solidFill>
                     <a:srgbClr val="000000"/>
                   </a:solidFill>
@@ -2577,7 +3583,7 @@
             </a:ln>
             <a:extLst>
               <a:ext uri="{91240B29-F687-4f45-9708-019B960494DF}">
-                <a14:hiddenLine xmlns="" xmlns:a14="http://schemas.microsoft.com/office/drawing/2010/main" w="9525">
+                <a14:hiddenLine xmlns:a14="http://schemas.microsoft.com/office/drawing/2010/main" xmlns="" w="9525">
                   <a:solidFill>
                     <a:srgbClr val="000000"/>
                   </a:solidFill>
@@ -2639,7 +3645,7 @@
             </a:ln>
             <a:extLst>
               <a:ext uri="{91240B29-F687-4f45-9708-019B960494DF}">
-                <a14:hiddenLine xmlns="" xmlns:a14="http://schemas.microsoft.com/office/drawing/2010/main" w="9525">
+                <a14:hiddenLine xmlns:a14="http://schemas.microsoft.com/office/drawing/2010/main" xmlns="" w="9525">
                   <a:solidFill>
                     <a:srgbClr val="000000"/>
                   </a:solidFill>
@@ -2701,7 +3707,7 @@
             </a:ln>
             <a:extLst>
               <a:ext uri="{91240B29-F687-4f45-9708-019B960494DF}">
-                <a14:hiddenLine xmlns="" xmlns:a14="http://schemas.microsoft.com/office/drawing/2010/main" w="9525">
+                <a14:hiddenLine xmlns:a14="http://schemas.microsoft.com/office/drawing/2010/main" xmlns="" w="9525">
                   <a:solidFill>
                     <a:srgbClr val="000000"/>
                   </a:solidFill>
@@ -2791,7 +3797,7 @@
             </a:ln>
             <a:extLst>
               <a:ext uri="{91240B29-F687-4f45-9708-019B960494DF}">
-                <a14:hiddenLine xmlns="" xmlns:a14="http://schemas.microsoft.com/office/drawing/2010/main" w="9525">
+                <a14:hiddenLine xmlns:a14="http://schemas.microsoft.com/office/drawing/2010/main" xmlns="" w="9525">
                   <a:solidFill>
                     <a:srgbClr val="000000"/>
                   </a:solidFill>
@@ -2881,7 +3887,7 @@
             </a:ln>
             <a:extLst>
               <a:ext uri="{91240B29-F687-4f45-9708-019B960494DF}">
-                <a14:hiddenLine xmlns="" xmlns:a14="http://schemas.microsoft.com/office/drawing/2010/main" w="9525">
+                <a14:hiddenLine xmlns:a14="http://schemas.microsoft.com/office/drawing/2010/main" xmlns="" w="9525">
                   <a:solidFill>
                     <a:srgbClr val="000000"/>
                   </a:solidFill>
@@ -2943,7 +3949,7 @@
             </a:ln>
             <a:extLst>
               <a:ext uri="{91240B29-F687-4f45-9708-019B960494DF}">
-                <a14:hiddenLine xmlns="" xmlns:a14="http://schemas.microsoft.com/office/drawing/2010/main" w="9525">
+                <a14:hiddenLine xmlns:a14="http://schemas.microsoft.com/office/drawing/2010/main" xmlns="" w="9525">
                   <a:solidFill>
                     <a:srgbClr val="000000"/>
                   </a:solidFill>
@@ -3053,7 +4059,7 @@
             </a:ln>
             <a:extLst>
               <a:ext uri="{91240B29-F687-4f45-9708-019B960494DF}">
-                <a14:hiddenLine xmlns="" xmlns:a14="http://schemas.microsoft.com/office/drawing/2010/main" w="9525">
+                <a14:hiddenLine xmlns:a14="http://schemas.microsoft.com/office/drawing/2010/main" xmlns="" w="9525">
                   <a:solidFill>
                     <a:srgbClr val="000000"/>
                   </a:solidFill>
@@ -3115,7 +4121,7 @@
             </a:ln>
             <a:extLst>
               <a:ext uri="{91240B29-F687-4f45-9708-019B960494DF}">
-                <a14:hiddenLine xmlns="" xmlns:a14="http://schemas.microsoft.com/office/drawing/2010/main" w="9525">
+                <a14:hiddenLine xmlns:a14="http://schemas.microsoft.com/office/drawing/2010/main" xmlns="" w="9525">
                   <a:solidFill>
                     <a:srgbClr val="000000"/>
                   </a:solidFill>
@@ -3205,7 +4211,7 @@
             </a:ln>
             <a:extLst>
               <a:ext uri="{91240B29-F687-4f45-9708-019B960494DF}">
-                <a14:hiddenLine xmlns="" xmlns:a14="http://schemas.microsoft.com/office/drawing/2010/main" w="9525">
+                <a14:hiddenLine xmlns:a14="http://schemas.microsoft.com/office/drawing/2010/main" xmlns="" w="9525">
                   <a:solidFill>
                     <a:srgbClr val="000000"/>
                   </a:solidFill>
@@ -3295,7 +4301,7 @@
             </a:ln>
             <a:extLst>
               <a:ext uri="{91240B29-F687-4f45-9708-019B960494DF}">
-                <a14:hiddenLine xmlns="" xmlns:a14="http://schemas.microsoft.com/office/drawing/2010/main" w="9525">
+                <a14:hiddenLine xmlns:a14="http://schemas.microsoft.com/office/drawing/2010/main" xmlns="" w="9525">
                   <a:solidFill>
                     <a:srgbClr val="000000"/>
                   </a:solidFill>
@@ -3357,7 +4363,7 @@
             </a:ln>
             <a:extLst>
               <a:ext uri="{91240B29-F687-4f45-9708-019B960494DF}">
-                <a14:hiddenLine xmlns="" xmlns:a14="http://schemas.microsoft.com/office/drawing/2010/main" w="9525">
+                <a14:hiddenLine xmlns:a14="http://schemas.microsoft.com/office/drawing/2010/main" xmlns="" w="9525">
                   <a:solidFill>
                     <a:srgbClr val="000000"/>
                   </a:solidFill>
@@ -3447,7 +4453,7 @@
             </a:ln>
             <a:extLst>
               <a:ext uri="{91240B29-F687-4f45-9708-019B960494DF}">
-                <a14:hiddenLine xmlns="" xmlns:a14="http://schemas.microsoft.com/office/drawing/2010/main" w="9525">
+                <a14:hiddenLine xmlns:a14="http://schemas.microsoft.com/office/drawing/2010/main" xmlns="" w="9525">
                   <a:solidFill>
                     <a:srgbClr val="000000"/>
                   </a:solidFill>
@@ -3537,7 +4543,7 @@
             </a:ln>
             <a:extLst>
               <a:ext uri="{91240B29-F687-4f45-9708-019B960494DF}">
-                <a14:hiddenLine xmlns="" xmlns:a14="http://schemas.microsoft.com/office/drawing/2010/main" w="9525">
+                <a14:hiddenLine xmlns:a14="http://schemas.microsoft.com/office/drawing/2010/main" xmlns="" w="9525">
                   <a:solidFill>
                     <a:srgbClr val="000000"/>
                   </a:solidFill>
@@ -3593,7 +4599,7 @@
             </a:ln>
             <a:extLst>
               <a:ext uri="{91240B29-F687-4f45-9708-019B960494DF}">
-                <a14:hiddenLine xmlns="" xmlns:a14="http://schemas.microsoft.com/office/drawing/2010/main" w="9525">
+                <a14:hiddenLine xmlns:a14="http://schemas.microsoft.com/office/drawing/2010/main" xmlns="" w="9525">
                   <a:solidFill>
                     <a:srgbClr val="000000"/>
                   </a:solidFill>
@@ -3683,7 +4689,7 @@
             </a:ln>
             <a:extLst>
               <a:ext uri="{91240B29-F687-4f45-9708-019B960494DF}">
-                <a14:hiddenLine xmlns="" xmlns:a14="http://schemas.microsoft.com/office/drawing/2010/main" w="9525">
+                <a14:hiddenLine xmlns:a14="http://schemas.microsoft.com/office/drawing/2010/main" xmlns="" w="9525">
                   <a:solidFill>
                     <a:srgbClr val="000000"/>
                   </a:solidFill>
@@ -3739,7 +4745,7 @@
             </a:ln>
             <a:extLst>
               <a:ext uri="{91240B29-F687-4f45-9708-019B960494DF}">
-                <a14:hiddenLine xmlns="" xmlns:a14="http://schemas.microsoft.com/office/drawing/2010/main" w="9525">
+                <a14:hiddenLine xmlns:a14="http://schemas.microsoft.com/office/drawing/2010/main" xmlns="" w="9525">
                   <a:solidFill>
                     <a:srgbClr val="000000"/>
                   </a:solidFill>
@@ -3829,7 +4835,7 @@
             </a:ln>
             <a:extLst>
               <a:ext uri="{91240B29-F687-4f45-9708-019B960494DF}">
-                <a14:hiddenLine xmlns="" xmlns:a14="http://schemas.microsoft.com/office/drawing/2010/main" w="9525">
+                <a14:hiddenLine xmlns:a14="http://schemas.microsoft.com/office/drawing/2010/main" xmlns="" w="9525">
                   <a:solidFill>
                     <a:srgbClr val="000000"/>
                   </a:solidFill>
@@ -3897,7 +4903,7 @@
             </a:ln>
             <a:extLst>
               <a:ext uri="{91240B29-F687-4f45-9708-019B960494DF}">
-                <a14:hiddenLine xmlns="" xmlns:a14="http://schemas.microsoft.com/office/drawing/2010/main" w="9525">
+                <a14:hiddenLine xmlns:a14="http://schemas.microsoft.com/office/drawing/2010/main" xmlns="" w="9525">
                   <a:solidFill>
                     <a:srgbClr val="000000"/>
                   </a:solidFill>
@@ -3987,7 +4993,7 @@
             </a:ln>
             <a:extLst>
               <a:ext uri="{91240B29-F687-4f45-9708-019B960494DF}">
-                <a14:hiddenLine xmlns="" xmlns:a14="http://schemas.microsoft.com/office/drawing/2010/main" w="9525">
+                <a14:hiddenLine xmlns:a14="http://schemas.microsoft.com/office/drawing/2010/main" xmlns="" w="9525">
                   <a:solidFill>
                     <a:srgbClr val="000000"/>
                   </a:solidFill>
@@ -4055,7 +5061,7 @@
             </a:ln>
             <a:extLst>
               <a:ext uri="{91240B29-F687-4f45-9708-019B960494DF}">
-                <a14:hiddenLine xmlns="" xmlns:a14="http://schemas.microsoft.com/office/drawing/2010/main" w="9525">
+                <a14:hiddenLine xmlns:a14="http://schemas.microsoft.com/office/drawing/2010/main" xmlns="" w="9525">
                   <a:solidFill>
                     <a:srgbClr val="000000"/>
                   </a:solidFill>
@@ -4145,7 +5151,7 @@
             </a:ln>
             <a:extLst>
               <a:ext uri="{91240B29-F687-4f45-9708-019B960494DF}">
-                <a14:hiddenLine xmlns="" xmlns:a14="http://schemas.microsoft.com/office/drawing/2010/main" w="9525">
+                <a14:hiddenLine xmlns:a14="http://schemas.microsoft.com/office/drawing/2010/main" xmlns="" w="9525">
                   <a:solidFill>
                     <a:srgbClr val="000000"/>
                   </a:solidFill>
@@ -4179,7 +5185,7 @@
             </a:ln>
             <a:extLst>
               <a:ext uri="{91240B29-F687-4f45-9708-019B960494DF}">
-                <a14:hiddenLine xmlns="" xmlns:a14="http://schemas.microsoft.com/office/drawing/2010/main" w="9525">
+                <a14:hiddenLine xmlns:a14="http://schemas.microsoft.com/office/drawing/2010/main" xmlns="" w="9525">
                   <a:solidFill>
                     <a:srgbClr val="000000"/>
                   </a:solidFill>
@@ -4269,7 +5275,7 @@
             </a:ln>
             <a:extLst>
               <a:ext uri="{91240B29-F687-4f45-9708-019B960494DF}">
-                <a14:hiddenLine xmlns="" xmlns:a14="http://schemas.microsoft.com/office/drawing/2010/main" w="9525">
+                <a14:hiddenLine xmlns:a14="http://schemas.microsoft.com/office/drawing/2010/main" xmlns="" w="9525">
                   <a:solidFill>
                     <a:srgbClr val="000000"/>
                   </a:solidFill>
@@ -4331,7 +5337,7 @@
             </a:ln>
             <a:extLst>
               <a:ext uri="{91240B29-F687-4f45-9708-019B960494DF}">
-                <a14:hiddenLine xmlns="" xmlns:a14="http://schemas.microsoft.com/office/drawing/2010/main" w="9525">
+                <a14:hiddenLine xmlns:a14="http://schemas.microsoft.com/office/drawing/2010/main" xmlns="" w="9525">
                   <a:solidFill>
                     <a:srgbClr val="000000"/>
                   </a:solidFill>
@@ -4393,7 +5399,7 @@
             </a:ln>
             <a:extLst>
               <a:ext uri="{91240B29-F687-4f45-9708-019B960494DF}">
-                <a14:hiddenLine xmlns="" xmlns:a14="http://schemas.microsoft.com/office/drawing/2010/main" w="9525">
+                <a14:hiddenLine xmlns:a14="http://schemas.microsoft.com/office/drawing/2010/main" xmlns="" w="9525">
                   <a:solidFill>
                     <a:srgbClr val="000000"/>
                   </a:solidFill>
@@ -4483,7 +5489,7 @@
             </a:ln>
             <a:extLst>
               <a:ext uri="{91240B29-F687-4f45-9708-019B960494DF}">
-                <a14:hiddenLine xmlns="" xmlns:a14="http://schemas.microsoft.com/office/drawing/2010/main" w="9525">
+                <a14:hiddenLine xmlns:a14="http://schemas.microsoft.com/office/drawing/2010/main" xmlns="" w="9525">
                   <a:solidFill>
                     <a:srgbClr val="000000"/>
                   </a:solidFill>
@@ -4551,7 +5557,7 @@
             </a:ln>
             <a:extLst>
               <a:ext uri="{91240B29-F687-4f45-9708-019B960494DF}">
-                <a14:hiddenLine xmlns="" xmlns:a14="http://schemas.microsoft.com/office/drawing/2010/main" w="9525">
+                <a14:hiddenLine xmlns:a14="http://schemas.microsoft.com/office/drawing/2010/main" xmlns="" w="9525">
                   <a:solidFill>
                     <a:srgbClr val="000000"/>
                   </a:solidFill>
@@ -4613,7 +5619,7 @@
             </a:ln>
             <a:extLst>
               <a:ext uri="{91240B29-F687-4f45-9708-019B960494DF}">
-                <a14:hiddenLine xmlns="" xmlns:a14="http://schemas.microsoft.com/office/drawing/2010/main" w="9525">
+                <a14:hiddenLine xmlns:a14="http://schemas.microsoft.com/office/drawing/2010/main" xmlns="" w="9525">
                   <a:solidFill>
                     <a:srgbClr val="000000"/>
                   </a:solidFill>
@@ -4703,7 +5709,7 @@
             </a:ln>
             <a:extLst>
               <a:ext uri="{91240B29-F687-4f45-9708-019B960494DF}">
-                <a14:hiddenLine xmlns="" xmlns:a14="http://schemas.microsoft.com/office/drawing/2010/main" w="9525">
+                <a14:hiddenLine xmlns:a14="http://schemas.microsoft.com/office/drawing/2010/main" xmlns="" w="9525">
                   <a:solidFill>
                     <a:srgbClr val="000000"/>
                   </a:solidFill>
@@ -4765,7 +5771,7 @@
             </a:ln>
             <a:extLst>
               <a:ext uri="{91240B29-F687-4f45-9708-019B960494DF}">
-                <a14:hiddenLine xmlns="" xmlns:a14="http://schemas.microsoft.com/office/drawing/2010/main" w="9525">
+                <a14:hiddenLine xmlns:a14="http://schemas.microsoft.com/office/drawing/2010/main" xmlns="" w="9525">
                   <a:solidFill>
                     <a:srgbClr val="000000"/>
                   </a:solidFill>
@@ -4855,7 +5861,7 @@
             </a:ln>
             <a:extLst>
               <a:ext uri="{91240B29-F687-4f45-9708-019B960494DF}">
-                <a14:hiddenLine xmlns="" xmlns:a14="http://schemas.microsoft.com/office/drawing/2010/main" w="9525">
+                <a14:hiddenLine xmlns:a14="http://schemas.microsoft.com/office/drawing/2010/main" xmlns="" w="9525">
                   <a:solidFill>
                     <a:srgbClr val="000000"/>
                   </a:solidFill>
@@ -4917,7 +5923,7 @@
             </a:ln>
             <a:extLst>
               <a:ext uri="{91240B29-F687-4f45-9708-019B960494DF}">
-                <a14:hiddenLine xmlns="" xmlns:a14="http://schemas.microsoft.com/office/drawing/2010/main" w="9525">
+                <a14:hiddenLine xmlns:a14="http://schemas.microsoft.com/office/drawing/2010/main" xmlns="" w="9525">
                   <a:solidFill>
                     <a:srgbClr val="000000"/>
                   </a:solidFill>
@@ -5007,7 +6013,7 @@
             </a:ln>
             <a:extLst>
               <a:ext uri="{91240B29-F687-4f45-9708-019B960494DF}">
-                <a14:hiddenLine xmlns="" xmlns:a14="http://schemas.microsoft.com/office/drawing/2010/main" w="9525">
+                <a14:hiddenLine xmlns:a14="http://schemas.microsoft.com/office/drawing/2010/main" xmlns="" w="9525">
                   <a:solidFill>
                     <a:srgbClr val="000000"/>
                   </a:solidFill>
@@ -5041,7 +6047,7 @@
             </a:ln>
             <a:extLst>
               <a:ext uri="{91240B29-F687-4f45-9708-019B960494DF}">
-                <a14:hiddenLine xmlns="" xmlns:a14="http://schemas.microsoft.com/office/drawing/2010/main" w="9525">
+                <a14:hiddenLine xmlns:a14="http://schemas.microsoft.com/office/drawing/2010/main" xmlns="" w="9525">
                   <a:solidFill>
                     <a:srgbClr val="000000"/>
                   </a:solidFill>
@@ -5106,7 +6112,7 @@
             </a:ln>
             <a:extLst>
               <a:ext uri="{91240B29-F687-4f45-9708-019B960494DF}">
-                <a14:hiddenLine xmlns="" xmlns:a14="http://schemas.microsoft.com/office/drawing/2010/main" w="9525">
+                <a14:hiddenLine xmlns:a14="http://schemas.microsoft.com/office/drawing/2010/main" xmlns="" w="9525">
                   <a:solidFill>
                     <a:srgbClr val="000000"/>
                   </a:solidFill>
@@ -5196,7 +6202,7 @@
             </a:ln>
             <a:extLst>
               <a:ext uri="{91240B29-F687-4f45-9708-019B960494DF}">
-                <a14:hiddenLine xmlns="" xmlns:a14="http://schemas.microsoft.com/office/drawing/2010/main" w="9525">
+                <a14:hiddenLine xmlns:a14="http://schemas.microsoft.com/office/drawing/2010/main" xmlns="" w="9525">
                   <a:solidFill>
                     <a:srgbClr val="000000"/>
                   </a:solidFill>
@@ -5258,7 +6264,7 @@
             </a:ln>
             <a:extLst>
               <a:ext uri="{91240B29-F687-4f45-9708-019B960494DF}">
-                <a14:hiddenLine xmlns="" xmlns:a14="http://schemas.microsoft.com/office/drawing/2010/main" w="9525">
+                <a14:hiddenLine xmlns:a14="http://schemas.microsoft.com/office/drawing/2010/main" xmlns="" w="9525">
                   <a:solidFill>
                     <a:srgbClr val="000000"/>
                   </a:solidFill>
@@ -5348,7 +6354,7 @@
             </a:ln>
             <a:extLst>
               <a:ext uri="{91240B29-F687-4f45-9708-019B960494DF}">
-                <a14:hiddenLine xmlns="" xmlns:a14="http://schemas.microsoft.com/office/drawing/2010/main" w="9525">
+                <a14:hiddenLine xmlns:a14="http://schemas.microsoft.com/office/drawing/2010/main" xmlns="" w="9525">
                   <a:solidFill>
                     <a:srgbClr val="000000"/>
                   </a:solidFill>
@@ -5438,7 +6444,7 @@
             </a:ln>
             <a:extLst>
               <a:ext uri="{91240B29-F687-4f45-9708-019B960494DF}">
-                <a14:hiddenLine xmlns="" xmlns:a14="http://schemas.microsoft.com/office/drawing/2010/main" w="9525">
+                <a14:hiddenLine xmlns:a14="http://schemas.microsoft.com/office/drawing/2010/main" xmlns="" w="9525">
                   <a:solidFill>
                     <a:srgbClr val="000000"/>
                   </a:solidFill>
@@ -5503,7 +6509,7 @@
             </a:ln>
             <a:extLst>
               <a:ext uri="{91240B29-F687-4f45-9708-019B960494DF}">
-                <a14:hiddenLine xmlns="" xmlns:a14="http://schemas.microsoft.com/office/drawing/2010/main" w="9525">
+                <a14:hiddenLine xmlns:a14="http://schemas.microsoft.com/office/drawing/2010/main" xmlns="" w="9525">
                   <a:solidFill>
                     <a:srgbClr val="000000"/>
                   </a:solidFill>
@@ -5565,7 +6571,7 @@
             </a:ln>
             <a:extLst>
               <a:ext uri="{91240B29-F687-4f45-9708-019B960494DF}">
-                <a14:hiddenLine xmlns="" xmlns:a14="http://schemas.microsoft.com/office/drawing/2010/main" w="9525">
+                <a14:hiddenLine xmlns:a14="http://schemas.microsoft.com/office/drawing/2010/main" xmlns="" w="9525">
                   <a:solidFill>
                     <a:srgbClr val="000000"/>
                   </a:solidFill>
@@ -5655,7 +6661,7 @@
             </a:ln>
             <a:extLst>
               <a:ext uri="{91240B29-F687-4f45-9708-019B960494DF}">
-                <a14:hiddenLine xmlns="" xmlns:a14="http://schemas.microsoft.com/office/drawing/2010/main" w="9525">
+                <a14:hiddenLine xmlns:a14="http://schemas.microsoft.com/office/drawing/2010/main" xmlns="" w="9525">
                   <a:solidFill>
                     <a:srgbClr val="000000"/>
                   </a:solidFill>
@@ -5745,7 +6751,7 @@
             </a:ln>
             <a:extLst>
               <a:ext uri="{91240B29-F687-4f45-9708-019B960494DF}">
-                <a14:hiddenLine xmlns="" xmlns:a14="http://schemas.microsoft.com/office/drawing/2010/main" w="9525">
+                <a14:hiddenLine xmlns:a14="http://schemas.microsoft.com/office/drawing/2010/main" xmlns="" w="9525">
                   <a:solidFill>
                     <a:srgbClr val="000000"/>
                   </a:solidFill>
@@ -5807,7 +6813,7 @@
             </a:ln>
             <a:extLst>
               <a:ext uri="{91240B29-F687-4f45-9708-019B960494DF}">
-                <a14:hiddenLine xmlns="" xmlns:a14="http://schemas.microsoft.com/office/drawing/2010/main" w="9525">
+                <a14:hiddenLine xmlns:a14="http://schemas.microsoft.com/office/drawing/2010/main" xmlns="" w="9525">
                   <a:solidFill>
                     <a:srgbClr val="000000"/>
                   </a:solidFill>
@@ -5927,7 +6933,7 @@
             </a:ln>
             <a:extLst>
               <a:ext uri="{91240B29-F687-4f45-9708-019B960494DF}">
-                <a14:hiddenLine xmlns="" xmlns:a14="http://schemas.microsoft.com/office/drawing/2010/main" w="9525">
+                <a14:hiddenLine xmlns:a14="http://schemas.microsoft.com/office/drawing/2010/main" xmlns="" w="9525">
                   <a:solidFill>
                     <a:srgbClr val="000000"/>
                   </a:solidFill>
@@ -5995,7 +7001,7 @@
             </a:ln>
             <a:extLst>
               <a:ext uri="{91240B29-F687-4f45-9708-019B960494DF}">
-                <a14:hiddenLine xmlns="" xmlns:a14="http://schemas.microsoft.com/office/drawing/2010/main" w="9525">
+                <a14:hiddenLine xmlns:a14="http://schemas.microsoft.com/office/drawing/2010/main" xmlns="" w="9525">
                   <a:solidFill>
                     <a:srgbClr val="000000"/>
                   </a:solidFill>
@@ -6085,7 +7091,7 @@
             </a:ln>
             <a:extLst>
               <a:ext uri="{91240B29-F687-4f45-9708-019B960494DF}">
-                <a14:hiddenLine xmlns="" xmlns:a14="http://schemas.microsoft.com/office/drawing/2010/main" w="9525">
+                <a14:hiddenLine xmlns:a14="http://schemas.microsoft.com/office/drawing/2010/main" xmlns="" w="9525">
                   <a:solidFill>
                     <a:srgbClr val="000000"/>
                   </a:solidFill>
@@ -10807,7 +11813,7 @@
           <a:noFill/>
           <a:extLst>
             <a:ext uri="{909E8E84-426E-40dd-AFC4-6F175D3DCCD1}">
-              <a14:hiddenFill xmlns="" xmlns:a14="http://schemas.microsoft.com/office/drawing/2010/main">
+              <a14:hiddenFill xmlns:a14="http://schemas.microsoft.com/office/drawing/2010/main" xmlns="">
                 <a:solidFill>
                   <a:srgbClr val="FFFFFF"/>
                 </a:solidFill>
@@ -10881,7 +11887,7 @@
               </a:ln>
               <a:extLst>
                 <a:ext uri="{91240B29-F687-4f45-9708-019B960494DF}">
-                  <a14:hiddenLine xmlns="" xmlns:a14="http://schemas.microsoft.com/office/drawing/2010/main" w="9525">
+                  <a14:hiddenLine xmlns:a14="http://schemas.microsoft.com/office/drawing/2010/main" xmlns="" w="9525">
                     <a:solidFill>
                       <a:srgbClr val="000000"/>
                     </a:solidFill>
@@ -10971,7 +11977,7 @@
               </a:ln>
               <a:extLst>
                 <a:ext uri="{91240B29-F687-4f45-9708-019B960494DF}">
-                  <a14:hiddenLine xmlns="" xmlns:a14="http://schemas.microsoft.com/office/drawing/2010/main" w="9525">
+                  <a14:hiddenLine xmlns:a14="http://schemas.microsoft.com/office/drawing/2010/main" xmlns="" w="9525">
                     <a:solidFill>
                       <a:srgbClr val="000000"/>
                     </a:solidFill>
@@ -11061,7 +12067,7 @@
               </a:ln>
               <a:extLst>
                 <a:ext uri="{91240B29-F687-4f45-9708-019B960494DF}">
-                  <a14:hiddenLine xmlns="" xmlns:a14="http://schemas.microsoft.com/office/drawing/2010/main" w="9525">
+                  <a14:hiddenLine xmlns:a14="http://schemas.microsoft.com/office/drawing/2010/main" xmlns="" w="9525">
                     <a:solidFill>
                       <a:srgbClr val="000000"/>
                     </a:solidFill>
@@ -11123,7 +12129,7 @@
               </a:ln>
               <a:extLst>
                 <a:ext uri="{91240B29-F687-4f45-9708-019B960494DF}">
-                  <a14:hiddenLine xmlns="" xmlns:a14="http://schemas.microsoft.com/office/drawing/2010/main" w="9525">
+                  <a14:hiddenLine xmlns:a14="http://schemas.microsoft.com/office/drawing/2010/main" xmlns="" w="9525">
                     <a:solidFill>
                       <a:srgbClr val="000000"/>
                     </a:solidFill>
@@ -11213,7 +12219,7 @@
               </a:ln>
               <a:extLst>
                 <a:ext uri="{91240B29-F687-4f45-9708-019B960494DF}">
-                  <a14:hiddenLine xmlns="" xmlns:a14="http://schemas.microsoft.com/office/drawing/2010/main" w="9525">
+                  <a14:hiddenLine xmlns:a14="http://schemas.microsoft.com/office/drawing/2010/main" xmlns="" w="9525">
                     <a:solidFill>
                       <a:srgbClr val="000000"/>
                     </a:solidFill>
@@ -11275,7 +12281,7 @@
               </a:ln>
               <a:extLst>
                 <a:ext uri="{91240B29-F687-4f45-9708-019B960494DF}">
-                  <a14:hiddenLine xmlns="" xmlns:a14="http://schemas.microsoft.com/office/drawing/2010/main" w="9525">
+                  <a14:hiddenLine xmlns:a14="http://schemas.microsoft.com/office/drawing/2010/main" xmlns="" w="9525">
                     <a:solidFill>
                       <a:srgbClr val="000000"/>
                     </a:solidFill>
@@ -11337,7 +12343,7 @@
               </a:ln>
               <a:extLst>
                 <a:ext uri="{91240B29-F687-4f45-9708-019B960494DF}">
-                  <a14:hiddenLine xmlns="" xmlns:a14="http://schemas.microsoft.com/office/drawing/2010/main" w="9525">
+                  <a14:hiddenLine xmlns:a14="http://schemas.microsoft.com/office/drawing/2010/main" xmlns="" w="9525">
                     <a:solidFill>
                       <a:srgbClr val="000000"/>
                     </a:solidFill>
@@ -11427,7 +12433,7 @@
               </a:ln>
               <a:extLst>
                 <a:ext uri="{91240B29-F687-4f45-9708-019B960494DF}">
-                  <a14:hiddenLine xmlns="" xmlns:a14="http://schemas.microsoft.com/office/drawing/2010/main" w="9525">
+                  <a14:hiddenLine xmlns:a14="http://schemas.microsoft.com/office/drawing/2010/main" xmlns="" w="9525">
                     <a:solidFill>
                       <a:srgbClr val="000000"/>
                     </a:solidFill>
@@ -11517,7 +12523,7 @@
               </a:ln>
               <a:extLst>
                 <a:ext uri="{91240B29-F687-4f45-9708-019B960494DF}">
-                  <a14:hiddenLine xmlns="" xmlns:a14="http://schemas.microsoft.com/office/drawing/2010/main" w="9525">
+                  <a14:hiddenLine xmlns:a14="http://schemas.microsoft.com/office/drawing/2010/main" xmlns="" w="9525">
                     <a:solidFill>
                       <a:srgbClr val="000000"/>
                     </a:solidFill>
@@ -11579,7 +12585,7 @@
               </a:ln>
               <a:extLst>
                 <a:ext uri="{91240B29-F687-4f45-9708-019B960494DF}">
-                  <a14:hiddenLine xmlns="" xmlns:a14="http://schemas.microsoft.com/office/drawing/2010/main" w="9525">
+                  <a14:hiddenLine xmlns:a14="http://schemas.microsoft.com/office/drawing/2010/main" xmlns="" w="9525">
                     <a:solidFill>
                       <a:srgbClr val="000000"/>
                     </a:solidFill>
@@ -11689,7 +12695,7 @@
               </a:ln>
               <a:extLst>
                 <a:ext uri="{91240B29-F687-4f45-9708-019B960494DF}">
-                  <a14:hiddenLine xmlns="" xmlns:a14="http://schemas.microsoft.com/office/drawing/2010/main" w="9525">
+                  <a14:hiddenLine xmlns:a14="http://schemas.microsoft.com/office/drawing/2010/main" xmlns="" w="9525">
                     <a:solidFill>
                       <a:srgbClr val="000000"/>
                     </a:solidFill>
@@ -11773,7 +12779,7 @@
               </a:ln>
               <a:extLst>
                 <a:ext uri="{91240B29-F687-4f45-9708-019B960494DF}">
-                  <a14:hiddenLine xmlns="" xmlns:a14="http://schemas.microsoft.com/office/drawing/2010/main" w="9525">
+                  <a14:hiddenLine xmlns:a14="http://schemas.microsoft.com/office/drawing/2010/main" xmlns="" w="9525">
                     <a:solidFill>
                       <a:srgbClr val="000000"/>
                     </a:solidFill>
@@ -11835,7 +12841,7 @@
               </a:ln>
               <a:extLst>
                 <a:ext uri="{91240B29-F687-4f45-9708-019B960494DF}">
-                  <a14:hiddenLine xmlns="" xmlns:a14="http://schemas.microsoft.com/office/drawing/2010/main" w="9525">
+                  <a14:hiddenLine xmlns:a14="http://schemas.microsoft.com/office/drawing/2010/main" xmlns="" w="9525">
                     <a:solidFill>
                       <a:srgbClr val="000000"/>
                     </a:solidFill>
@@ -11897,7 +12903,7 @@
               </a:ln>
               <a:extLst>
                 <a:ext uri="{91240B29-F687-4f45-9708-019B960494DF}">
-                  <a14:hiddenLine xmlns="" xmlns:a14="http://schemas.microsoft.com/office/drawing/2010/main" w="9525">
+                  <a14:hiddenLine xmlns:a14="http://schemas.microsoft.com/office/drawing/2010/main" xmlns="" w="9525">
                     <a:solidFill>
                       <a:srgbClr val="000000"/>
                     </a:solidFill>
@@ -11987,7 +12993,7 @@
               </a:ln>
               <a:extLst>
                 <a:ext uri="{91240B29-F687-4f45-9708-019B960494DF}">
-                  <a14:hiddenLine xmlns="" xmlns:a14="http://schemas.microsoft.com/office/drawing/2010/main" w="9525">
+                  <a14:hiddenLine xmlns:a14="http://schemas.microsoft.com/office/drawing/2010/main" xmlns="" w="9525">
                     <a:solidFill>
                       <a:srgbClr val="000000"/>
                     </a:solidFill>
@@ -12021,7 +13027,7 @@
               </a:ln>
               <a:extLst>
                 <a:ext uri="{91240B29-F687-4f45-9708-019B960494DF}">
-                  <a14:hiddenLine xmlns="" xmlns:a14="http://schemas.microsoft.com/office/drawing/2010/main" w="9525">
+                  <a14:hiddenLine xmlns:a14="http://schemas.microsoft.com/office/drawing/2010/main" xmlns="" w="9525">
                     <a:solidFill>
                       <a:srgbClr val="000000"/>
                     </a:solidFill>
@@ -12086,7 +13092,7 @@
               </a:ln>
               <a:extLst>
                 <a:ext uri="{91240B29-F687-4f45-9708-019B960494DF}">
-                  <a14:hiddenLine xmlns="" xmlns:a14="http://schemas.microsoft.com/office/drawing/2010/main" w="9525">
+                  <a14:hiddenLine xmlns:a14="http://schemas.microsoft.com/office/drawing/2010/main" xmlns="" w="9525">
                     <a:solidFill>
                       <a:srgbClr val="000000"/>
                     </a:solidFill>
@@ -12176,7 +13182,7 @@
               </a:ln>
               <a:extLst>
                 <a:ext uri="{91240B29-F687-4f45-9708-019B960494DF}">
-                  <a14:hiddenLine xmlns="" xmlns:a14="http://schemas.microsoft.com/office/drawing/2010/main" w="9525">
+                  <a14:hiddenLine xmlns:a14="http://schemas.microsoft.com/office/drawing/2010/main" xmlns="" w="9525">
                     <a:solidFill>
                       <a:srgbClr val="000000"/>
                     </a:solidFill>
@@ -12238,7 +13244,7 @@
               </a:ln>
               <a:extLst>
                 <a:ext uri="{91240B29-F687-4f45-9708-019B960494DF}">
-                  <a14:hiddenLine xmlns="" xmlns:a14="http://schemas.microsoft.com/office/drawing/2010/main" w="9525">
+                  <a14:hiddenLine xmlns:a14="http://schemas.microsoft.com/office/drawing/2010/main" xmlns="" w="9525">
                     <a:solidFill>
                       <a:srgbClr val="000000"/>
                     </a:solidFill>
@@ -12328,7 +13334,7 @@
               </a:ln>
               <a:extLst>
                 <a:ext uri="{91240B29-F687-4f45-9708-019B960494DF}">
-                  <a14:hiddenLine xmlns="" xmlns:a14="http://schemas.microsoft.com/office/drawing/2010/main" w="9525">
+                  <a14:hiddenLine xmlns:a14="http://schemas.microsoft.com/office/drawing/2010/main" xmlns="" w="9525">
                     <a:solidFill>
                       <a:srgbClr val="000000"/>
                     </a:solidFill>
@@ -12393,7 +13399,7 @@
               </a:ln>
               <a:extLst>
                 <a:ext uri="{91240B29-F687-4f45-9708-019B960494DF}">
-                  <a14:hiddenLine xmlns="" xmlns:a14="http://schemas.microsoft.com/office/drawing/2010/main" w="9525">
+                  <a14:hiddenLine xmlns:a14="http://schemas.microsoft.com/office/drawing/2010/main" xmlns="" w="9525">
                     <a:solidFill>
                       <a:srgbClr val="000000"/>
                     </a:solidFill>
@@ -12455,7 +13461,7 @@
               </a:ln>
               <a:extLst>
                 <a:ext uri="{91240B29-F687-4f45-9708-019B960494DF}">
-                  <a14:hiddenLine xmlns="" xmlns:a14="http://schemas.microsoft.com/office/drawing/2010/main" w="9525">
+                  <a14:hiddenLine xmlns:a14="http://schemas.microsoft.com/office/drawing/2010/main" xmlns="" w="9525">
                     <a:solidFill>
                       <a:srgbClr val="000000"/>
                     </a:solidFill>
@@ -12545,7 +13551,7 @@
               </a:ln>
               <a:extLst>
                 <a:ext uri="{91240B29-F687-4f45-9708-019B960494DF}">
-                  <a14:hiddenLine xmlns="" xmlns:a14="http://schemas.microsoft.com/office/drawing/2010/main" w="9525">
+                  <a14:hiddenLine xmlns:a14="http://schemas.microsoft.com/office/drawing/2010/main" xmlns="" w="9525">
                     <a:solidFill>
                       <a:srgbClr val="000000"/>
                     </a:solidFill>
@@ -12635,7 +13641,7 @@
               </a:ln>
               <a:extLst>
                 <a:ext uri="{91240B29-F687-4f45-9708-019B960494DF}">
-                  <a14:hiddenLine xmlns="" xmlns:a14="http://schemas.microsoft.com/office/drawing/2010/main" w="9525">
+                  <a14:hiddenLine xmlns:a14="http://schemas.microsoft.com/office/drawing/2010/main" xmlns="" w="9525">
                     <a:solidFill>
                       <a:srgbClr val="000000"/>
                     </a:solidFill>
@@ -12700,7 +13706,7 @@
               </a:ln>
               <a:extLst>
                 <a:ext uri="{91240B29-F687-4f45-9708-019B960494DF}">
-                  <a14:hiddenLine xmlns="" xmlns:a14="http://schemas.microsoft.com/office/drawing/2010/main" w="9525">
+                  <a14:hiddenLine xmlns:a14="http://schemas.microsoft.com/office/drawing/2010/main" xmlns="" w="9525">
                     <a:solidFill>
                       <a:srgbClr val="000000"/>
                     </a:solidFill>
@@ -12820,7 +13826,7 @@
               </a:ln>
               <a:extLst>
                 <a:ext uri="{91240B29-F687-4f45-9708-019B960494DF}">
-                  <a14:hiddenLine xmlns="" xmlns:a14="http://schemas.microsoft.com/office/drawing/2010/main" w="9525">
+                  <a14:hiddenLine xmlns:a14="http://schemas.microsoft.com/office/drawing/2010/main" xmlns="" w="9525">
                     <a:solidFill>
                       <a:srgbClr val="000000"/>
                     </a:solidFill>
@@ -12918,7 +13924,7 @@
               </a:ln>
               <a:extLst>
                 <a:ext uri="{91240B29-F687-4f45-9708-019B960494DF}">
-                  <a14:hiddenLine xmlns="" xmlns:a14="http://schemas.microsoft.com/office/drawing/2010/main" w="9525">
+                  <a14:hiddenLine xmlns:a14="http://schemas.microsoft.com/office/drawing/2010/main" xmlns="" w="9525">
                     <a:solidFill>
                       <a:srgbClr val="000000"/>
                     </a:solidFill>
@@ -13033,7 +14039,7 @@
               </a:ln>
               <a:extLst>
                 <a:ext uri="{91240B29-F687-4f45-9708-019B960494DF}">
-                  <a14:hiddenLine xmlns="" xmlns:a14="http://schemas.microsoft.com/office/drawing/2010/main" w="9525">
+                  <a14:hiddenLine xmlns:a14="http://schemas.microsoft.com/office/drawing/2010/main" xmlns="" w="9525">
                     <a:solidFill>
                       <a:srgbClr val="000000"/>
                     </a:solidFill>
@@ -13123,7 +14129,7 @@
               </a:ln>
               <a:extLst>
                 <a:ext uri="{91240B29-F687-4f45-9708-019B960494DF}">
-                  <a14:hiddenLine xmlns="" xmlns:a14="http://schemas.microsoft.com/office/drawing/2010/main" w="9525">
+                  <a14:hiddenLine xmlns:a14="http://schemas.microsoft.com/office/drawing/2010/main" xmlns="" w="9525">
                     <a:solidFill>
                       <a:srgbClr val="000000"/>
                     </a:solidFill>
@@ -13188,7 +14194,7 @@
               </a:ln>
               <a:extLst>
                 <a:ext uri="{91240B29-F687-4f45-9708-019B960494DF}">
-                  <a14:hiddenLine xmlns="" xmlns:a14="http://schemas.microsoft.com/office/drawing/2010/main" w="9525">
+                  <a14:hiddenLine xmlns:a14="http://schemas.microsoft.com/office/drawing/2010/main" xmlns="" w="9525">
                     <a:solidFill>
                       <a:srgbClr val="000000"/>
                     </a:solidFill>
@@ -13278,7 +14284,7 @@
               </a:ln>
               <a:extLst>
                 <a:ext uri="{91240B29-F687-4f45-9708-019B960494DF}">
-                  <a14:hiddenLine xmlns="" xmlns:a14="http://schemas.microsoft.com/office/drawing/2010/main" w="9525">
+                  <a14:hiddenLine xmlns:a14="http://schemas.microsoft.com/office/drawing/2010/main" xmlns="" w="9525">
                     <a:solidFill>
                       <a:srgbClr val="000000"/>
                     </a:solidFill>
@@ -13346,7 +14352,7 @@
               </a:ln>
               <a:extLst>
                 <a:ext uri="{91240B29-F687-4f45-9708-019B960494DF}">
-                  <a14:hiddenLine xmlns="" xmlns:a14="http://schemas.microsoft.com/office/drawing/2010/main" w="9525">
+                  <a14:hiddenLine xmlns:a14="http://schemas.microsoft.com/office/drawing/2010/main" xmlns="" w="9525">
                     <a:solidFill>
                       <a:srgbClr val="000000"/>
                     </a:solidFill>
@@ -13436,7 +14442,7 @@
               </a:ln>
               <a:extLst>
                 <a:ext uri="{91240B29-F687-4f45-9708-019B960494DF}">
-                  <a14:hiddenLine xmlns="" xmlns:a14="http://schemas.microsoft.com/office/drawing/2010/main" w="9525">
+                  <a14:hiddenLine xmlns:a14="http://schemas.microsoft.com/office/drawing/2010/main" xmlns="" w="9525">
                     <a:solidFill>
                       <a:srgbClr val="000000"/>
                     </a:solidFill>
@@ -13504,7 +14510,7 @@
               </a:ln>
               <a:extLst>
                 <a:ext uri="{91240B29-F687-4f45-9708-019B960494DF}">
-                  <a14:hiddenLine xmlns="" xmlns:a14="http://schemas.microsoft.com/office/drawing/2010/main" w="9525">
+                  <a14:hiddenLine xmlns:a14="http://schemas.microsoft.com/office/drawing/2010/main" xmlns="" w="9525">
                     <a:solidFill>
                       <a:srgbClr val="000000"/>
                     </a:solidFill>
@@ -13594,7 +14600,7 @@
               </a:ln>
               <a:extLst>
                 <a:ext uri="{91240B29-F687-4f45-9708-019B960494DF}">
-                  <a14:hiddenLine xmlns="" xmlns:a14="http://schemas.microsoft.com/office/drawing/2010/main" w="9525">
+                  <a14:hiddenLine xmlns:a14="http://schemas.microsoft.com/office/drawing/2010/main" xmlns="" w="9525">
                     <a:solidFill>
                       <a:srgbClr val="000000"/>
                     </a:solidFill>
@@ -13628,7 +14634,7 @@
               </a:ln>
               <a:extLst>
                 <a:ext uri="{91240B29-F687-4f45-9708-019B960494DF}">
-                  <a14:hiddenLine xmlns="" xmlns:a14="http://schemas.microsoft.com/office/drawing/2010/main" w="9525">
+                  <a14:hiddenLine xmlns:a14="http://schemas.microsoft.com/office/drawing/2010/main" xmlns="" w="9525">
                     <a:solidFill>
                       <a:srgbClr val="000000"/>
                     </a:solidFill>
